--- a/111061545_labA_report.pptx
+++ b/111061545_labA_report.pptx
@@ -5,34 +5,51 @@
     <p:sldMasterId id="2147483648" r:id="rId1"/>
   </p:sldMasterIdLst>
   <p:notesMasterIdLst>
-    <p:notesMasterId r:id="rId27"/>
+    <p:notesMasterId r:id="rId44"/>
   </p:notesMasterIdLst>
   <p:sldIdLst>
     <p:sldId id="256" r:id="rId2"/>
     <p:sldId id="257" r:id="rId3"/>
     <p:sldId id="258" r:id="rId4"/>
     <p:sldId id="259" r:id="rId5"/>
-    <p:sldId id="260" r:id="rId6"/>
-    <p:sldId id="261" r:id="rId7"/>
-    <p:sldId id="262" r:id="rId8"/>
-    <p:sldId id="263" r:id="rId9"/>
-    <p:sldId id="264" r:id="rId10"/>
-    <p:sldId id="265" r:id="rId11"/>
-    <p:sldId id="266" r:id="rId12"/>
-    <p:sldId id="267" r:id="rId13"/>
-    <p:sldId id="268" r:id="rId14"/>
-    <p:sldId id="269" r:id="rId15"/>
-    <p:sldId id="270" r:id="rId16"/>
-    <p:sldId id="271" r:id="rId17"/>
-    <p:sldId id="272" r:id="rId18"/>
-    <p:sldId id="273" r:id="rId19"/>
-    <p:sldId id="274" r:id="rId20"/>
-    <p:sldId id="275" r:id="rId21"/>
-    <p:sldId id="276" r:id="rId22"/>
-    <p:sldId id="277" r:id="rId23"/>
-    <p:sldId id="278" r:id="rId24"/>
-    <p:sldId id="279" r:id="rId25"/>
-    <p:sldId id="280" r:id="rId26"/>
+    <p:sldId id="286" r:id="rId6"/>
+    <p:sldId id="287" r:id="rId7"/>
+    <p:sldId id="288" r:id="rId8"/>
+    <p:sldId id="260" r:id="rId9"/>
+    <p:sldId id="261" r:id="rId10"/>
+    <p:sldId id="262" r:id="rId11"/>
+    <p:sldId id="263" r:id="rId12"/>
+    <p:sldId id="281" r:id="rId13"/>
+    <p:sldId id="264" r:id="rId14"/>
+    <p:sldId id="265" r:id="rId15"/>
+    <p:sldId id="289" r:id="rId16"/>
+    <p:sldId id="266" r:id="rId17"/>
+    <p:sldId id="267" r:id="rId18"/>
+    <p:sldId id="282" r:id="rId19"/>
+    <p:sldId id="283" r:id="rId20"/>
+    <p:sldId id="268" r:id="rId21"/>
+    <p:sldId id="290" r:id="rId22"/>
+    <p:sldId id="294" r:id="rId23"/>
+    <p:sldId id="291" r:id="rId24"/>
+    <p:sldId id="269" r:id="rId25"/>
+    <p:sldId id="270" r:id="rId26"/>
+    <p:sldId id="271" r:id="rId27"/>
+    <p:sldId id="284" r:id="rId28"/>
+    <p:sldId id="285" r:id="rId29"/>
+    <p:sldId id="272" r:id="rId30"/>
+    <p:sldId id="292" r:id="rId31"/>
+    <p:sldId id="293" r:id="rId32"/>
+    <p:sldId id="274" r:id="rId33"/>
+    <p:sldId id="275" r:id="rId34"/>
+    <p:sldId id="276" r:id="rId35"/>
+    <p:sldId id="277" r:id="rId36"/>
+    <p:sldId id="295" r:id="rId37"/>
+    <p:sldId id="297" r:id="rId38"/>
+    <p:sldId id="296" r:id="rId39"/>
+    <p:sldId id="278" r:id="rId40"/>
+    <p:sldId id="299" r:id="rId41"/>
+    <p:sldId id="279" r:id="rId42"/>
+    <p:sldId id="280" r:id="rId43"/>
   </p:sldIdLst>
   <p:sldSz cx="12192000" cy="6858000"/>
   <p:notesSz cx="6858000" cy="9144000"/>
@@ -221,7 +238,7 @@
           <a:p>
             <a:fld id="{D48E2934-D5C3-4EC8-A984-FA1F856240B2}" type="datetimeFigureOut">
               <a:rPr lang="zh-TW" altLang="en-US" smtClean="0"/>
-              <a:t>2023/3/17</a:t>
+              <a:t>2023/3/20</a:t>
             </a:fld>
             <a:endParaRPr lang="zh-TW" altLang="en-US"/>
           </a:p>
@@ -553,7 +570,7 @@
           <a:p>
             <a:fld id="{B5256544-F7B9-4C4C-9E8E-DB38FAB1A936}" type="slidenum">
               <a:rPr lang="zh-TW" altLang="en-US" smtClean="0"/>
-              <a:t>8</a:t>
+              <a:t>6</a:t>
             </a:fld>
             <a:endParaRPr lang="zh-TW" altLang="en-US"/>
           </a:p>
@@ -562,7 +579,91 @@
     </p:spTree>
     <p:extLst>
       <p:ext uri="{BB962C8B-B14F-4D97-AF65-F5344CB8AC3E}">
-        <p14:creationId xmlns:p14="http://schemas.microsoft.com/office/powerpoint/2010/main" val="2773658425"/>
+        <p14:creationId xmlns:p14="http://schemas.microsoft.com/office/powerpoint/2010/main" val="3896137989"/>
+      </p:ext>
+    </p:extLst>
+  </p:cSld>
+  <p:clrMapOvr>
+    <a:masterClrMapping/>
+  </p:clrMapOvr>
+</p:notes>
+</file>
+
+<file path=ppt/notesSlides/notesSlide10.xml><?xml version="1.0" encoding="utf-8"?>
+<p:notes xmlns:a="http://schemas.openxmlformats.org/drawingml/2006/main" xmlns:r="http://schemas.openxmlformats.org/officeDocument/2006/relationships" xmlns:p="http://schemas.openxmlformats.org/presentationml/2006/main">
+  <p:cSld>
+    <p:spTree>
+      <p:nvGrpSpPr>
+        <p:cNvPr id="1" name=""/>
+        <p:cNvGrpSpPr/>
+        <p:nvPr/>
+      </p:nvGrpSpPr>
+      <p:grpSpPr>
+        <a:xfrm>
+          <a:off x="0" y="0"/>
+          <a:ext cx="0" cy="0"/>
+          <a:chOff x="0" y="0"/>
+          <a:chExt cx="0" cy="0"/>
+        </a:xfrm>
+      </p:grpSpPr>
+      <p:sp>
+        <p:nvSpPr>
+          <p:cNvPr id="2" name="投影片圖像版面配置區 1"/>
+          <p:cNvSpPr>
+            <a:spLocks noGrp="1" noRot="1" noChangeAspect="1"/>
+          </p:cNvSpPr>
+          <p:nvPr>
+            <p:ph type="sldImg"/>
+          </p:nvPr>
+        </p:nvSpPr>
+        <p:spPr/>
+      </p:sp>
+      <p:sp>
+        <p:nvSpPr>
+          <p:cNvPr id="3" name="備忘稿版面配置區 2"/>
+          <p:cNvSpPr>
+            <a:spLocks noGrp="1"/>
+          </p:cNvSpPr>
+          <p:nvPr>
+            <p:ph type="body" idx="1"/>
+          </p:nvPr>
+        </p:nvSpPr>
+        <p:spPr/>
+        <p:txBody>
+          <a:bodyPr/>
+          <a:lstStyle/>
+          <a:p>
+            <a:endParaRPr lang="zh-TW" altLang="en-US" dirty="0"/>
+          </a:p>
+        </p:txBody>
+      </p:sp>
+      <p:sp>
+        <p:nvSpPr>
+          <p:cNvPr id="4" name="投影片編號版面配置區 3"/>
+          <p:cNvSpPr>
+            <a:spLocks noGrp="1"/>
+          </p:cNvSpPr>
+          <p:nvPr>
+            <p:ph type="sldNum" sz="quarter" idx="10"/>
+          </p:nvPr>
+        </p:nvSpPr>
+        <p:spPr/>
+        <p:txBody>
+          <a:bodyPr/>
+          <a:lstStyle/>
+          <a:p>
+            <a:fld id="{B5256544-F7B9-4C4C-9E8E-DB38FAB1A936}" type="slidenum">
+              <a:rPr lang="zh-TW" altLang="en-US" smtClean="0"/>
+              <a:t>42</a:t>
+            </a:fld>
+            <a:endParaRPr lang="zh-TW" altLang="en-US"/>
+          </a:p>
+        </p:txBody>
+      </p:sp>
+    </p:spTree>
+    <p:extLst>
+      <p:ext uri="{BB962C8B-B14F-4D97-AF65-F5344CB8AC3E}">
+        <p14:creationId xmlns:p14="http://schemas.microsoft.com/office/powerpoint/2010/main" val="2345206421"/>
       </p:ext>
     </p:extLst>
   </p:cSld>
@@ -591,7 +692,7 @@
       </p:grpSpPr>
       <p:sp>
         <p:nvSpPr>
-          <p:cNvPr id="2" name="投影片圖像版面配置區 1"/>
+          <p:cNvPr id="2" name="投影片影像版面配置區 1"/>
           <p:cNvSpPr>
             <a:spLocks noGrp="1" noRot="1" noChangeAspect="1"/>
           </p:cNvSpPr>
@@ -616,102 +717,6 @@
           <a:bodyPr/>
           <a:lstStyle/>
           <a:p>
-            <a:r>
-              <a:rPr lang="en-US" altLang="zh-TW" sz="1200" b="0" i="0" u="none" strike="noStrike" kern="1200" baseline="0" dirty="0">
-                <a:solidFill>
-                  <a:schemeClr val="tx1"/>
-                </a:solidFill>
-                <a:latin typeface="+mn-lt"/>
-                <a:ea typeface="+mn-ea"/>
-                <a:cs typeface="+mn-cs"/>
-              </a:rPr>
-              <a:t>1. The data on port in1 is only read when port in1_ap_vld is active-High. </a:t>
-            </a:r>
-          </a:p>
-          <a:p>
-            <a:r>
-              <a:rPr lang="en-US" altLang="zh-TW" sz="1200" b="0" i="0" u="none" strike="noStrike" kern="1200" baseline="0" dirty="0">
-                <a:solidFill>
-                  <a:schemeClr val="tx1"/>
-                </a:solidFill>
-                <a:latin typeface="+mn-lt"/>
-                <a:ea typeface="+mn-ea"/>
-                <a:cs typeface="+mn-cs"/>
-              </a:rPr>
-              <a:t>2. Port in2_ap_ack will be active-High when data port in2 is read. </a:t>
-            </a:r>
-          </a:p>
-          <a:p>
-            <a:r>
-              <a:rPr lang="en-US" altLang="zh-TW" sz="1200" b="0" i="0" u="none" strike="noStrike" kern="1200" baseline="0" dirty="0">
-                <a:solidFill>
-                  <a:schemeClr val="tx1"/>
-                </a:solidFill>
-                <a:latin typeface="+mn-lt"/>
-                <a:ea typeface="+mn-ea"/>
-                <a:cs typeface="+mn-cs"/>
-              </a:rPr>
-              <a:t>3. </a:t>
-            </a:r>
-            <a:r>
-              <a:rPr lang="en-US" altLang="zh-TW" sz="1200" b="0" i="0" u="none" strike="noStrike" kern="1200" baseline="0" dirty="0" err="1">
-                <a:solidFill>
-                  <a:schemeClr val="tx1"/>
-                </a:solidFill>
-                <a:latin typeface="+mn-lt"/>
-                <a:ea typeface="+mn-ea"/>
-                <a:cs typeface="+mn-cs"/>
-              </a:rPr>
-              <a:t>inout_i</a:t>
-            </a:r>
-            <a:r>
-              <a:rPr lang="en-US" altLang="zh-TW" sz="1200" b="0" i="0" u="none" strike="noStrike" kern="1200" baseline="0" dirty="0">
-                <a:solidFill>
-                  <a:schemeClr val="tx1"/>
-                </a:solidFill>
-                <a:latin typeface="+mn-lt"/>
-                <a:ea typeface="+mn-ea"/>
-                <a:cs typeface="+mn-cs"/>
-              </a:rPr>
-              <a:t> associated input valid port inout1_i_ap_vld and output acknowledge port inout1_i_ap_ack. </a:t>
-            </a:r>
-          </a:p>
-          <a:p>
-            <a:r>
-              <a:rPr lang="en-US" altLang="zh-TW" sz="1200" b="0" i="0" u="none" strike="noStrike" kern="1200" baseline="0" dirty="0">
-                <a:solidFill>
-                  <a:schemeClr val="tx1"/>
-                </a:solidFill>
-                <a:latin typeface="+mn-lt"/>
-                <a:ea typeface="+mn-ea"/>
-                <a:cs typeface="+mn-cs"/>
-              </a:rPr>
-              <a:t>4. </a:t>
-            </a:r>
-            <a:r>
-              <a:rPr lang="en-US" altLang="zh-TW" sz="1200" b="0" i="0" u="none" strike="noStrike" kern="1200" baseline="0" dirty="0" err="1">
-                <a:solidFill>
-                  <a:schemeClr val="tx1"/>
-                </a:solidFill>
-                <a:latin typeface="+mn-lt"/>
-                <a:ea typeface="+mn-ea"/>
-                <a:cs typeface="+mn-cs"/>
-              </a:rPr>
-              <a:t>inout_o</a:t>
-            </a:r>
-            <a:r>
-              <a:rPr lang="en-US" altLang="zh-TW" sz="1200" b="0" i="0" u="none" strike="noStrike" kern="1200" baseline="0" dirty="0">
-                <a:solidFill>
-                  <a:schemeClr val="tx1"/>
-                </a:solidFill>
-                <a:latin typeface="+mn-lt"/>
-                <a:ea typeface="+mn-ea"/>
-                <a:cs typeface="+mn-cs"/>
-              </a:rPr>
-              <a:t> associated output valid port inout1_o_ap_vld and input acknowledge port inout1_o_ap_ack. </a:t>
-            </a:r>
-          </a:p>
-          <a:p>
             <a:endParaRPr lang="zh-TW" altLang="en-US" dirty="0"/>
           </a:p>
         </p:txBody>
@@ -723,7 +728,7 @@
             <a:spLocks noGrp="1"/>
           </p:cNvSpPr>
           <p:nvPr>
-            <p:ph type="sldNum" sz="quarter" idx="10"/>
+            <p:ph type="sldNum" sz="quarter" idx="5"/>
           </p:nvPr>
         </p:nvSpPr>
         <p:spPr/>
@@ -733,7 +738,7 @@
           <a:p>
             <a:fld id="{B5256544-F7B9-4C4C-9E8E-DB38FAB1A936}" type="slidenum">
               <a:rPr lang="zh-TW" altLang="en-US" smtClean="0"/>
-              <a:t>12</a:t>
+              <a:t>11</a:t>
             </a:fld>
             <a:endParaRPr lang="zh-TW" altLang="en-US"/>
           </a:p>
@@ -742,7 +747,7 @@
     </p:spTree>
     <p:extLst>
       <p:ext uri="{BB962C8B-B14F-4D97-AF65-F5344CB8AC3E}">
-        <p14:creationId xmlns:p14="http://schemas.microsoft.com/office/powerpoint/2010/main" val="4267902664"/>
+        <p14:creationId xmlns:p14="http://schemas.microsoft.com/office/powerpoint/2010/main" val="2773658425"/>
       </p:ext>
     </p:extLst>
   </p:cSld>
@@ -771,7 +776,7 @@
       </p:grpSpPr>
       <p:sp>
         <p:nvSpPr>
-          <p:cNvPr id="2" name="投影片圖像版面配置區 1"/>
+          <p:cNvPr id="2" name="投影片影像版面配置區 1"/>
           <p:cNvSpPr>
             <a:spLocks noGrp="1" noRot="1" noChangeAspect="1"/>
           </p:cNvSpPr>
@@ -797,228 +802,56 @@
           <a:lstStyle/>
           <a:p>
             <a:r>
-              <a:rPr lang="en-US" altLang="zh-TW" sz="1200" b="0" i="0" u="none" strike="noStrike" kern="1200" baseline="0" dirty="0">
-                <a:solidFill>
-                  <a:schemeClr val="tx1"/>
-                </a:solidFill>
-                <a:latin typeface="+mn-lt"/>
-                <a:ea typeface="+mn-ea"/>
-                <a:cs typeface="+mn-cs"/>
-              </a:rPr>
-              <a:t>If we change the factor of </a:t>
-            </a:r>
-            <a:r>
-              <a:rPr lang="en-US" altLang="zh-TW" sz="1200" b="0" i="0" u="none" strike="noStrike" kern="1200" baseline="0" dirty="0" err="1">
-                <a:solidFill>
-                  <a:schemeClr val="tx1"/>
-                </a:solidFill>
-                <a:latin typeface="+mn-lt"/>
-                <a:ea typeface="+mn-ea"/>
-                <a:cs typeface="+mn-cs"/>
-              </a:rPr>
-              <a:t>d_i</a:t>
-            </a:r>
-            <a:r>
-              <a:rPr lang="en-US" altLang="zh-TW" sz="1200" b="0" i="0" u="none" strike="noStrike" kern="1200" baseline="0" dirty="0">
-                <a:solidFill>
-                  <a:schemeClr val="tx1"/>
-                </a:solidFill>
-                <a:latin typeface="+mn-lt"/>
-                <a:ea typeface="+mn-ea"/>
-                <a:cs typeface="+mn-cs"/>
-              </a:rPr>
-              <a:t> and </a:t>
-            </a:r>
-            <a:r>
-              <a:rPr lang="en-US" altLang="zh-TW" sz="1200" b="0" i="0" u="none" strike="noStrike" kern="1200" baseline="0" dirty="0" err="1">
-                <a:solidFill>
-                  <a:schemeClr val="tx1"/>
-                </a:solidFill>
-                <a:latin typeface="+mn-lt"/>
-                <a:ea typeface="+mn-ea"/>
-                <a:cs typeface="+mn-cs"/>
-              </a:rPr>
-              <a:t>d_o</a:t>
-            </a:r>
-            <a:r>
-              <a:rPr lang="en-US" altLang="zh-TW" sz="1200" b="0" i="0" u="none" strike="noStrike" kern="1200" baseline="0" dirty="0">
-                <a:solidFill>
-                  <a:schemeClr val="tx1"/>
-                </a:solidFill>
-                <a:latin typeface="+mn-lt"/>
-                <a:ea typeface="+mn-ea"/>
-                <a:cs typeface="+mn-cs"/>
-              </a:rPr>
-              <a:t>. we should first know the </a:t>
-            </a:r>
-            <a:r>
-              <a:rPr lang="en-US" altLang="zh-TW" sz="1200" b="0" i="0" u="none" strike="noStrike" kern="1200" baseline="0" dirty="0" err="1">
-                <a:solidFill>
-                  <a:schemeClr val="tx1"/>
-                </a:solidFill>
-                <a:latin typeface="+mn-lt"/>
-                <a:ea typeface="+mn-ea"/>
-                <a:cs typeface="+mn-cs"/>
-              </a:rPr>
-              <a:t>d_i</a:t>
-            </a:r>
-            <a:r>
-              <a:rPr lang="en-US" altLang="zh-TW" sz="1200" b="0" i="0" u="none" strike="noStrike" kern="1200" baseline="0" dirty="0">
-                <a:solidFill>
-                  <a:schemeClr val="tx1"/>
-                </a:solidFill>
-                <a:latin typeface="+mn-lt"/>
-                <a:ea typeface="+mn-ea"/>
-                <a:cs typeface="+mn-cs"/>
-              </a:rPr>
-              <a:t> = 2, </a:t>
-            </a:r>
-            <a:r>
-              <a:rPr lang="en-US" altLang="zh-TW" sz="1200" b="0" i="0" u="none" strike="noStrike" kern="1200" baseline="0" dirty="0" err="1">
-                <a:solidFill>
-                  <a:schemeClr val="tx1"/>
-                </a:solidFill>
-                <a:latin typeface="+mn-lt"/>
-                <a:ea typeface="+mn-ea"/>
-                <a:cs typeface="+mn-cs"/>
-              </a:rPr>
-              <a:t>d_o</a:t>
-            </a:r>
-            <a:r>
-              <a:rPr lang="en-US" altLang="zh-TW" sz="1200" b="0" i="0" u="none" strike="noStrike" kern="1200" baseline="0" dirty="0">
-                <a:solidFill>
-                  <a:schemeClr val="tx1"/>
-                </a:solidFill>
-                <a:latin typeface="+mn-lt"/>
-                <a:ea typeface="+mn-ea"/>
-                <a:cs typeface="+mn-cs"/>
-              </a:rPr>
-              <a:t> =4 means there’re two separate two port ram. If we change into </a:t>
-            </a:r>
-            <a:r>
-              <a:rPr lang="en-US" altLang="zh-TW" sz="1200" b="0" i="0" u="none" strike="noStrike" kern="1200" baseline="0" dirty="0" err="1">
-                <a:solidFill>
-                  <a:schemeClr val="tx1"/>
-                </a:solidFill>
-                <a:latin typeface="+mn-lt"/>
-                <a:ea typeface="+mn-ea"/>
-                <a:cs typeface="+mn-cs"/>
-              </a:rPr>
-              <a:t>d_i</a:t>
-            </a:r>
-            <a:r>
-              <a:rPr lang="en-US" altLang="zh-TW" sz="1200" b="0" i="0" u="none" strike="noStrike" kern="1200" baseline="0" dirty="0">
-                <a:solidFill>
-                  <a:schemeClr val="tx1"/>
-                </a:solidFill>
-                <a:latin typeface="+mn-lt"/>
-                <a:ea typeface="+mn-ea"/>
-                <a:cs typeface="+mn-cs"/>
-              </a:rPr>
-              <a:t> = 2, </a:t>
-            </a:r>
-            <a:r>
-              <a:rPr lang="en-US" altLang="zh-TW" sz="1200" b="0" i="0" u="none" strike="noStrike" kern="1200" baseline="0" dirty="0" err="1">
-                <a:solidFill>
-                  <a:schemeClr val="tx1"/>
-                </a:solidFill>
-                <a:latin typeface="+mn-lt"/>
-                <a:ea typeface="+mn-ea"/>
-                <a:cs typeface="+mn-cs"/>
-              </a:rPr>
-              <a:t>d_o</a:t>
-            </a:r>
-            <a:r>
-              <a:rPr lang="en-US" altLang="zh-TW" sz="1200" b="0" i="0" u="none" strike="noStrike" kern="1200" baseline="0" dirty="0">
-                <a:solidFill>
-                  <a:schemeClr val="tx1"/>
-                </a:solidFill>
-                <a:latin typeface="+mn-lt"/>
-                <a:ea typeface="+mn-ea"/>
-                <a:cs typeface="+mn-cs"/>
-              </a:rPr>
-              <a:t> </a:t>
-            </a:r>
-          </a:p>
-          <a:p>
-            <a:r>
-              <a:rPr lang="en-US" altLang="zh-TW" sz="1200" b="0" i="0" u="none" strike="noStrike" kern="1200" baseline="0" dirty="0">
-                <a:solidFill>
-                  <a:schemeClr val="tx1"/>
-                </a:solidFill>
-                <a:latin typeface="+mn-lt"/>
-                <a:ea typeface="+mn-ea"/>
-                <a:cs typeface="+mn-cs"/>
-              </a:rPr>
-              <a:t>=2 or </a:t>
-            </a:r>
-            <a:r>
-              <a:rPr lang="en-US" altLang="zh-TW" sz="1200" b="0" i="0" u="none" strike="noStrike" kern="1200" baseline="0" dirty="0" err="1">
-                <a:solidFill>
-                  <a:schemeClr val="tx1"/>
-                </a:solidFill>
-                <a:latin typeface="+mn-lt"/>
-                <a:ea typeface="+mn-ea"/>
-                <a:cs typeface="+mn-cs"/>
-              </a:rPr>
-              <a:t>d_i</a:t>
-            </a:r>
-            <a:r>
-              <a:rPr lang="en-US" altLang="zh-TW" sz="1200" b="0" i="0" u="none" strike="noStrike" kern="1200" baseline="0" dirty="0">
-                <a:solidFill>
-                  <a:schemeClr val="tx1"/>
-                </a:solidFill>
-                <a:latin typeface="+mn-lt"/>
-                <a:ea typeface="+mn-ea"/>
-                <a:cs typeface="+mn-cs"/>
-              </a:rPr>
-              <a:t> = 4, </a:t>
-            </a:r>
-            <a:r>
-              <a:rPr lang="en-US" altLang="zh-TW" sz="1200" b="0" i="0" u="none" strike="noStrike" kern="1200" baseline="0" dirty="0" err="1">
-                <a:solidFill>
-                  <a:schemeClr val="tx1"/>
-                </a:solidFill>
-                <a:latin typeface="+mn-lt"/>
-                <a:ea typeface="+mn-ea"/>
-                <a:cs typeface="+mn-cs"/>
-              </a:rPr>
-              <a:t>d_o</a:t>
-            </a:r>
-            <a:r>
-              <a:rPr lang="en-US" altLang="zh-TW" sz="1200" b="0" i="0" u="none" strike="noStrike" kern="1200" baseline="0" dirty="0">
-                <a:solidFill>
-                  <a:schemeClr val="tx1"/>
-                </a:solidFill>
-                <a:latin typeface="+mn-lt"/>
-                <a:ea typeface="+mn-ea"/>
-                <a:cs typeface="+mn-cs"/>
-              </a:rPr>
-              <a:t> =4. These situations only have the single port interface. Further, if we set the </a:t>
-            </a:r>
-            <a:r>
-              <a:rPr lang="en-US" altLang="zh-TW" sz="1200" b="0" i="0" u="none" strike="noStrike" kern="1200" baseline="0" dirty="0" err="1">
-                <a:solidFill>
-                  <a:schemeClr val="tx1"/>
-                </a:solidFill>
-                <a:latin typeface="+mn-lt"/>
-                <a:ea typeface="+mn-ea"/>
-                <a:cs typeface="+mn-cs"/>
-              </a:rPr>
-              <a:t>d_o</a:t>
-            </a:r>
-            <a:r>
-              <a:rPr lang="en-US" altLang="zh-TW" sz="1200" b="0" i="0" u="none" strike="noStrike" kern="1200" baseline="0" dirty="0">
-                <a:solidFill>
-                  <a:schemeClr val="tx1"/>
-                </a:solidFill>
-                <a:latin typeface="+mn-lt"/>
-                <a:ea typeface="+mn-ea"/>
-                <a:cs typeface="+mn-cs"/>
-              </a:rPr>
-              <a:t> = 4, it means the output port only output 4 values at once. Thus, it’s no benefit for reading inputs higher than 4. </a:t>
-            </a:r>
-            <a:endParaRPr lang="zh-TW" altLang="en-US" dirty="0"/>
+              <a:rPr lang="zh-TW" altLang="en-US" dirty="0"/>
+              <a:t>理論上在</a:t>
+            </a:r>
+            <a:r>
+              <a:rPr lang="en-US" altLang="zh-TW" dirty="0" err="1"/>
+              <a:t>ap_ctrl_none</a:t>
+            </a:r>
+            <a:r>
+              <a:rPr lang="zh-TW" altLang="en-US" dirty="0"/>
+              <a:t>的情形下是無法進行</a:t>
+            </a:r>
+            <a:r>
+              <a:rPr lang="en-US" altLang="zh-TW" dirty="0" err="1"/>
+              <a:t>cosimulation</a:t>
+            </a:r>
+            <a:r>
+              <a:rPr lang="zh-TW" altLang="en-US" dirty="0"/>
+              <a:t>的</a:t>
+            </a:r>
+            <a:r>
+              <a:rPr lang="en-US" altLang="zh-TW" dirty="0"/>
+              <a:t>,</a:t>
+            </a:r>
+            <a:r>
+              <a:rPr lang="zh-TW" altLang="en-US" dirty="0"/>
+              <a:t>但在這個地方卻可以執行 </a:t>
+            </a:r>
+            <a:endParaRPr lang="en-US" altLang="zh-TW" dirty="0"/>
+          </a:p>
+          <a:p>
+            <a:r>
+              <a:rPr lang="zh-TW" altLang="en-US" dirty="0"/>
+              <a:t>我認為原因可能是因為此情形純粹是</a:t>
+            </a:r>
+            <a:r>
+              <a:rPr lang="en-US" altLang="zh-TW" dirty="0"/>
+              <a:t>combinational logic </a:t>
+            </a:r>
+            <a:r>
+              <a:rPr lang="zh-TW" altLang="en-US" dirty="0"/>
+              <a:t>並未涉及</a:t>
+            </a:r>
+            <a:r>
+              <a:rPr lang="en-US" altLang="zh-TW" dirty="0"/>
+              <a:t>sequential logic</a:t>
+            </a:r>
+            <a:r>
+              <a:rPr lang="zh-TW" altLang="en-US" dirty="0"/>
+              <a:t> 因此仍然可進行合成</a:t>
+            </a:r>
           </a:p>
         </p:txBody>
       </p:sp>
@@ -1029,7 +862,7 @@
             <a:spLocks noGrp="1"/>
           </p:cNvSpPr>
           <p:nvPr>
-            <p:ph type="sldNum" sz="quarter" idx="10"/>
+            <p:ph type="sldNum" sz="quarter" idx="5"/>
           </p:nvPr>
         </p:nvSpPr>
         <p:spPr/>
@@ -1039,7 +872,7 @@
           <a:p>
             <a:fld id="{B5256544-F7B9-4C4C-9E8E-DB38FAB1A936}" type="slidenum">
               <a:rPr lang="zh-TW" altLang="en-US" smtClean="0"/>
-              <a:t>19</a:t>
+              <a:t>12</a:t>
             </a:fld>
             <a:endParaRPr lang="zh-TW" altLang="en-US"/>
           </a:p>
@@ -1048,7 +881,7 @@
     </p:spTree>
     <p:extLst>
       <p:ext uri="{BB962C8B-B14F-4D97-AF65-F5344CB8AC3E}">
-        <p14:creationId xmlns:p14="http://schemas.microsoft.com/office/powerpoint/2010/main" val="1357391561"/>
+        <p14:creationId xmlns:p14="http://schemas.microsoft.com/office/powerpoint/2010/main" val="3467965801"/>
       </p:ext>
     </p:extLst>
   </p:cSld>
@@ -1077,6 +910,204 @@
       </p:grpSpPr>
       <p:sp>
         <p:nvSpPr>
+          <p:cNvPr id="2" name="投影片影像版面配置區 1"/>
+          <p:cNvSpPr>
+            <a:spLocks noGrp="1" noRot="1" noChangeAspect="1"/>
+          </p:cNvSpPr>
+          <p:nvPr>
+            <p:ph type="sldImg"/>
+          </p:nvPr>
+        </p:nvSpPr>
+        <p:spPr/>
+      </p:sp>
+      <p:sp>
+        <p:nvSpPr>
+          <p:cNvPr id="3" name="備忘稿版面配置區 2"/>
+          <p:cNvSpPr>
+            <a:spLocks noGrp="1"/>
+          </p:cNvSpPr>
+          <p:nvPr>
+            <p:ph type="body" idx="1"/>
+          </p:nvPr>
+        </p:nvSpPr>
+        <p:spPr/>
+        <p:txBody>
+          <a:bodyPr/>
+          <a:lstStyle/>
+          <a:p>
+            <a:r>
+              <a:rPr lang="en-US" altLang="zh-TW" dirty="0" err="1"/>
+              <a:t>ap_ack</a:t>
+            </a:r>
+            <a:r>
+              <a:rPr lang="en-US" altLang="zh-TW" dirty="0"/>
+              <a:t> </a:t>
+            </a:r>
+            <a:r>
+              <a:rPr lang="zh-TW" altLang="en-US" dirty="0"/>
+              <a:t>資料是否被讀取 </a:t>
+            </a:r>
+            <a:r>
+              <a:rPr lang="en-US" altLang="zh-TW" dirty="0"/>
+              <a:t>(output)</a:t>
+            </a:r>
+          </a:p>
+          <a:p>
+            <a:r>
+              <a:rPr lang="en-US" altLang="zh-TW" dirty="0" err="1"/>
+              <a:t>ap_vld</a:t>
+            </a:r>
+            <a:r>
+              <a:rPr lang="en-US" altLang="zh-TW" dirty="0"/>
+              <a:t> </a:t>
+            </a:r>
+            <a:r>
+              <a:rPr lang="zh-TW" altLang="en-US" dirty="0"/>
+              <a:t>資料是否可被讀取 </a:t>
+            </a:r>
+            <a:r>
+              <a:rPr lang="en-US" altLang="zh-TW" dirty="0"/>
+              <a:t>(input)</a:t>
+            </a:r>
+          </a:p>
+          <a:p>
+            <a:r>
+              <a:rPr lang="en-US" altLang="zh-TW" dirty="0" err="1"/>
+              <a:t>ap_memory</a:t>
+            </a:r>
+            <a:r>
+              <a:rPr lang="zh-TW" altLang="en-US" dirty="0"/>
+              <a:t>和</a:t>
+            </a:r>
+            <a:r>
+              <a:rPr lang="en-US" altLang="zh-TW" dirty="0" err="1"/>
+              <a:t>bram</a:t>
+            </a:r>
+            <a:r>
+              <a:rPr lang="zh-TW" altLang="en-US" dirty="0"/>
+              <a:t>是用於</a:t>
+            </a:r>
+            <a:r>
+              <a:rPr lang="en-US" altLang="zh-TW" dirty="0"/>
+              <a:t>array</a:t>
+            </a:r>
+            <a:r>
+              <a:rPr lang="zh-TW" altLang="en-US" dirty="0"/>
+              <a:t> 的形式</a:t>
+            </a:r>
+            <a:r>
+              <a:rPr lang="en-US" altLang="zh-TW" dirty="0"/>
+              <a:t>.</a:t>
+            </a:r>
+            <a:r>
+              <a:rPr lang="zh-TW" altLang="en-US" dirty="0"/>
+              <a:t> 此</a:t>
+            </a:r>
+            <a:r>
+              <a:rPr lang="en-US" altLang="zh-TW" dirty="0"/>
+              <a:t>I/O protocol </a:t>
+            </a:r>
+            <a:r>
+              <a:rPr lang="zh-TW" altLang="en-US" dirty="0"/>
+              <a:t>可以</a:t>
+            </a:r>
+            <a:r>
+              <a:rPr lang="en-US" altLang="zh-TW" dirty="0"/>
+              <a:t>communicate with memory </a:t>
+            </a:r>
+            <a:r>
+              <a:rPr lang="en-US" altLang="zh-TW" dirty="0" err="1"/>
+              <a:t>elemnents</a:t>
+            </a:r>
+            <a:r>
+              <a:rPr lang="zh-TW" altLang="en-US" dirty="0"/>
+              <a:t> </a:t>
+            </a:r>
+            <a:endParaRPr lang="en-US" altLang="zh-TW" dirty="0"/>
+          </a:p>
+          <a:p>
+            <a:r>
+              <a:rPr lang="en-US" altLang="zh-TW" dirty="0" err="1"/>
+              <a:t>ap_fifo</a:t>
+            </a:r>
+            <a:r>
+              <a:rPr lang="en-US" altLang="zh-TW" dirty="0"/>
+              <a:t> </a:t>
+            </a:r>
+            <a:r>
+              <a:rPr lang="zh-TW" altLang="en-US" dirty="0"/>
+              <a:t>則是將此訊號與</a:t>
+            </a:r>
+            <a:r>
+              <a:rPr lang="en-US" altLang="zh-TW" dirty="0"/>
+              <a:t>FIFO</a:t>
+            </a:r>
+            <a:r>
+              <a:rPr lang="zh-TW" altLang="en-US" dirty="0"/>
+              <a:t>結合在一起</a:t>
+            </a:r>
+            <a:r>
+              <a:rPr lang="en-US" altLang="zh-TW" dirty="0"/>
+              <a:t>.</a:t>
+            </a:r>
+          </a:p>
+        </p:txBody>
+      </p:sp>
+      <p:sp>
+        <p:nvSpPr>
+          <p:cNvPr id="4" name="投影片編號版面配置區 3"/>
+          <p:cNvSpPr>
+            <a:spLocks noGrp="1"/>
+          </p:cNvSpPr>
+          <p:nvPr>
+            <p:ph type="sldNum" sz="quarter" idx="5"/>
+          </p:nvPr>
+        </p:nvSpPr>
+        <p:spPr/>
+        <p:txBody>
+          <a:bodyPr/>
+          <a:lstStyle/>
+          <a:p>
+            <a:fld id="{B5256544-F7B9-4C4C-9E8E-DB38FAB1A936}" type="slidenum">
+              <a:rPr lang="zh-TW" altLang="en-US" smtClean="0"/>
+              <a:t>14</a:t>
+            </a:fld>
+            <a:endParaRPr lang="zh-TW" altLang="en-US"/>
+          </a:p>
+        </p:txBody>
+      </p:sp>
+    </p:spTree>
+    <p:extLst>
+      <p:ext uri="{BB962C8B-B14F-4D97-AF65-F5344CB8AC3E}">
+        <p14:creationId xmlns:p14="http://schemas.microsoft.com/office/powerpoint/2010/main" val="2195088315"/>
+      </p:ext>
+    </p:extLst>
+  </p:cSld>
+  <p:clrMapOvr>
+    <a:masterClrMapping/>
+  </p:clrMapOvr>
+</p:notes>
+</file>
+
+<file path=ppt/notesSlides/notesSlide5.xml><?xml version="1.0" encoding="utf-8"?>
+<p:notes xmlns:a="http://schemas.openxmlformats.org/drawingml/2006/main" xmlns:r="http://schemas.openxmlformats.org/officeDocument/2006/relationships" xmlns:p="http://schemas.openxmlformats.org/presentationml/2006/main">
+  <p:cSld>
+    <p:spTree>
+      <p:nvGrpSpPr>
+        <p:cNvPr id="1" name=""/>
+        <p:cNvGrpSpPr/>
+        <p:nvPr/>
+      </p:nvGrpSpPr>
+      <p:grpSpPr>
+        <a:xfrm>
+          <a:off x="0" y="0"/>
+          <a:ext cx="0" cy="0"/>
+          <a:chOff x="0" y="0"/>
+          <a:chExt cx="0" cy="0"/>
+        </a:xfrm>
+      </p:grpSpPr>
+      <p:sp>
+        <p:nvSpPr>
           <p:cNvPr id="2" name="投影片圖像版面配置區 1"/>
           <p:cNvSpPr>
             <a:spLocks noGrp="1" noRot="1" noChangeAspect="1"/>
@@ -1102,6 +1133,102 @@
           <a:bodyPr/>
           <a:lstStyle/>
           <a:p>
+            <a:r>
+              <a:rPr lang="en-US" altLang="zh-TW" sz="1200" b="0" i="0" u="none" strike="noStrike" kern="1200" baseline="0" dirty="0">
+                <a:solidFill>
+                  <a:schemeClr val="tx1"/>
+                </a:solidFill>
+                <a:latin typeface="+mn-lt"/>
+                <a:ea typeface="+mn-ea"/>
+                <a:cs typeface="+mn-cs"/>
+              </a:rPr>
+              <a:t>1. The data on port in1 is only read when port in1_ap_vld is active-High. </a:t>
+            </a:r>
+          </a:p>
+          <a:p>
+            <a:r>
+              <a:rPr lang="en-US" altLang="zh-TW" sz="1200" b="0" i="0" u="none" strike="noStrike" kern="1200" baseline="0" dirty="0">
+                <a:solidFill>
+                  <a:schemeClr val="tx1"/>
+                </a:solidFill>
+                <a:latin typeface="+mn-lt"/>
+                <a:ea typeface="+mn-ea"/>
+                <a:cs typeface="+mn-cs"/>
+              </a:rPr>
+              <a:t>2. Port in2_ap_ack will be active-High when data port in2 is read. </a:t>
+            </a:r>
+          </a:p>
+          <a:p>
+            <a:r>
+              <a:rPr lang="en-US" altLang="zh-TW" sz="1200" b="0" i="0" u="none" strike="noStrike" kern="1200" baseline="0" dirty="0">
+                <a:solidFill>
+                  <a:schemeClr val="tx1"/>
+                </a:solidFill>
+                <a:latin typeface="+mn-lt"/>
+                <a:ea typeface="+mn-ea"/>
+                <a:cs typeface="+mn-cs"/>
+              </a:rPr>
+              <a:t>3. </a:t>
+            </a:r>
+            <a:r>
+              <a:rPr lang="en-US" altLang="zh-TW" sz="1200" b="0" i="0" u="none" strike="noStrike" kern="1200" baseline="0" dirty="0" err="1">
+                <a:solidFill>
+                  <a:schemeClr val="tx1"/>
+                </a:solidFill>
+                <a:latin typeface="+mn-lt"/>
+                <a:ea typeface="+mn-ea"/>
+                <a:cs typeface="+mn-cs"/>
+              </a:rPr>
+              <a:t>inout_i</a:t>
+            </a:r>
+            <a:r>
+              <a:rPr lang="en-US" altLang="zh-TW" sz="1200" b="0" i="0" u="none" strike="noStrike" kern="1200" baseline="0" dirty="0">
+                <a:solidFill>
+                  <a:schemeClr val="tx1"/>
+                </a:solidFill>
+                <a:latin typeface="+mn-lt"/>
+                <a:ea typeface="+mn-ea"/>
+                <a:cs typeface="+mn-cs"/>
+              </a:rPr>
+              <a:t> associated input valid port inout1_i_ap_vld and output acknowledge port inout1_i_ap_ack. </a:t>
+            </a:r>
+          </a:p>
+          <a:p>
+            <a:r>
+              <a:rPr lang="en-US" altLang="zh-TW" sz="1200" b="0" i="0" u="none" strike="noStrike" kern="1200" baseline="0" dirty="0">
+                <a:solidFill>
+                  <a:schemeClr val="tx1"/>
+                </a:solidFill>
+                <a:latin typeface="+mn-lt"/>
+                <a:ea typeface="+mn-ea"/>
+                <a:cs typeface="+mn-cs"/>
+              </a:rPr>
+              <a:t>4. </a:t>
+            </a:r>
+            <a:r>
+              <a:rPr lang="en-US" altLang="zh-TW" sz="1200" b="0" i="0" u="none" strike="noStrike" kern="1200" baseline="0" dirty="0" err="1">
+                <a:solidFill>
+                  <a:schemeClr val="tx1"/>
+                </a:solidFill>
+                <a:latin typeface="+mn-lt"/>
+                <a:ea typeface="+mn-ea"/>
+                <a:cs typeface="+mn-cs"/>
+              </a:rPr>
+              <a:t>inout_o</a:t>
+            </a:r>
+            <a:r>
+              <a:rPr lang="en-US" altLang="zh-TW" sz="1200" b="0" i="0" u="none" strike="noStrike" kern="1200" baseline="0" dirty="0">
+                <a:solidFill>
+                  <a:schemeClr val="tx1"/>
+                </a:solidFill>
+                <a:latin typeface="+mn-lt"/>
+                <a:ea typeface="+mn-ea"/>
+                <a:cs typeface="+mn-cs"/>
+              </a:rPr>
+              <a:t> associated output valid port inout1_o_ap_vld and input acknowledge port inout1_o_ap_ack. </a:t>
+            </a:r>
+          </a:p>
+          <a:p>
             <a:endParaRPr lang="zh-TW" altLang="en-US" dirty="0"/>
           </a:p>
         </p:txBody>
@@ -1114,6 +1241,272 @@
           </p:cNvSpPr>
           <p:nvPr>
             <p:ph type="sldNum" sz="quarter" idx="10"/>
+          </p:nvPr>
+        </p:nvSpPr>
+        <p:spPr/>
+        <p:txBody>
+          <a:bodyPr/>
+          <a:lstStyle/>
+          <a:p>
+            <a:fld id="{B5256544-F7B9-4C4C-9E8E-DB38FAB1A936}" type="slidenum">
+              <a:rPr lang="zh-TW" altLang="en-US" smtClean="0"/>
+              <a:t>17</a:t>
+            </a:fld>
+            <a:endParaRPr lang="zh-TW" altLang="en-US"/>
+          </a:p>
+        </p:txBody>
+      </p:sp>
+    </p:spTree>
+    <p:extLst>
+      <p:ext uri="{BB962C8B-B14F-4D97-AF65-F5344CB8AC3E}">
+        <p14:creationId xmlns:p14="http://schemas.microsoft.com/office/powerpoint/2010/main" val="4267902664"/>
+      </p:ext>
+    </p:extLst>
+  </p:cSld>
+  <p:clrMapOvr>
+    <a:masterClrMapping/>
+  </p:clrMapOvr>
+</p:notes>
+</file>
+
+<file path=ppt/notesSlides/notesSlide6.xml><?xml version="1.0" encoding="utf-8"?>
+<p:notes xmlns:a="http://schemas.openxmlformats.org/drawingml/2006/main" xmlns:r="http://schemas.openxmlformats.org/officeDocument/2006/relationships" xmlns:p="http://schemas.openxmlformats.org/presentationml/2006/main">
+  <p:cSld>
+    <p:spTree>
+      <p:nvGrpSpPr>
+        <p:cNvPr id="1" name=""/>
+        <p:cNvGrpSpPr/>
+        <p:nvPr/>
+      </p:nvGrpSpPr>
+      <p:grpSpPr>
+        <a:xfrm>
+          <a:off x="0" y="0"/>
+          <a:ext cx="0" cy="0"/>
+          <a:chOff x="0" y="0"/>
+          <a:chExt cx="0" cy="0"/>
+        </a:xfrm>
+      </p:grpSpPr>
+      <p:sp>
+        <p:nvSpPr>
+          <p:cNvPr id="2" name="投影片影像版面配置區 1"/>
+          <p:cNvSpPr>
+            <a:spLocks noGrp="1" noRot="1" noChangeAspect="1"/>
+          </p:cNvSpPr>
+          <p:nvPr>
+            <p:ph type="sldImg"/>
+          </p:nvPr>
+        </p:nvSpPr>
+        <p:spPr/>
+      </p:sp>
+      <p:sp>
+        <p:nvSpPr>
+          <p:cNvPr id="3" name="備忘稿版面配置區 2"/>
+          <p:cNvSpPr>
+            <a:spLocks noGrp="1"/>
+          </p:cNvSpPr>
+          <p:nvPr>
+            <p:ph type="body" idx="1"/>
+          </p:nvPr>
+        </p:nvSpPr>
+        <p:spPr/>
+        <p:txBody>
+          <a:bodyPr/>
+          <a:lstStyle/>
+          <a:p>
+            <a:r>
+              <a:rPr lang="zh-TW" altLang="en-US" dirty="0"/>
+              <a:t>我們可以發現 如果我們提供</a:t>
+            </a:r>
+            <a:r>
+              <a:rPr lang="en-US" altLang="zh-TW" dirty="0"/>
+              <a:t>In2 </a:t>
+            </a:r>
+            <a:r>
+              <a:rPr lang="zh-TW" altLang="en-US" dirty="0"/>
+              <a:t>一個</a:t>
+            </a:r>
+            <a:r>
+              <a:rPr lang="en-US" altLang="zh-TW" dirty="0" err="1"/>
+              <a:t>ap_vld</a:t>
+            </a:r>
+            <a:r>
+              <a:rPr lang="zh-TW" altLang="en-US" dirty="0"/>
+              <a:t>的</a:t>
+            </a:r>
+            <a:r>
+              <a:rPr lang="en-US" altLang="zh-TW" dirty="0"/>
+              <a:t>input, </a:t>
+            </a:r>
+            <a:r>
+              <a:rPr lang="en-US" altLang="zh-TW" dirty="0" err="1"/>
+              <a:t>ap_ack</a:t>
+            </a:r>
+            <a:r>
+              <a:rPr lang="zh-TW" altLang="en-US" dirty="0"/>
+              <a:t>可以提前到</a:t>
+            </a:r>
+            <a:r>
+              <a:rPr lang="en-US" altLang="zh-TW" dirty="0" err="1"/>
+              <a:t>ap_vld</a:t>
+            </a:r>
+            <a:r>
+              <a:rPr lang="en-US" altLang="zh-TW" dirty="0"/>
+              <a:t>=1</a:t>
+            </a:r>
+            <a:r>
+              <a:rPr lang="zh-TW" altLang="en-US" dirty="0"/>
+              <a:t>時便可開始讀取</a:t>
+            </a:r>
+            <a:endParaRPr lang="en-US" altLang="zh-TW" dirty="0"/>
+          </a:p>
+          <a:p>
+            <a:r>
+              <a:rPr lang="zh-TW" altLang="en-US" dirty="0"/>
+              <a:t>然而如果我們並未提供</a:t>
+            </a:r>
+            <a:r>
+              <a:rPr lang="en-US" altLang="zh-TW" dirty="0" err="1"/>
+              <a:t>ap_ack</a:t>
+            </a:r>
+            <a:r>
+              <a:rPr lang="zh-TW" altLang="en-US" dirty="0"/>
+              <a:t>一個關於</a:t>
+            </a:r>
+            <a:r>
+              <a:rPr lang="en-US" altLang="zh-TW" dirty="0" err="1"/>
+              <a:t>ap_vld</a:t>
+            </a:r>
+            <a:r>
+              <a:rPr lang="zh-TW" altLang="en-US" dirty="0"/>
+              <a:t>的</a:t>
+            </a:r>
+            <a:r>
+              <a:rPr lang="en-US" altLang="zh-TW" dirty="0"/>
+              <a:t>input, </a:t>
+            </a:r>
+            <a:r>
+              <a:rPr lang="zh-TW" altLang="en-US" dirty="0"/>
+              <a:t>那</a:t>
+            </a:r>
+            <a:r>
+              <a:rPr lang="en-US" altLang="zh-TW" dirty="0"/>
+              <a:t>in2</a:t>
+            </a:r>
+            <a:r>
+              <a:rPr lang="zh-TW" altLang="en-US" dirty="0"/>
+              <a:t>只會等到</a:t>
+            </a:r>
+            <a:r>
+              <a:rPr lang="en-US" altLang="zh-TW" dirty="0"/>
+              <a:t>in1</a:t>
+            </a:r>
+            <a:r>
+              <a:rPr lang="zh-TW" altLang="en-US" dirty="0"/>
+              <a:t>讀取完畢後才會開始讀取 因此</a:t>
+            </a:r>
+            <a:r>
+              <a:rPr lang="en-US" altLang="zh-TW" dirty="0" err="1"/>
+              <a:t>ap_ack</a:t>
+            </a:r>
+            <a:r>
+              <a:rPr lang="zh-TW" altLang="en-US" dirty="0"/>
+              <a:t>的時間較為偏後</a:t>
+            </a:r>
+          </a:p>
+        </p:txBody>
+      </p:sp>
+      <p:sp>
+        <p:nvSpPr>
+          <p:cNvPr id="4" name="投影片編號版面配置區 3"/>
+          <p:cNvSpPr>
+            <a:spLocks noGrp="1"/>
+          </p:cNvSpPr>
+          <p:nvPr>
+            <p:ph type="sldNum" sz="quarter" idx="5"/>
+          </p:nvPr>
+        </p:nvSpPr>
+        <p:spPr/>
+        <p:txBody>
+          <a:bodyPr/>
+          <a:lstStyle/>
+          <a:p>
+            <a:fld id="{B5256544-F7B9-4C4C-9E8E-DB38FAB1A936}" type="slidenum">
+              <a:rPr lang="zh-TW" altLang="en-US" smtClean="0"/>
+              <a:t>19</a:t>
+            </a:fld>
+            <a:endParaRPr lang="zh-TW" altLang="en-US"/>
+          </a:p>
+        </p:txBody>
+      </p:sp>
+    </p:spTree>
+    <p:extLst>
+      <p:ext uri="{BB962C8B-B14F-4D97-AF65-F5344CB8AC3E}">
+        <p14:creationId xmlns:p14="http://schemas.microsoft.com/office/powerpoint/2010/main" val="1674623601"/>
+      </p:ext>
+    </p:extLst>
+  </p:cSld>
+  <p:clrMapOvr>
+    <a:masterClrMapping/>
+  </p:clrMapOvr>
+</p:notes>
+</file>
+
+<file path=ppt/notesSlides/notesSlide7.xml><?xml version="1.0" encoding="utf-8"?>
+<p:notes xmlns:a="http://schemas.openxmlformats.org/drawingml/2006/main" xmlns:r="http://schemas.openxmlformats.org/officeDocument/2006/relationships" xmlns:p="http://schemas.openxmlformats.org/presentationml/2006/main">
+  <p:cSld>
+    <p:spTree>
+      <p:nvGrpSpPr>
+        <p:cNvPr id="1" name=""/>
+        <p:cNvGrpSpPr/>
+        <p:nvPr/>
+      </p:nvGrpSpPr>
+      <p:grpSpPr>
+        <a:xfrm>
+          <a:off x="0" y="0"/>
+          <a:ext cx="0" cy="0"/>
+          <a:chOff x="0" y="0"/>
+          <a:chExt cx="0" cy="0"/>
+        </a:xfrm>
+      </p:grpSpPr>
+      <p:sp>
+        <p:nvSpPr>
+          <p:cNvPr id="2" name="投影片影像版面配置區 1"/>
+          <p:cNvSpPr>
+            <a:spLocks noGrp="1" noRot="1" noChangeAspect="1"/>
+          </p:cNvSpPr>
+          <p:nvPr>
+            <p:ph type="sldImg"/>
+          </p:nvPr>
+        </p:nvSpPr>
+        <p:spPr/>
+      </p:sp>
+      <p:sp>
+        <p:nvSpPr>
+          <p:cNvPr id="3" name="備忘稿版面配置區 2"/>
+          <p:cNvSpPr>
+            <a:spLocks noGrp="1"/>
+          </p:cNvSpPr>
+          <p:nvPr>
+            <p:ph type="body" idx="1"/>
+          </p:nvPr>
+        </p:nvSpPr>
+        <p:spPr/>
+        <p:txBody>
+          <a:bodyPr/>
+          <a:lstStyle/>
+          <a:p>
+            <a:endParaRPr lang="zh-TW" altLang="en-US" dirty="0"/>
+          </a:p>
+        </p:txBody>
+      </p:sp>
+      <p:sp>
+        <p:nvSpPr>
+          <p:cNvPr id="4" name="投影片編號版面配置區 3"/>
+          <p:cNvSpPr>
+            <a:spLocks noGrp="1"/>
+          </p:cNvSpPr>
+          <p:nvPr>
+            <p:ph type="sldNum" sz="quarter" idx="5"/>
           </p:nvPr>
         </p:nvSpPr>
         <p:spPr/>
@@ -1132,7 +1525,407 @@
     </p:spTree>
     <p:extLst>
       <p:ext uri="{BB962C8B-B14F-4D97-AF65-F5344CB8AC3E}">
-        <p14:creationId xmlns:p14="http://schemas.microsoft.com/office/powerpoint/2010/main" val="2345206421"/>
+        <p14:creationId xmlns:p14="http://schemas.microsoft.com/office/powerpoint/2010/main" val="1114879892"/>
+      </p:ext>
+    </p:extLst>
+  </p:cSld>
+  <p:clrMapOvr>
+    <a:masterClrMapping/>
+  </p:clrMapOvr>
+</p:notes>
+</file>
+
+<file path=ppt/notesSlides/notesSlide8.xml><?xml version="1.0" encoding="utf-8"?>
+<p:notes xmlns:a="http://schemas.openxmlformats.org/drawingml/2006/main" xmlns:r="http://schemas.openxmlformats.org/officeDocument/2006/relationships" xmlns:p="http://schemas.openxmlformats.org/presentationml/2006/main">
+  <p:cSld>
+    <p:spTree>
+      <p:nvGrpSpPr>
+        <p:cNvPr id="1" name=""/>
+        <p:cNvGrpSpPr/>
+        <p:nvPr/>
+      </p:nvGrpSpPr>
+      <p:grpSpPr>
+        <a:xfrm>
+          <a:off x="0" y="0"/>
+          <a:ext cx="0" cy="0"/>
+          <a:chOff x="0" y="0"/>
+          <a:chExt cx="0" cy="0"/>
+        </a:xfrm>
+      </p:grpSpPr>
+      <p:sp>
+        <p:nvSpPr>
+          <p:cNvPr id="2" name="投影片影像版面配置區 1"/>
+          <p:cNvSpPr>
+            <a:spLocks noGrp="1" noRot="1" noChangeAspect="1"/>
+          </p:cNvSpPr>
+          <p:nvPr>
+            <p:ph type="sldImg"/>
+          </p:nvPr>
+        </p:nvSpPr>
+        <p:spPr/>
+      </p:sp>
+      <p:sp>
+        <p:nvSpPr>
+          <p:cNvPr id="3" name="備忘稿版面配置區 2"/>
+          <p:cNvSpPr>
+            <a:spLocks noGrp="1"/>
+          </p:cNvSpPr>
+          <p:nvPr>
+            <p:ph type="body" idx="1"/>
+          </p:nvPr>
+        </p:nvSpPr>
+        <p:spPr/>
+        <p:txBody>
+          <a:bodyPr/>
+          <a:lstStyle/>
+          <a:p>
+            <a:r>
+              <a:rPr lang="en-US" altLang="zh-TW" dirty="0"/>
+              <a:t>ram_1p (unroll)</a:t>
+            </a:r>
+          </a:p>
+          <a:p>
+            <a:r>
+              <a:rPr lang="en-US" altLang="zh-TW" dirty="0"/>
+              <a:t>ram_1p (roll)</a:t>
+            </a:r>
+            <a:endParaRPr lang="zh-TW" altLang="en-US" dirty="0"/>
+          </a:p>
+        </p:txBody>
+      </p:sp>
+      <p:sp>
+        <p:nvSpPr>
+          <p:cNvPr id="4" name="投影片編號版面配置區 3"/>
+          <p:cNvSpPr>
+            <a:spLocks noGrp="1"/>
+          </p:cNvSpPr>
+          <p:nvPr>
+            <p:ph type="sldNum" sz="quarter" idx="5"/>
+          </p:nvPr>
+        </p:nvSpPr>
+        <p:spPr/>
+        <p:txBody>
+          <a:bodyPr/>
+          <a:lstStyle/>
+          <a:p>
+            <a:fld id="{B5256544-F7B9-4C4C-9E8E-DB38FAB1A936}" type="slidenum">
+              <a:rPr lang="zh-TW" altLang="en-US" smtClean="0"/>
+              <a:t>28</a:t>
+            </a:fld>
+            <a:endParaRPr lang="zh-TW" altLang="en-US"/>
+          </a:p>
+        </p:txBody>
+      </p:sp>
+    </p:spTree>
+    <p:extLst>
+      <p:ext uri="{BB962C8B-B14F-4D97-AF65-F5344CB8AC3E}">
+        <p14:creationId xmlns:p14="http://schemas.microsoft.com/office/powerpoint/2010/main" val="3659592552"/>
+      </p:ext>
+    </p:extLst>
+  </p:cSld>
+  <p:clrMapOvr>
+    <a:masterClrMapping/>
+  </p:clrMapOvr>
+</p:notes>
+</file>
+
+<file path=ppt/notesSlides/notesSlide9.xml><?xml version="1.0" encoding="utf-8"?>
+<p:notes xmlns:a="http://schemas.openxmlformats.org/drawingml/2006/main" xmlns:r="http://schemas.openxmlformats.org/officeDocument/2006/relationships" xmlns:p="http://schemas.openxmlformats.org/presentationml/2006/main">
+  <p:cSld>
+    <p:spTree>
+      <p:nvGrpSpPr>
+        <p:cNvPr id="1" name=""/>
+        <p:cNvGrpSpPr/>
+        <p:nvPr/>
+      </p:nvGrpSpPr>
+      <p:grpSpPr>
+        <a:xfrm>
+          <a:off x="0" y="0"/>
+          <a:ext cx="0" cy="0"/>
+          <a:chOff x="0" y="0"/>
+          <a:chExt cx="0" cy="0"/>
+        </a:xfrm>
+      </p:grpSpPr>
+      <p:sp>
+        <p:nvSpPr>
+          <p:cNvPr id="2" name="投影片圖像版面配置區 1"/>
+          <p:cNvSpPr>
+            <a:spLocks noGrp="1" noRot="1" noChangeAspect="1"/>
+          </p:cNvSpPr>
+          <p:nvPr>
+            <p:ph type="sldImg"/>
+          </p:nvPr>
+        </p:nvSpPr>
+        <p:spPr/>
+      </p:sp>
+      <p:sp>
+        <p:nvSpPr>
+          <p:cNvPr id="3" name="備忘稿版面配置區 2"/>
+          <p:cNvSpPr>
+            <a:spLocks noGrp="1"/>
+          </p:cNvSpPr>
+          <p:nvPr>
+            <p:ph type="body" idx="1"/>
+          </p:nvPr>
+        </p:nvSpPr>
+        <p:spPr/>
+        <p:txBody>
+          <a:bodyPr/>
+          <a:lstStyle/>
+          <a:p>
+            <a:r>
+              <a:rPr lang="en-US" altLang="zh-TW" sz="1200" b="0" i="0" u="none" strike="noStrike" kern="1200" baseline="0" dirty="0">
+                <a:solidFill>
+                  <a:schemeClr val="tx1"/>
+                </a:solidFill>
+                <a:latin typeface="+mn-lt"/>
+                <a:ea typeface="+mn-ea"/>
+                <a:cs typeface="+mn-cs"/>
+              </a:rPr>
+              <a:t>If we change the factor of </a:t>
+            </a:r>
+            <a:r>
+              <a:rPr lang="en-US" altLang="zh-TW" sz="1200" b="0" i="0" u="none" strike="noStrike" kern="1200" baseline="0" dirty="0" err="1">
+                <a:solidFill>
+                  <a:schemeClr val="tx1"/>
+                </a:solidFill>
+                <a:latin typeface="+mn-lt"/>
+                <a:ea typeface="+mn-ea"/>
+                <a:cs typeface="+mn-cs"/>
+              </a:rPr>
+              <a:t>d_i</a:t>
+            </a:r>
+            <a:r>
+              <a:rPr lang="en-US" altLang="zh-TW" sz="1200" b="0" i="0" u="none" strike="noStrike" kern="1200" baseline="0" dirty="0">
+                <a:solidFill>
+                  <a:schemeClr val="tx1"/>
+                </a:solidFill>
+                <a:latin typeface="+mn-lt"/>
+                <a:ea typeface="+mn-ea"/>
+                <a:cs typeface="+mn-cs"/>
+              </a:rPr>
+              <a:t> and </a:t>
+            </a:r>
+            <a:r>
+              <a:rPr lang="en-US" altLang="zh-TW" sz="1200" b="0" i="0" u="none" strike="noStrike" kern="1200" baseline="0" dirty="0" err="1">
+                <a:solidFill>
+                  <a:schemeClr val="tx1"/>
+                </a:solidFill>
+                <a:latin typeface="+mn-lt"/>
+                <a:ea typeface="+mn-ea"/>
+                <a:cs typeface="+mn-cs"/>
+              </a:rPr>
+              <a:t>d_o</a:t>
+            </a:r>
+            <a:r>
+              <a:rPr lang="en-US" altLang="zh-TW" sz="1200" b="0" i="0" u="none" strike="noStrike" kern="1200" baseline="0" dirty="0">
+                <a:solidFill>
+                  <a:schemeClr val="tx1"/>
+                </a:solidFill>
+                <a:latin typeface="+mn-lt"/>
+                <a:ea typeface="+mn-ea"/>
+                <a:cs typeface="+mn-cs"/>
+              </a:rPr>
+              <a:t>. we should first know the </a:t>
+            </a:r>
+            <a:r>
+              <a:rPr lang="en-US" altLang="zh-TW" sz="1200" b="0" i="0" u="none" strike="noStrike" kern="1200" baseline="0" dirty="0" err="1">
+                <a:solidFill>
+                  <a:schemeClr val="tx1"/>
+                </a:solidFill>
+                <a:latin typeface="+mn-lt"/>
+                <a:ea typeface="+mn-ea"/>
+                <a:cs typeface="+mn-cs"/>
+              </a:rPr>
+              <a:t>d_i</a:t>
+            </a:r>
+            <a:r>
+              <a:rPr lang="en-US" altLang="zh-TW" sz="1200" b="0" i="0" u="none" strike="noStrike" kern="1200" baseline="0" dirty="0">
+                <a:solidFill>
+                  <a:schemeClr val="tx1"/>
+                </a:solidFill>
+                <a:latin typeface="+mn-lt"/>
+                <a:ea typeface="+mn-ea"/>
+                <a:cs typeface="+mn-cs"/>
+              </a:rPr>
+              <a:t> = 2, </a:t>
+            </a:r>
+            <a:r>
+              <a:rPr lang="en-US" altLang="zh-TW" sz="1200" b="0" i="0" u="none" strike="noStrike" kern="1200" baseline="0" dirty="0" err="1">
+                <a:solidFill>
+                  <a:schemeClr val="tx1"/>
+                </a:solidFill>
+                <a:latin typeface="+mn-lt"/>
+                <a:ea typeface="+mn-ea"/>
+                <a:cs typeface="+mn-cs"/>
+              </a:rPr>
+              <a:t>d_o</a:t>
+            </a:r>
+            <a:r>
+              <a:rPr lang="en-US" altLang="zh-TW" sz="1200" b="0" i="0" u="none" strike="noStrike" kern="1200" baseline="0" dirty="0">
+                <a:solidFill>
+                  <a:schemeClr val="tx1"/>
+                </a:solidFill>
+                <a:latin typeface="+mn-lt"/>
+                <a:ea typeface="+mn-ea"/>
+                <a:cs typeface="+mn-cs"/>
+              </a:rPr>
+              <a:t> =4 means there’re two separate two port ram. If we change into </a:t>
+            </a:r>
+            <a:r>
+              <a:rPr lang="en-US" altLang="zh-TW" sz="1200" b="0" i="0" u="none" strike="noStrike" kern="1200" baseline="0" dirty="0" err="1">
+                <a:solidFill>
+                  <a:schemeClr val="tx1"/>
+                </a:solidFill>
+                <a:latin typeface="+mn-lt"/>
+                <a:ea typeface="+mn-ea"/>
+                <a:cs typeface="+mn-cs"/>
+              </a:rPr>
+              <a:t>d_i</a:t>
+            </a:r>
+            <a:r>
+              <a:rPr lang="en-US" altLang="zh-TW" sz="1200" b="0" i="0" u="none" strike="noStrike" kern="1200" baseline="0" dirty="0">
+                <a:solidFill>
+                  <a:schemeClr val="tx1"/>
+                </a:solidFill>
+                <a:latin typeface="+mn-lt"/>
+                <a:ea typeface="+mn-ea"/>
+                <a:cs typeface="+mn-cs"/>
+              </a:rPr>
+              <a:t> = 2, </a:t>
+            </a:r>
+            <a:r>
+              <a:rPr lang="en-US" altLang="zh-TW" sz="1200" b="0" i="0" u="none" strike="noStrike" kern="1200" baseline="0" dirty="0" err="1">
+                <a:solidFill>
+                  <a:schemeClr val="tx1"/>
+                </a:solidFill>
+                <a:latin typeface="+mn-lt"/>
+                <a:ea typeface="+mn-ea"/>
+                <a:cs typeface="+mn-cs"/>
+              </a:rPr>
+              <a:t>d_o</a:t>
+            </a:r>
+            <a:r>
+              <a:rPr lang="en-US" altLang="zh-TW" sz="1200" b="0" i="0" u="none" strike="noStrike" kern="1200" baseline="0" dirty="0">
+                <a:solidFill>
+                  <a:schemeClr val="tx1"/>
+                </a:solidFill>
+                <a:latin typeface="+mn-lt"/>
+                <a:ea typeface="+mn-ea"/>
+                <a:cs typeface="+mn-cs"/>
+              </a:rPr>
+              <a:t> </a:t>
+            </a:r>
+          </a:p>
+          <a:p>
+            <a:r>
+              <a:rPr lang="en-US" altLang="zh-TW" sz="1200" b="0" i="0" u="none" strike="noStrike" kern="1200" baseline="0" dirty="0">
+                <a:solidFill>
+                  <a:schemeClr val="tx1"/>
+                </a:solidFill>
+                <a:latin typeface="+mn-lt"/>
+                <a:ea typeface="+mn-ea"/>
+                <a:cs typeface="+mn-cs"/>
+              </a:rPr>
+              <a:t>=2 or </a:t>
+            </a:r>
+            <a:r>
+              <a:rPr lang="en-US" altLang="zh-TW" sz="1200" b="0" i="0" u="none" strike="noStrike" kern="1200" baseline="0" dirty="0" err="1">
+                <a:solidFill>
+                  <a:schemeClr val="tx1"/>
+                </a:solidFill>
+                <a:latin typeface="+mn-lt"/>
+                <a:ea typeface="+mn-ea"/>
+                <a:cs typeface="+mn-cs"/>
+              </a:rPr>
+              <a:t>d_i</a:t>
+            </a:r>
+            <a:r>
+              <a:rPr lang="en-US" altLang="zh-TW" sz="1200" b="0" i="0" u="none" strike="noStrike" kern="1200" baseline="0" dirty="0">
+                <a:solidFill>
+                  <a:schemeClr val="tx1"/>
+                </a:solidFill>
+                <a:latin typeface="+mn-lt"/>
+                <a:ea typeface="+mn-ea"/>
+                <a:cs typeface="+mn-cs"/>
+              </a:rPr>
+              <a:t> = 4, </a:t>
+            </a:r>
+            <a:r>
+              <a:rPr lang="en-US" altLang="zh-TW" sz="1200" b="0" i="0" u="none" strike="noStrike" kern="1200" baseline="0" dirty="0" err="1">
+                <a:solidFill>
+                  <a:schemeClr val="tx1"/>
+                </a:solidFill>
+                <a:latin typeface="+mn-lt"/>
+                <a:ea typeface="+mn-ea"/>
+                <a:cs typeface="+mn-cs"/>
+              </a:rPr>
+              <a:t>d_o</a:t>
+            </a:r>
+            <a:r>
+              <a:rPr lang="en-US" altLang="zh-TW" sz="1200" b="0" i="0" u="none" strike="noStrike" kern="1200" baseline="0" dirty="0">
+                <a:solidFill>
+                  <a:schemeClr val="tx1"/>
+                </a:solidFill>
+                <a:latin typeface="+mn-lt"/>
+                <a:ea typeface="+mn-ea"/>
+                <a:cs typeface="+mn-cs"/>
+              </a:rPr>
+              <a:t> =4. These situations only have the single port interface. Further, if we set the </a:t>
+            </a:r>
+            <a:r>
+              <a:rPr lang="en-US" altLang="zh-TW" sz="1200" b="0" i="0" u="none" strike="noStrike" kern="1200" baseline="0" dirty="0" err="1">
+                <a:solidFill>
+                  <a:schemeClr val="tx1"/>
+                </a:solidFill>
+                <a:latin typeface="+mn-lt"/>
+                <a:ea typeface="+mn-ea"/>
+                <a:cs typeface="+mn-cs"/>
+              </a:rPr>
+              <a:t>d_o</a:t>
+            </a:r>
+            <a:r>
+              <a:rPr lang="en-US" altLang="zh-TW" sz="1200" b="0" i="0" u="none" strike="noStrike" kern="1200" baseline="0" dirty="0">
+                <a:solidFill>
+                  <a:schemeClr val="tx1"/>
+                </a:solidFill>
+                <a:latin typeface="+mn-lt"/>
+                <a:ea typeface="+mn-ea"/>
+                <a:cs typeface="+mn-cs"/>
+              </a:rPr>
+              <a:t> = 4, it means the output port only output 4 values at once. Thus, it’s no benefit for reading inputs higher than 4. </a:t>
+            </a:r>
+            <a:endParaRPr lang="zh-TW" altLang="en-US" dirty="0"/>
+          </a:p>
+        </p:txBody>
+      </p:sp>
+      <p:sp>
+        <p:nvSpPr>
+          <p:cNvPr id="4" name="投影片編號版面配置區 3"/>
+          <p:cNvSpPr>
+            <a:spLocks noGrp="1"/>
+          </p:cNvSpPr>
+          <p:nvPr>
+            <p:ph type="sldNum" sz="quarter" idx="10"/>
+          </p:nvPr>
+        </p:nvSpPr>
+        <p:spPr/>
+        <p:txBody>
+          <a:bodyPr/>
+          <a:lstStyle/>
+          <a:p>
+            <a:fld id="{B5256544-F7B9-4C4C-9E8E-DB38FAB1A936}" type="slidenum">
+              <a:rPr lang="zh-TW" altLang="en-US" smtClean="0"/>
+              <a:t>32</a:t>
+            </a:fld>
+            <a:endParaRPr lang="zh-TW" altLang="en-US"/>
+          </a:p>
+        </p:txBody>
+      </p:sp>
+    </p:spTree>
+    <p:extLst>
+      <p:ext uri="{BB962C8B-B14F-4D97-AF65-F5344CB8AC3E}">
+        <p14:creationId xmlns:p14="http://schemas.microsoft.com/office/powerpoint/2010/main" val="1357391561"/>
       </p:ext>
     </p:extLst>
   </p:cSld>
@@ -1271,7 +2064,7 @@
           <a:p>
             <a:fld id="{E1B93943-3A0A-4904-99D8-504CA2949149}" type="datetimeFigureOut">
               <a:rPr lang="zh-TW" altLang="en-US" smtClean="0"/>
-              <a:t>2023/3/17</a:t>
+              <a:t>2023/3/20</a:t>
             </a:fld>
             <a:endParaRPr lang="zh-TW" altLang="en-US"/>
           </a:p>
@@ -1439,7 +2232,7 @@
           <a:p>
             <a:fld id="{E1B93943-3A0A-4904-99D8-504CA2949149}" type="datetimeFigureOut">
               <a:rPr lang="zh-TW" altLang="en-US" smtClean="0"/>
-              <a:t>2023/3/17</a:t>
+              <a:t>2023/3/20</a:t>
             </a:fld>
             <a:endParaRPr lang="zh-TW" altLang="en-US"/>
           </a:p>
@@ -1617,7 +2410,7 @@
           <a:p>
             <a:fld id="{E1B93943-3A0A-4904-99D8-504CA2949149}" type="datetimeFigureOut">
               <a:rPr lang="zh-TW" altLang="en-US" smtClean="0"/>
-              <a:t>2023/3/17</a:t>
+              <a:t>2023/3/20</a:t>
             </a:fld>
             <a:endParaRPr lang="zh-TW" altLang="en-US"/>
           </a:p>
@@ -1785,7 +2578,7 @@
           <a:p>
             <a:fld id="{E1B93943-3A0A-4904-99D8-504CA2949149}" type="datetimeFigureOut">
               <a:rPr lang="zh-TW" altLang="en-US" smtClean="0"/>
-              <a:t>2023/3/17</a:t>
+              <a:t>2023/3/20</a:t>
             </a:fld>
             <a:endParaRPr lang="zh-TW" altLang="en-US"/>
           </a:p>
@@ -2030,7 +2823,7 @@
           <a:p>
             <a:fld id="{E1B93943-3A0A-4904-99D8-504CA2949149}" type="datetimeFigureOut">
               <a:rPr lang="zh-TW" altLang="en-US" smtClean="0"/>
-              <a:t>2023/3/17</a:t>
+              <a:t>2023/3/20</a:t>
             </a:fld>
             <a:endParaRPr lang="zh-TW" altLang="en-US"/>
           </a:p>
@@ -2259,7 +3052,7 @@
           <a:p>
             <a:fld id="{E1B93943-3A0A-4904-99D8-504CA2949149}" type="datetimeFigureOut">
               <a:rPr lang="zh-TW" altLang="en-US" smtClean="0"/>
-              <a:t>2023/3/17</a:t>
+              <a:t>2023/3/20</a:t>
             </a:fld>
             <a:endParaRPr lang="zh-TW" altLang="en-US"/>
           </a:p>
@@ -2623,7 +3416,7 @@
           <a:p>
             <a:fld id="{E1B93943-3A0A-4904-99D8-504CA2949149}" type="datetimeFigureOut">
               <a:rPr lang="zh-TW" altLang="en-US" smtClean="0"/>
-              <a:t>2023/3/17</a:t>
+              <a:t>2023/3/20</a:t>
             </a:fld>
             <a:endParaRPr lang="zh-TW" altLang="en-US"/>
           </a:p>
@@ -2740,7 +3533,7 @@
           <a:p>
             <a:fld id="{E1B93943-3A0A-4904-99D8-504CA2949149}" type="datetimeFigureOut">
               <a:rPr lang="zh-TW" altLang="en-US" smtClean="0"/>
-              <a:t>2023/3/17</a:t>
+              <a:t>2023/3/20</a:t>
             </a:fld>
             <a:endParaRPr lang="zh-TW" altLang="en-US"/>
           </a:p>
@@ -2835,7 +3628,7 @@
           <a:p>
             <a:fld id="{E1B93943-3A0A-4904-99D8-504CA2949149}" type="datetimeFigureOut">
               <a:rPr lang="zh-TW" altLang="en-US" smtClean="0"/>
-              <a:t>2023/3/17</a:t>
+              <a:t>2023/3/20</a:t>
             </a:fld>
             <a:endParaRPr lang="zh-TW" altLang="en-US"/>
           </a:p>
@@ -3110,7 +3903,7 @@
           <a:p>
             <a:fld id="{E1B93943-3A0A-4904-99D8-504CA2949149}" type="datetimeFigureOut">
               <a:rPr lang="zh-TW" altLang="en-US" smtClean="0"/>
-              <a:t>2023/3/17</a:t>
+              <a:t>2023/3/20</a:t>
             </a:fld>
             <a:endParaRPr lang="zh-TW" altLang="en-US"/>
           </a:p>
@@ -3362,7 +4155,7 @@
           <a:p>
             <a:fld id="{E1B93943-3A0A-4904-99D8-504CA2949149}" type="datetimeFigureOut">
               <a:rPr lang="zh-TW" altLang="en-US" smtClean="0"/>
-              <a:t>2023/3/17</a:t>
+              <a:t>2023/3/20</a:t>
             </a:fld>
             <a:endParaRPr lang="zh-TW" altLang="en-US"/>
           </a:p>
@@ -3573,7 +4366,7 @@
           <a:p>
             <a:fld id="{E1B93943-3A0A-4904-99D8-504CA2949149}" type="datetimeFigureOut">
               <a:rPr lang="zh-TW" altLang="en-US" smtClean="0"/>
-              <a:t>2023/3/17</a:t>
+              <a:t>2023/3/20</a:t>
             </a:fld>
             <a:endParaRPr lang="zh-TW" altLang="en-US"/>
           </a:p>
@@ -4101,6 +4894,478 @@
           <a:chExt cx="0" cy="0"/>
         </a:xfrm>
       </p:grpSpPr>
+      <p:sp>
+        <p:nvSpPr>
+          <p:cNvPr id="2" name="標題 1"/>
+          <p:cNvSpPr>
+            <a:spLocks noGrp="1"/>
+          </p:cNvSpPr>
+          <p:nvPr>
+            <p:ph type="title"/>
+          </p:nvPr>
+        </p:nvSpPr>
+        <p:spPr/>
+        <p:txBody>
+          <a:bodyPr/>
+          <a:lstStyle/>
+          <a:p>
+            <a:r>
+              <a:rPr lang="en-US" altLang="zh-TW" dirty="0" err="1"/>
+              <a:t>ap_ctrl_none</a:t>
+            </a:r>
+            <a:endParaRPr lang="zh-TW" altLang="en-US" dirty="0"/>
+          </a:p>
+        </p:txBody>
+      </p:sp>
+      <p:pic>
+        <p:nvPicPr>
+          <p:cNvPr id="4" name="內容版面配置區 3"/>
+          <p:cNvPicPr>
+            <a:picLocks noGrp="1" noChangeAspect="1"/>
+          </p:cNvPicPr>
+          <p:nvPr>
+            <p:ph idx="1"/>
+          </p:nvPr>
+        </p:nvPicPr>
+        <p:blipFill>
+          <a:blip r:embed="rId2"/>
+          <a:stretch>
+            <a:fillRect/>
+          </a:stretch>
+        </p:blipFill>
+        <p:spPr>
+          <a:xfrm>
+            <a:off x="2178750" y="2024744"/>
+            <a:ext cx="7834499" cy="3448594"/>
+          </a:xfrm>
+          <a:prstGeom prst="rect">
+            <a:avLst/>
+          </a:prstGeom>
+        </p:spPr>
+      </p:pic>
+    </p:spTree>
+    <p:extLst>
+      <p:ext uri="{BB962C8B-B14F-4D97-AF65-F5344CB8AC3E}">
+        <p14:creationId xmlns:p14="http://schemas.microsoft.com/office/powerpoint/2010/main" val="3295641125"/>
+      </p:ext>
+    </p:extLst>
+  </p:cSld>
+  <p:clrMapOvr>
+    <a:masterClrMapping/>
+  </p:clrMapOvr>
+</p:sld>
+</file>
+
+<file path=ppt/slides/slide11.xml><?xml version="1.0" encoding="utf-8"?>
+<p:sld xmlns:a="http://schemas.openxmlformats.org/drawingml/2006/main" xmlns:r="http://schemas.openxmlformats.org/officeDocument/2006/relationships" xmlns:p="http://schemas.openxmlformats.org/presentationml/2006/main">
+  <p:cSld>
+    <p:spTree>
+      <p:nvGrpSpPr>
+        <p:cNvPr id="1" name=""/>
+        <p:cNvGrpSpPr/>
+        <p:nvPr/>
+      </p:nvGrpSpPr>
+      <p:grpSpPr>
+        <a:xfrm>
+          <a:off x="0" y="0"/>
+          <a:ext cx="0" cy="0"/>
+          <a:chOff x="0" y="0"/>
+          <a:chExt cx="0" cy="0"/>
+        </a:xfrm>
+      </p:grpSpPr>
+      <p:sp>
+        <p:nvSpPr>
+          <p:cNvPr id="2" name="標題 1"/>
+          <p:cNvSpPr>
+            <a:spLocks noGrp="1"/>
+          </p:cNvSpPr>
+          <p:nvPr>
+            <p:ph type="title"/>
+          </p:nvPr>
+        </p:nvSpPr>
+        <p:spPr/>
+        <p:txBody>
+          <a:bodyPr/>
+          <a:lstStyle/>
+          <a:p>
+            <a:r>
+              <a:rPr lang="en-US" altLang="zh-TW" dirty="0"/>
+              <a:t>Error in Co-simulation with </a:t>
+            </a:r>
+            <a:r>
+              <a:rPr lang="en-US" altLang="zh-TW" b="1" dirty="0" err="1"/>
+              <a:t>ap_ctrl_none</a:t>
+            </a:r>
+            <a:endParaRPr lang="zh-TW" altLang="en-US" b="1" dirty="0"/>
+          </a:p>
+        </p:txBody>
+      </p:sp>
+      <p:sp>
+        <p:nvSpPr>
+          <p:cNvPr id="3" name="內容版面配置區 2"/>
+          <p:cNvSpPr>
+            <a:spLocks noGrp="1"/>
+          </p:cNvSpPr>
+          <p:nvPr>
+            <p:ph idx="1"/>
+          </p:nvPr>
+        </p:nvSpPr>
+        <p:spPr/>
+        <p:txBody>
+          <a:bodyPr/>
+          <a:lstStyle/>
+          <a:p>
+            <a:r>
+              <a:rPr lang="en-US" altLang="zh-TW" dirty="0"/>
+              <a:t>Co-simulation requires a block-level I/O protocol to sequence the test bench. </a:t>
+            </a:r>
+          </a:p>
+          <a:p>
+            <a:endParaRPr lang="en-US" altLang="zh-TW" dirty="0"/>
+          </a:p>
+          <a:p>
+            <a:r>
+              <a:rPr lang="en-US" altLang="zh-TW" dirty="0"/>
+              <a:t>The </a:t>
+            </a:r>
+            <a:r>
+              <a:rPr lang="en-US" altLang="zh-TW" dirty="0" err="1"/>
+              <a:t>ap_ctrl_none</a:t>
+            </a:r>
+            <a:r>
+              <a:rPr lang="en-US" altLang="zh-TW" dirty="0"/>
+              <a:t> doesn’t add the block level I/O ports. It can’t operate co-simulation.</a:t>
+            </a:r>
+          </a:p>
+          <a:p>
+            <a:endParaRPr lang="en-US" altLang="zh-TW" dirty="0"/>
+          </a:p>
+          <a:p>
+            <a:r>
+              <a:rPr lang="en-US" altLang="zh-TW" dirty="0"/>
+              <a:t>However, in our case, this is a combinational logic, so we can operate co-simulation.</a:t>
+            </a:r>
+          </a:p>
+        </p:txBody>
+      </p:sp>
+    </p:spTree>
+    <p:extLst>
+      <p:ext uri="{BB962C8B-B14F-4D97-AF65-F5344CB8AC3E}">
+        <p14:creationId xmlns:p14="http://schemas.microsoft.com/office/powerpoint/2010/main" val="1180781820"/>
+      </p:ext>
+    </p:extLst>
+  </p:cSld>
+  <p:clrMapOvr>
+    <a:masterClrMapping/>
+  </p:clrMapOvr>
+</p:sld>
+</file>
+
+<file path=ppt/slides/slide12.xml><?xml version="1.0" encoding="utf-8"?>
+<p:sld xmlns:a="http://schemas.openxmlformats.org/drawingml/2006/main" xmlns:r="http://schemas.openxmlformats.org/officeDocument/2006/relationships" xmlns:p="http://schemas.openxmlformats.org/presentationml/2006/main">
+  <p:cSld>
+    <p:spTree>
+      <p:nvGrpSpPr>
+        <p:cNvPr id="1" name=""/>
+        <p:cNvGrpSpPr/>
+        <p:nvPr/>
+      </p:nvGrpSpPr>
+      <p:grpSpPr>
+        <a:xfrm>
+          <a:off x="0" y="0"/>
+          <a:ext cx="0" cy="0"/>
+          <a:chOff x="0" y="0"/>
+          <a:chExt cx="0" cy="0"/>
+        </a:xfrm>
+      </p:grpSpPr>
+      <p:pic>
+        <p:nvPicPr>
+          <p:cNvPr id="4" name="內容版面配置區 3">
+            <a:extLst>
+              <a:ext uri="{FF2B5EF4-FFF2-40B4-BE49-F238E27FC236}">
+                <a16:creationId xmlns:a16="http://schemas.microsoft.com/office/drawing/2014/main" id="{74050F75-9ED4-482B-8ECC-BB37B42B58BD}"/>
+              </a:ext>
+            </a:extLst>
+          </p:cNvPr>
+          <p:cNvPicPr>
+            <a:picLocks noGrp="1" noChangeAspect="1"/>
+          </p:cNvPicPr>
+          <p:nvPr>
+            <p:ph idx="1"/>
+          </p:nvPr>
+        </p:nvPicPr>
+        <p:blipFill>
+          <a:blip r:embed="rId3"/>
+          <a:stretch>
+            <a:fillRect/>
+          </a:stretch>
+        </p:blipFill>
+        <p:spPr>
+          <a:xfrm>
+            <a:off x="446001" y="213008"/>
+            <a:ext cx="9362340" cy="4973298"/>
+          </a:xfrm>
+          <a:prstGeom prst="rect">
+            <a:avLst/>
+          </a:prstGeom>
+        </p:spPr>
+      </p:pic>
+      <p:pic>
+        <p:nvPicPr>
+          <p:cNvPr id="6" name="圖片 5">
+            <a:extLst>
+              <a:ext uri="{FF2B5EF4-FFF2-40B4-BE49-F238E27FC236}">
+                <a16:creationId xmlns:a16="http://schemas.microsoft.com/office/drawing/2014/main" id="{224D81E8-57F5-4C94-AEB1-9E30E34869C5}"/>
+              </a:ext>
+            </a:extLst>
+          </p:cNvPr>
+          <p:cNvPicPr>
+            <a:picLocks noChangeAspect="1"/>
+          </p:cNvPicPr>
+          <p:nvPr/>
+        </p:nvPicPr>
+        <p:blipFill rotWithShape="1">
+          <a:blip r:embed="rId4"/>
+          <a:srcRect r="23209"/>
+          <a:stretch/>
+        </p:blipFill>
+        <p:spPr>
+          <a:xfrm>
+            <a:off x="2383659" y="2093805"/>
+            <a:ext cx="9362340" cy="4551187"/>
+          </a:xfrm>
+          <a:prstGeom prst="rect">
+            <a:avLst/>
+          </a:prstGeom>
+        </p:spPr>
+      </p:pic>
+    </p:spTree>
+    <p:extLst>
+      <p:ext uri="{BB962C8B-B14F-4D97-AF65-F5344CB8AC3E}">
+        <p14:creationId xmlns:p14="http://schemas.microsoft.com/office/powerpoint/2010/main" val="615277014"/>
+      </p:ext>
+    </p:extLst>
+  </p:cSld>
+  <p:clrMapOvr>
+    <a:masterClrMapping/>
+  </p:clrMapOvr>
+  <p:timing>
+    <p:tnLst>
+      <p:par>
+        <p:cTn id="1" dur="indefinite" restart="never" nodeType="tmRoot">
+          <p:childTnLst>
+            <p:seq concurrent="1" nextAc="seek">
+              <p:cTn id="2" dur="indefinite" nodeType="mainSeq">
+                <p:childTnLst>
+                  <p:par>
+                    <p:cTn id="3" fill="hold">
+                      <p:stCondLst>
+                        <p:cond delay="indefinite"/>
+                      </p:stCondLst>
+                      <p:childTnLst>
+                        <p:par>
+                          <p:cTn id="4" fill="hold">
+                            <p:stCondLst>
+                              <p:cond delay="0"/>
+                            </p:stCondLst>
+                            <p:childTnLst>
+                              <p:par>
+                                <p:cTn id="5" presetID="10" presetClass="entr" presetSubtype="0" fill="hold" nodeType="clickEffect">
+                                  <p:stCondLst>
+                                    <p:cond delay="0"/>
+                                  </p:stCondLst>
+                                  <p:childTnLst>
+                                    <p:set>
+                                      <p:cBhvr>
+                                        <p:cTn id="6" dur="1" fill="hold">
+                                          <p:stCondLst>
+                                            <p:cond delay="0"/>
+                                          </p:stCondLst>
+                                        </p:cTn>
+                                        <p:tgtEl>
+                                          <p:spTgt spid="6"/>
+                                        </p:tgtEl>
+                                        <p:attrNameLst>
+                                          <p:attrName>style.visibility</p:attrName>
+                                        </p:attrNameLst>
+                                      </p:cBhvr>
+                                      <p:to>
+                                        <p:strVal val="visible"/>
+                                      </p:to>
+                                    </p:set>
+                                    <p:animEffect transition="in" filter="fade">
+                                      <p:cBhvr>
+                                        <p:cTn id="7" dur="500"/>
+                                        <p:tgtEl>
+                                          <p:spTgt spid="6"/>
+                                        </p:tgtEl>
+                                      </p:cBhvr>
+                                    </p:animEffect>
+                                  </p:childTnLst>
+                                </p:cTn>
+                              </p:par>
+                            </p:childTnLst>
+                          </p:cTn>
+                        </p:par>
+                      </p:childTnLst>
+                    </p:cTn>
+                  </p:par>
+                </p:childTnLst>
+              </p:cTn>
+              <p:prevCondLst>
+                <p:cond evt="onPrev" delay="0">
+                  <p:tgtEl>
+                    <p:sldTgt/>
+                  </p:tgtEl>
+                </p:cond>
+              </p:prevCondLst>
+              <p:nextCondLst>
+                <p:cond evt="onNext" delay="0">
+                  <p:tgtEl>
+                    <p:sldTgt/>
+                  </p:tgtEl>
+                </p:cond>
+              </p:nextCondLst>
+            </p:seq>
+          </p:childTnLst>
+        </p:cTn>
+      </p:par>
+    </p:tnLst>
+  </p:timing>
+</p:sld>
+</file>
+
+<file path=ppt/slides/slide13.xml><?xml version="1.0" encoding="utf-8"?>
+<p:sld xmlns:a="http://schemas.openxmlformats.org/drawingml/2006/main" xmlns:r="http://schemas.openxmlformats.org/officeDocument/2006/relationships" xmlns:p="http://schemas.openxmlformats.org/presentationml/2006/main">
+  <p:cSld>
+    <p:spTree>
+      <p:nvGrpSpPr>
+        <p:cNvPr id="1" name=""/>
+        <p:cNvGrpSpPr/>
+        <p:nvPr/>
+      </p:nvGrpSpPr>
+      <p:grpSpPr>
+        <a:xfrm>
+          <a:off x="0" y="0"/>
+          <a:ext cx="0" cy="0"/>
+          <a:chOff x="0" y="0"/>
+          <a:chExt cx="0" cy="0"/>
+        </a:xfrm>
+      </p:grpSpPr>
+      <p:sp>
+        <p:nvSpPr>
+          <p:cNvPr id="2" name="標題 1"/>
+          <p:cNvSpPr>
+            <a:spLocks noGrp="1"/>
+          </p:cNvSpPr>
+          <p:nvPr>
+            <p:ph type="title"/>
+          </p:nvPr>
+        </p:nvSpPr>
+        <p:spPr/>
+        <p:txBody>
+          <a:bodyPr/>
+          <a:lstStyle/>
+          <a:p>
+            <a:r>
+              <a:rPr lang="en-US" altLang="zh-TW" dirty="0"/>
+              <a:t>Lab 2 (Port-level protocol)</a:t>
+            </a:r>
+            <a:endParaRPr lang="zh-TW" altLang="en-US" dirty="0"/>
+          </a:p>
+        </p:txBody>
+      </p:sp>
+      <p:sp>
+        <p:nvSpPr>
+          <p:cNvPr id="3" name="內容版面配置區 2"/>
+          <p:cNvSpPr>
+            <a:spLocks noGrp="1"/>
+          </p:cNvSpPr>
+          <p:nvPr>
+            <p:ph idx="1"/>
+          </p:nvPr>
+        </p:nvSpPr>
+        <p:spPr/>
+        <p:txBody>
+          <a:bodyPr/>
+          <a:lstStyle/>
+          <a:p>
+            <a:r>
+              <a:rPr lang="en-US" altLang="zh-TW" dirty="0"/>
+              <a:t>The port-level I/O protocol is the data flow I/O ports.</a:t>
+            </a:r>
+          </a:p>
+          <a:p>
+            <a:endParaRPr lang="en-US" altLang="zh-TW" dirty="0"/>
+          </a:p>
+          <a:p>
+            <a:r>
+              <a:rPr lang="en-US" altLang="zh-TW" dirty="0"/>
+              <a:t>There’re three different kinds port-level protocol. </a:t>
+            </a:r>
+          </a:p>
+          <a:p>
+            <a:pPr marL="0" indent="0">
+              <a:buNone/>
+            </a:pPr>
+            <a:endParaRPr lang="en-US" altLang="zh-TW" dirty="0"/>
+          </a:p>
+        </p:txBody>
+      </p:sp>
+      <p:pic>
+        <p:nvPicPr>
+          <p:cNvPr id="6" name="圖片 5"/>
+          <p:cNvPicPr>
+            <a:picLocks noChangeAspect="1"/>
+          </p:cNvPicPr>
+          <p:nvPr/>
+        </p:nvPicPr>
+        <p:blipFill>
+          <a:blip r:embed="rId2"/>
+          <a:stretch>
+            <a:fillRect/>
+          </a:stretch>
+        </p:blipFill>
+        <p:spPr>
+          <a:xfrm>
+            <a:off x="1504309" y="3816139"/>
+            <a:ext cx="9183382" cy="1733792"/>
+          </a:xfrm>
+          <a:prstGeom prst="rect">
+            <a:avLst/>
+          </a:prstGeom>
+        </p:spPr>
+      </p:pic>
+    </p:spTree>
+    <p:extLst>
+      <p:ext uri="{BB962C8B-B14F-4D97-AF65-F5344CB8AC3E}">
+        <p14:creationId xmlns:p14="http://schemas.microsoft.com/office/powerpoint/2010/main" val="3610451874"/>
+      </p:ext>
+    </p:extLst>
+  </p:cSld>
+  <p:clrMapOvr>
+    <a:masterClrMapping/>
+  </p:clrMapOvr>
+</p:sld>
+</file>
+
+<file path=ppt/slides/slide14.xml><?xml version="1.0" encoding="utf-8"?>
+<p:sld xmlns:a="http://schemas.openxmlformats.org/drawingml/2006/main" xmlns:r="http://schemas.openxmlformats.org/officeDocument/2006/relationships" xmlns:p="http://schemas.openxmlformats.org/presentationml/2006/main">
+  <p:cSld>
+    <p:spTree>
+      <p:nvGrpSpPr>
+        <p:cNvPr id="1" name=""/>
+        <p:cNvGrpSpPr/>
+        <p:nvPr/>
+      </p:nvGrpSpPr>
+      <p:grpSpPr>
+        <a:xfrm>
+          <a:off x="0" y="0"/>
+          <a:ext cx="0" cy="0"/>
+          <a:chOff x="0" y="0"/>
+          <a:chExt cx="0" cy="0"/>
+        </a:xfrm>
+      </p:grpSpPr>
       <p:pic>
         <p:nvPicPr>
           <p:cNvPr id="7" name="圖片 6"/>
@@ -4110,14 +5375,14 @@
           <p:nvPr/>
         </p:nvPicPr>
         <p:blipFill rotWithShape="1">
-          <a:blip r:embed="rId2"/>
+          <a:blip r:embed="rId3"/>
           <a:srcRect b="1658"/>
           <a:stretch/>
         </p:blipFill>
         <p:spPr>
           <a:xfrm>
             <a:off x="290955" y="602554"/>
-            <a:ext cx="6435614" cy="3747377"/>
+            <a:ext cx="6588816" cy="3747377"/>
           </a:xfrm>
           <a:prstGeom prst="rect">
             <a:avLst/>
@@ -4135,7 +5400,7 @@
           </p:nvPr>
         </p:nvPicPr>
         <p:blipFill>
-          <a:blip r:embed="rId3"/>
+          <a:blip r:embed="rId4"/>
           <a:stretch>
             <a:fillRect/>
           </a:stretch>
@@ -4159,7 +5424,7 @@
           <p:nvPr/>
         </p:nvPicPr>
         <p:blipFill>
-          <a:blip r:embed="rId4"/>
+          <a:blip r:embed="rId5"/>
           <a:stretch>
             <a:fillRect/>
           </a:stretch>
@@ -4323,7 +5588,7 @@
 </p:sld>
 </file>
 
-<file path=ppt/slides/slide11.xml><?xml version="1.0" encoding="utf-8"?>
+<file path=ppt/slides/slide15.xml><?xml version="1.0" encoding="utf-8"?>
 <p:sld xmlns:a="http://schemas.openxmlformats.org/drawingml/2006/main" xmlns:r="http://schemas.openxmlformats.org/officeDocument/2006/relationships" xmlns:p="http://schemas.openxmlformats.org/presentationml/2006/main">
   <p:cSld>
     <p:spTree>
@@ -4342,6 +5607,260 @@
       </p:grpSpPr>
       <p:sp>
         <p:nvSpPr>
+          <p:cNvPr id="2" name="標題 1">
+            <a:extLst>
+              <a:ext uri="{FF2B5EF4-FFF2-40B4-BE49-F238E27FC236}">
+                <a16:creationId xmlns:a16="http://schemas.microsoft.com/office/drawing/2014/main" id="{64DE30A3-4FCA-4BC7-B0EF-4DA3F5FCA871}"/>
+              </a:ext>
+            </a:extLst>
+          </p:cNvPr>
+          <p:cNvSpPr>
+            <a:spLocks noGrp="1"/>
+          </p:cNvSpPr>
+          <p:nvPr>
+            <p:ph type="title"/>
+          </p:nvPr>
+        </p:nvSpPr>
+        <p:spPr/>
+        <p:txBody>
+          <a:bodyPr/>
+          <a:lstStyle/>
+          <a:p>
+            <a:r>
+              <a:rPr lang="en-US" altLang="zh-TW" dirty="0"/>
+              <a:t>Lab2 procedure</a:t>
+            </a:r>
+            <a:endParaRPr lang="zh-TW" altLang="en-US" dirty="0"/>
+          </a:p>
+        </p:txBody>
+      </p:sp>
+      <p:sp>
+        <p:nvSpPr>
+          <p:cNvPr id="3" name="內容版面配置區 2">
+            <a:extLst>
+              <a:ext uri="{FF2B5EF4-FFF2-40B4-BE49-F238E27FC236}">
+                <a16:creationId xmlns:a16="http://schemas.microsoft.com/office/drawing/2014/main" id="{1AF7F7B3-6DF3-4A55-8996-A0DC03BB3345}"/>
+              </a:ext>
+            </a:extLst>
+          </p:cNvPr>
+          <p:cNvSpPr>
+            <a:spLocks noGrp="1"/>
+          </p:cNvSpPr>
+          <p:nvPr>
+            <p:ph idx="1"/>
+          </p:nvPr>
+        </p:nvSpPr>
+        <p:spPr/>
+        <p:txBody>
+          <a:bodyPr/>
+          <a:lstStyle/>
+          <a:p>
+            <a:pPr marL="514350" indent="-514350">
+              <a:buAutoNum type="arabicPeriod"/>
+            </a:pPr>
+            <a:r>
+              <a:rPr lang="en-US" altLang="zh-TW" dirty="0"/>
+              <a:t>Use same steps from 1 to 4 as lab1. </a:t>
+            </a:r>
+          </a:p>
+          <a:p>
+            <a:pPr marL="514350" indent="-514350">
+              <a:buAutoNum type="arabicPeriod"/>
+            </a:pPr>
+            <a:r>
+              <a:rPr lang="en-US" altLang="zh-TW" dirty="0"/>
+              <a:t>Change interface of in1, in2 and in3 as </a:t>
+            </a:r>
+            <a:r>
+              <a:rPr lang="en-US" altLang="zh-TW" dirty="0" err="1"/>
+              <a:t>ap_vld</a:t>
+            </a:r>
+            <a:r>
+              <a:rPr lang="en-US" altLang="zh-TW" dirty="0"/>
+              <a:t>, </a:t>
+            </a:r>
+            <a:r>
+              <a:rPr lang="en-US" altLang="zh-TW" dirty="0" err="1"/>
+              <a:t>ap_ack</a:t>
+            </a:r>
+            <a:r>
+              <a:rPr lang="en-US" altLang="zh-TW" dirty="0"/>
+              <a:t>, and </a:t>
+            </a:r>
+            <a:r>
+              <a:rPr lang="en-US" altLang="zh-TW" dirty="0" err="1"/>
+              <a:t>ap_hs</a:t>
+            </a:r>
+            <a:r>
+              <a:rPr lang="en-US" altLang="zh-TW" dirty="0"/>
+              <a:t>.</a:t>
+            </a:r>
+          </a:p>
+          <a:p>
+            <a:pPr marL="514350" indent="-514350">
+              <a:buAutoNum type="arabicPeriod"/>
+            </a:pPr>
+            <a:r>
+              <a:rPr lang="en-US" altLang="zh-TW" dirty="0"/>
+              <a:t>C simulation      C Synthesis     </a:t>
+            </a:r>
+            <a:r>
+              <a:rPr lang="en-US" altLang="zh-TW" dirty="0" err="1"/>
+              <a:t>Cosimulation</a:t>
+            </a:r>
+            <a:r>
+              <a:rPr lang="en-US" altLang="zh-TW" dirty="0"/>
+              <a:t> </a:t>
+            </a:r>
+          </a:p>
+          <a:p>
+            <a:pPr marL="514350" indent="-514350">
+              <a:buAutoNum type="arabicPeriod"/>
+            </a:pPr>
+            <a:endParaRPr lang="zh-TW" altLang="en-US" dirty="0"/>
+          </a:p>
+        </p:txBody>
+      </p:sp>
+      <p:sp>
+        <p:nvSpPr>
+          <p:cNvPr id="5" name="箭號: 向右 4">
+            <a:extLst>
+              <a:ext uri="{FF2B5EF4-FFF2-40B4-BE49-F238E27FC236}">
+                <a16:creationId xmlns:a16="http://schemas.microsoft.com/office/drawing/2014/main" id="{FB8D18A9-C9AF-49E6-9C7F-4598BB1ABCC6}"/>
+              </a:ext>
+            </a:extLst>
+          </p:cNvPr>
+          <p:cNvSpPr/>
+          <p:nvPr/>
+        </p:nvSpPr>
+        <p:spPr>
+          <a:xfrm>
+            <a:off x="3331471" y="2964453"/>
+            <a:ext cx="283028" cy="228600"/>
+          </a:xfrm>
+          <a:prstGeom prst="rightArrow">
+            <a:avLst/>
+          </a:prstGeom>
+          <a:solidFill>
+            <a:schemeClr val="tx1"/>
+          </a:solidFill>
+          <a:ln>
+            <a:solidFill>
+              <a:schemeClr val="tx1"/>
+            </a:solidFill>
+          </a:ln>
+        </p:spPr>
+        <p:style>
+          <a:lnRef idx="2">
+            <a:schemeClr val="accent1">
+              <a:shade val="50000"/>
+            </a:schemeClr>
+          </a:lnRef>
+          <a:fillRef idx="1">
+            <a:schemeClr val="accent1"/>
+          </a:fillRef>
+          <a:effectRef idx="0">
+            <a:schemeClr val="accent1"/>
+          </a:effectRef>
+          <a:fontRef idx="minor">
+            <a:schemeClr val="lt1"/>
+          </a:fontRef>
+        </p:style>
+        <p:txBody>
+          <a:bodyPr rtlCol="0" anchor="ctr"/>
+          <a:lstStyle/>
+          <a:p>
+            <a:pPr algn="ctr"/>
+            <a:endParaRPr lang="zh-TW" altLang="en-US"/>
+          </a:p>
+        </p:txBody>
+      </p:sp>
+      <p:sp>
+        <p:nvSpPr>
+          <p:cNvPr id="6" name="箭號: 向右 5">
+            <a:extLst>
+              <a:ext uri="{FF2B5EF4-FFF2-40B4-BE49-F238E27FC236}">
+                <a16:creationId xmlns:a16="http://schemas.microsoft.com/office/drawing/2014/main" id="{8AA9A7C0-A5AB-4BD6-9CBD-17871A08BEFD}"/>
+              </a:ext>
+            </a:extLst>
+          </p:cNvPr>
+          <p:cNvSpPr/>
+          <p:nvPr/>
+        </p:nvSpPr>
+        <p:spPr>
+          <a:xfrm>
+            <a:off x="5410642" y="2964453"/>
+            <a:ext cx="283028" cy="228600"/>
+          </a:xfrm>
+          <a:prstGeom prst="rightArrow">
+            <a:avLst/>
+          </a:prstGeom>
+          <a:solidFill>
+            <a:schemeClr val="tx1"/>
+          </a:solidFill>
+          <a:ln>
+            <a:solidFill>
+              <a:schemeClr val="tx1"/>
+            </a:solidFill>
+          </a:ln>
+        </p:spPr>
+        <p:style>
+          <a:lnRef idx="2">
+            <a:schemeClr val="accent1">
+              <a:shade val="50000"/>
+            </a:schemeClr>
+          </a:lnRef>
+          <a:fillRef idx="1">
+            <a:schemeClr val="accent1"/>
+          </a:fillRef>
+          <a:effectRef idx="0">
+            <a:schemeClr val="accent1"/>
+          </a:effectRef>
+          <a:fontRef idx="minor">
+            <a:schemeClr val="lt1"/>
+          </a:fontRef>
+        </p:style>
+        <p:txBody>
+          <a:bodyPr rtlCol="0" anchor="ctr"/>
+          <a:lstStyle/>
+          <a:p>
+            <a:pPr algn="ctr"/>
+            <a:endParaRPr lang="zh-TW" altLang="en-US"/>
+          </a:p>
+        </p:txBody>
+      </p:sp>
+    </p:spTree>
+    <p:extLst>
+      <p:ext uri="{BB962C8B-B14F-4D97-AF65-F5344CB8AC3E}">
+        <p14:creationId xmlns:p14="http://schemas.microsoft.com/office/powerpoint/2010/main" val="1884321634"/>
+      </p:ext>
+    </p:extLst>
+  </p:cSld>
+  <p:clrMapOvr>
+    <a:masterClrMapping/>
+  </p:clrMapOvr>
+</p:sld>
+</file>
+
+<file path=ppt/slides/slide16.xml><?xml version="1.0" encoding="utf-8"?>
+<p:sld xmlns:a="http://schemas.openxmlformats.org/drawingml/2006/main" xmlns:r="http://schemas.openxmlformats.org/officeDocument/2006/relationships" xmlns:p="http://schemas.openxmlformats.org/presentationml/2006/main">
+  <p:cSld>
+    <p:spTree>
+      <p:nvGrpSpPr>
+        <p:cNvPr id="1" name=""/>
+        <p:cNvGrpSpPr/>
+        <p:nvPr/>
+      </p:nvGrpSpPr>
+      <p:grpSpPr>
+        <a:xfrm>
+          <a:off x="0" y="0"/>
+          <a:ext cx="0" cy="0"/>
+          <a:chOff x="0" y="0"/>
+          <a:chExt cx="0" cy="0"/>
+        </a:xfrm>
+      </p:grpSpPr>
+      <p:sp>
+        <p:nvSpPr>
           <p:cNvPr id="2" name="標題 1"/>
           <p:cNvSpPr>
             <a:spLocks noGrp="1"/>
@@ -4405,8 +5924,67 @@
         </p:blipFill>
         <p:spPr>
           <a:xfrm>
-            <a:off x="3651675" y="1690688"/>
+            <a:off x="6887419" y="1598216"/>
             <a:ext cx="4888650" cy="4244800"/>
+          </a:xfrm>
+          <a:prstGeom prst="rect">
+            <a:avLst/>
+          </a:prstGeom>
+        </p:spPr>
+      </p:pic>
+      <p:pic>
+        <p:nvPicPr>
+          <p:cNvPr id="4" name="內容版面配置區 3">
+            <a:extLst>
+              <a:ext uri="{FF2B5EF4-FFF2-40B4-BE49-F238E27FC236}">
+                <a16:creationId xmlns:a16="http://schemas.microsoft.com/office/drawing/2014/main" id="{3A7A48D1-B655-42B5-A887-6D893DD613C9}"/>
+              </a:ext>
+            </a:extLst>
+          </p:cNvPr>
+          <p:cNvPicPr>
+            <a:picLocks noChangeAspect="1"/>
+          </p:cNvPicPr>
+          <p:nvPr/>
+        </p:nvPicPr>
+        <p:blipFill>
+          <a:blip r:embed="rId3"/>
+          <a:stretch>
+            <a:fillRect/>
+          </a:stretch>
+        </p:blipFill>
+        <p:spPr>
+          <a:xfrm>
+            <a:off x="838200" y="1598216"/>
+            <a:ext cx="2943636" cy="1476581"/>
+          </a:xfrm>
+          <a:prstGeom prst="rect">
+            <a:avLst/>
+          </a:prstGeom>
+        </p:spPr>
+      </p:pic>
+      <p:pic>
+        <p:nvPicPr>
+          <p:cNvPr id="6" name="圖片 5">
+            <a:extLst>
+              <a:ext uri="{FF2B5EF4-FFF2-40B4-BE49-F238E27FC236}">
+                <a16:creationId xmlns:a16="http://schemas.microsoft.com/office/drawing/2014/main" id="{68AA7C5C-E54F-4478-8F44-79FF6834E2B7}"/>
+              </a:ext>
+            </a:extLst>
+          </p:cNvPr>
+          <p:cNvPicPr>
+            <a:picLocks noChangeAspect="1"/>
+          </p:cNvPicPr>
+          <p:nvPr/>
+        </p:nvPicPr>
+        <p:blipFill rotWithShape="1">
+          <a:blip r:embed="rId4"/>
+          <a:srcRect t="6088" b="299"/>
+          <a:stretch/>
+        </p:blipFill>
+        <p:spPr>
+          <a:xfrm>
+            <a:off x="3781836" y="1598216"/>
+            <a:ext cx="3105583" cy="4797852"/>
           </a:xfrm>
           <a:prstGeom prst="rect">
             <a:avLst/>
@@ -4426,7 +6004,7 @@
 </p:sld>
 </file>
 
-<file path=ppt/slides/slide12.xml><?xml version="1.0" encoding="utf-8"?>
+<file path=ppt/slides/slide17.xml><?xml version="1.0" encoding="utf-8"?>
 <p:sld xmlns:a="http://schemas.openxmlformats.org/drawingml/2006/main" xmlns:r="http://schemas.openxmlformats.org/officeDocument/2006/relationships" xmlns:p="http://schemas.openxmlformats.org/presentationml/2006/main">
   <p:cSld>
     <p:spTree>
@@ -4482,7 +6060,7 @@
 </p:sld>
 </file>
 
-<file path=ppt/slides/slide13.xml><?xml version="1.0" encoding="utf-8"?>
+<file path=ppt/slides/slide18.xml><?xml version="1.0" encoding="utf-8"?>
 <p:sld xmlns:a="http://schemas.openxmlformats.org/drawingml/2006/main" xmlns:r="http://schemas.openxmlformats.org/officeDocument/2006/relationships" xmlns:p="http://schemas.openxmlformats.org/presentationml/2006/main">
   <p:cSld>
     <p:spTree>
@@ -4501,6 +6079,448 @@
       </p:grpSpPr>
       <p:sp>
         <p:nvSpPr>
+          <p:cNvPr id="2" name="標題 1">
+            <a:extLst>
+              <a:ext uri="{FF2B5EF4-FFF2-40B4-BE49-F238E27FC236}">
+                <a16:creationId xmlns:a16="http://schemas.microsoft.com/office/drawing/2014/main" id="{C573F5B7-1AFA-4D6D-B7ED-5611BBD88314}"/>
+              </a:ext>
+            </a:extLst>
+          </p:cNvPr>
+          <p:cNvSpPr>
+            <a:spLocks noGrp="1"/>
+          </p:cNvSpPr>
+          <p:nvPr>
+            <p:ph type="title"/>
+          </p:nvPr>
+        </p:nvSpPr>
+        <p:spPr/>
+        <p:txBody>
+          <a:bodyPr/>
+          <a:lstStyle/>
+          <a:p>
+            <a:r>
+              <a:rPr lang="en-US" altLang="zh-TW" dirty="0"/>
+              <a:t>Discuss</a:t>
+            </a:r>
+            <a:endParaRPr lang="zh-TW" altLang="en-US" dirty="0"/>
+          </a:p>
+        </p:txBody>
+      </p:sp>
+      <p:sp>
+        <p:nvSpPr>
+          <p:cNvPr id="3" name="內容版面配置區 2">
+            <a:extLst>
+              <a:ext uri="{FF2B5EF4-FFF2-40B4-BE49-F238E27FC236}">
+                <a16:creationId xmlns:a16="http://schemas.microsoft.com/office/drawing/2014/main" id="{061D1158-ABC1-4D29-8164-3E476F3C7898}"/>
+              </a:ext>
+            </a:extLst>
+          </p:cNvPr>
+          <p:cNvSpPr>
+            <a:spLocks noGrp="1"/>
+          </p:cNvSpPr>
+          <p:nvPr>
+            <p:ph idx="1"/>
+          </p:nvPr>
+        </p:nvSpPr>
+        <p:spPr/>
+        <p:txBody>
+          <a:bodyPr/>
+          <a:lstStyle/>
+          <a:p>
+            <a:r>
+              <a:rPr lang="en-US" altLang="zh-TW" dirty="0"/>
+              <a:t>We only have </a:t>
+            </a:r>
+            <a:r>
+              <a:rPr lang="en-US" altLang="zh-TW" dirty="0" err="1"/>
+              <a:t>ap_ack</a:t>
+            </a:r>
+            <a:r>
+              <a:rPr lang="en-US" altLang="zh-TW" dirty="0"/>
+              <a:t> without </a:t>
+            </a:r>
+            <a:r>
+              <a:rPr lang="en-US" altLang="zh-TW" dirty="0" err="1"/>
+              <a:t>ap_vld</a:t>
+            </a:r>
+            <a:r>
+              <a:rPr lang="en-US" altLang="zh-TW" dirty="0"/>
+              <a:t>. How do the kernel knows it can read the data of In2 (Input)</a:t>
+            </a:r>
+          </a:p>
+          <a:p>
+            <a:endParaRPr lang="en-US" altLang="zh-TW" dirty="0"/>
+          </a:p>
+          <a:p>
+            <a:r>
+              <a:rPr lang="en-US" altLang="zh-TW" dirty="0"/>
+              <a:t>We can observe the waveform of </a:t>
+            </a:r>
+          </a:p>
+          <a:p>
+            <a:pPr lvl="1"/>
+            <a:r>
+              <a:rPr lang="en-US" altLang="zh-TW" dirty="0"/>
+              <a:t>1. The In1 I/O protocol remains </a:t>
+            </a:r>
+            <a:r>
+              <a:rPr lang="en-US" altLang="zh-TW" dirty="0" err="1"/>
+              <a:t>ap_vld</a:t>
+            </a:r>
+            <a:r>
+              <a:rPr lang="en-US" altLang="zh-TW" dirty="0"/>
+              <a:t>. The In2 I/O protocol assign as </a:t>
+            </a:r>
+            <a:r>
+              <a:rPr lang="en-US" altLang="zh-TW" dirty="0" err="1"/>
+              <a:t>ap_hs</a:t>
+            </a:r>
+            <a:r>
+              <a:rPr lang="en-US" altLang="zh-TW" dirty="0"/>
+              <a:t>.</a:t>
+            </a:r>
+          </a:p>
+          <a:p>
+            <a:pPr lvl="1"/>
+            <a:r>
+              <a:rPr lang="en-US" altLang="zh-TW" dirty="0"/>
+              <a:t>2. The In1 I/O protocol remains </a:t>
+            </a:r>
+            <a:r>
+              <a:rPr lang="en-US" altLang="zh-TW" dirty="0" err="1"/>
+              <a:t>ap_hs</a:t>
+            </a:r>
+            <a:r>
+              <a:rPr lang="en-US" altLang="zh-TW" dirty="0"/>
+              <a:t>. The In2 I/O protocol assign as </a:t>
+            </a:r>
+            <a:r>
+              <a:rPr lang="en-US" altLang="zh-TW" dirty="0" err="1"/>
+              <a:t>ap_ack</a:t>
+            </a:r>
+            <a:r>
+              <a:rPr lang="en-US" altLang="zh-TW" dirty="0"/>
+              <a:t>. </a:t>
+            </a:r>
+            <a:endParaRPr lang="zh-TW" altLang="en-US" dirty="0"/>
+          </a:p>
+        </p:txBody>
+      </p:sp>
+    </p:spTree>
+    <p:extLst>
+      <p:ext uri="{BB962C8B-B14F-4D97-AF65-F5344CB8AC3E}">
+        <p14:creationId xmlns:p14="http://schemas.microsoft.com/office/powerpoint/2010/main" val="1921149702"/>
+      </p:ext>
+    </p:extLst>
+  </p:cSld>
+  <p:clrMapOvr>
+    <a:masterClrMapping/>
+  </p:clrMapOvr>
+</p:sld>
+</file>
+
+<file path=ppt/slides/slide19.xml><?xml version="1.0" encoding="utf-8"?>
+<p:sld xmlns:a="http://schemas.openxmlformats.org/drawingml/2006/main" xmlns:r="http://schemas.openxmlformats.org/officeDocument/2006/relationships" xmlns:p="http://schemas.openxmlformats.org/presentationml/2006/main">
+  <p:cSld>
+    <p:spTree>
+      <p:nvGrpSpPr>
+        <p:cNvPr id="1" name=""/>
+        <p:cNvGrpSpPr/>
+        <p:nvPr/>
+      </p:nvGrpSpPr>
+      <p:grpSpPr>
+        <a:xfrm>
+          <a:off x="0" y="0"/>
+          <a:ext cx="0" cy="0"/>
+          <a:chOff x="0" y="0"/>
+          <a:chExt cx="0" cy="0"/>
+        </a:xfrm>
+      </p:grpSpPr>
+      <p:pic>
+        <p:nvPicPr>
+          <p:cNvPr id="5" name="圖片 4">
+            <a:extLst>
+              <a:ext uri="{FF2B5EF4-FFF2-40B4-BE49-F238E27FC236}">
+                <a16:creationId xmlns:a16="http://schemas.microsoft.com/office/drawing/2014/main" id="{858A096E-6FA6-4325-A756-7C197AE061F7}"/>
+              </a:ext>
+            </a:extLst>
+          </p:cNvPr>
+          <p:cNvPicPr>
+            <a:picLocks noChangeAspect="1"/>
+          </p:cNvPicPr>
+          <p:nvPr/>
+        </p:nvPicPr>
+        <p:blipFill rotWithShape="1">
+          <a:blip r:embed="rId3"/>
+          <a:srcRect r="12018" b="8945"/>
+          <a:stretch/>
+        </p:blipFill>
+        <p:spPr>
+          <a:xfrm>
+            <a:off x="298736" y="250372"/>
+            <a:ext cx="9324235" cy="5040085"/>
+          </a:xfrm>
+          <a:prstGeom prst="rect">
+            <a:avLst/>
+          </a:prstGeom>
+        </p:spPr>
+      </p:pic>
+      <p:pic>
+        <p:nvPicPr>
+          <p:cNvPr id="4" name="內容版面配置區 3">
+            <a:extLst>
+              <a:ext uri="{FF2B5EF4-FFF2-40B4-BE49-F238E27FC236}">
+                <a16:creationId xmlns:a16="http://schemas.microsoft.com/office/drawing/2014/main" id="{273281F0-9E97-475C-82B7-FA19591AA03D}"/>
+              </a:ext>
+            </a:extLst>
+          </p:cNvPr>
+          <p:cNvPicPr>
+            <a:picLocks noGrp="1" noChangeAspect="1"/>
+          </p:cNvPicPr>
+          <p:nvPr>
+            <p:ph idx="1"/>
+          </p:nvPr>
+        </p:nvPicPr>
+        <p:blipFill>
+          <a:blip r:embed="rId4"/>
+          <a:stretch>
+            <a:fillRect/>
+          </a:stretch>
+        </p:blipFill>
+        <p:spPr>
+          <a:xfrm>
+            <a:off x="3490435" y="2256290"/>
+            <a:ext cx="8237359" cy="4351338"/>
+          </a:xfrm>
+          <a:prstGeom prst="rect">
+            <a:avLst/>
+          </a:prstGeom>
+        </p:spPr>
+      </p:pic>
+    </p:spTree>
+    <p:extLst>
+      <p:ext uri="{BB962C8B-B14F-4D97-AF65-F5344CB8AC3E}">
+        <p14:creationId xmlns:p14="http://schemas.microsoft.com/office/powerpoint/2010/main" val="201935224"/>
+      </p:ext>
+    </p:extLst>
+  </p:cSld>
+  <p:clrMapOvr>
+    <a:masterClrMapping/>
+  </p:clrMapOvr>
+  <p:timing>
+    <p:tnLst>
+      <p:par>
+        <p:cTn id="1" dur="indefinite" restart="never" nodeType="tmRoot">
+          <p:childTnLst>
+            <p:seq concurrent="1" nextAc="seek">
+              <p:cTn id="2" dur="indefinite" nodeType="mainSeq">
+                <p:childTnLst>
+                  <p:par>
+                    <p:cTn id="3" fill="hold">
+                      <p:stCondLst>
+                        <p:cond delay="indefinite"/>
+                      </p:stCondLst>
+                      <p:childTnLst>
+                        <p:par>
+                          <p:cTn id="4" fill="hold">
+                            <p:stCondLst>
+                              <p:cond delay="0"/>
+                            </p:stCondLst>
+                            <p:childTnLst>
+                              <p:par>
+                                <p:cTn id="5" presetID="10" presetClass="entr" presetSubtype="0" fill="hold" nodeType="clickEffect">
+                                  <p:stCondLst>
+                                    <p:cond delay="0"/>
+                                  </p:stCondLst>
+                                  <p:childTnLst>
+                                    <p:set>
+                                      <p:cBhvr>
+                                        <p:cTn id="6" dur="1" fill="hold">
+                                          <p:stCondLst>
+                                            <p:cond delay="0"/>
+                                          </p:stCondLst>
+                                        </p:cTn>
+                                        <p:tgtEl>
+                                          <p:spTgt spid="4"/>
+                                        </p:tgtEl>
+                                        <p:attrNameLst>
+                                          <p:attrName>style.visibility</p:attrName>
+                                        </p:attrNameLst>
+                                      </p:cBhvr>
+                                      <p:to>
+                                        <p:strVal val="visible"/>
+                                      </p:to>
+                                    </p:set>
+                                    <p:animEffect transition="in" filter="fade">
+                                      <p:cBhvr>
+                                        <p:cTn id="7" dur="500"/>
+                                        <p:tgtEl>
+                                          <p:spTgt spid="4"/>
+                                        </p:tgtEl>
+                                      </p:cBhvr>
+                                    </p:animEffect>
+                                  </p:childTnLst>
+                                </p:cTn>
+                              </p:par>
+                            </p:childTnLst>
+                          </p:cTn>
+                        </p:par>
+                      </p:childTnLst>
+                    </p:cTn>
+                  </p:par>
+                </p:childTnLst>
+              </p:cTn>
+              <p:prevCondLst>
+                <p:cond evt="onPrev" delay="0">
+                  <p:tgtEl>
+                    <p:sldTgt/>
+                  </p:tgtEl>
+                </p:cond>
+              </p:prevCondLst>
+              <p:nextCondLst>
+                <p:cond evt="onNext" delay="0">
+                  <p:tgtEl>
+                    <p:sldTgt/>
+                  </p:tgtEl>
+                </p:cond>
+              </p:nextCondLst>
+            </p:seq>
+          </p:childTnLst>
+        </p:cTn>
+      </p:par>
+    </p:tnLst>
+  </p:timing>
+</p:sld>
+</file>
+
+<file path=ppt/slides/slide2.xml><?xml version="1.0" encoding="utf-8"?>
+<p:sld xmlns:a="http://schemas.openxmlformats.org/drawingml/2006/main" xmlns:r="http://schemas.openxmlformats.org/officeDocument/2006/relationships" xmlns:p="http://schemas.openxmlformats.org/presentationml/2006/main">
+  <p:cSld>
+    <p:spTree>
+      <p:nvGrpSpPr>
+        <p:cNvPr id="1" name=""/>
+        <p:cNvGrpSpPr/>
+        <p:nvPr/>
+      </p:nvGrpSpPr>
+      <p:grpSpPr>
+        <a:xfrm>
+          <a:off x="0" y="0"/>
+          <a:ext cx="0" cy="0"/>
+          <a:chOff x="0" y="0"/>
+          <a:chExt cx="0" cy="0"/>
+        </a:xfrm>
+      </p:grpSpPr>
+      <p:sp>
+        <p:nvSpPr>
+          <p:cNvPr id="2" name="標題 1"/>
+          <p:cNvSpPr>
+            <a:spLocks noGrp="1"/>
+          </p:cNvSpPr>
+          <p:nvPr>
+            <p:ph type="title"/>
+          </p:nvPr>
+        </p:nvSpPr>
+        <p:spPr/>
+        <p:txBody>
+          <a:bodyPr/>
+          <a:lstStyle/>
+          <a:p>
+            <a:r>
+              <a:rPr lang="en-US" altLang="zh-TW" b="1" dirty="0"/>
+              <a:t>Lab A (Interface synthesis)</a:t>
+            </a:r>
+            <a:endParaRPr lang="zh-TW" altLang="en-US" b="1" dirty="0"/>
+          </a:p>
+        </p:txBody>
+      </p:sp>
+      <p:sp>
+        <p:nvSpPr>
+          <p:cNvPr id="3" name="內容版面配置區 2"/>
+          <p:cNvSpPr>
+            <a:spLocks noGrp="1"/>
+          </p:cNvSpPr>
+          <p:nvPr>
+            <p:ph idx="1"/>
+          </p:nvPr>
+        </p:nvSpPr>
+        <p:spPr/>
+        <p:txBody>
+          <a:bodyPr/>
+          <a:lstStyle/>
+          <a:p>
+            <a:r>
+              <a:rPr lang="en-US" altLang="zh-TW" dirty="0"/>
+              <a:t>Lab 1 Block-Level Protocol</a:t>
+            </a:r>
+          </a:p>
+          <a:p>
+            <a:pPr lvl="1"/>
+            <a:endParaRPr lang="en-US" altLang="zh-TW" dirty="0"/>
+          </a:p>
+          <a:p>
+            <a:r>
+              <a:rPr lang="en-US" altLang="zh-TW" dirty="0"/>
+              <a:t>Lab 2 Port-Level Protocol</a:t>
+            </a:r>
+          </a:p>
+          <a:p>
+            <a:pPr lvl="1"/>
+            <a:endParaRPr lang="en-US" altLang="zh-TW" dirty="0"/>
+          </a:p>
+          <a:p>
+            <a:r>
+              <a:rPr lang="en-US" altLang="zh-TW" dirty="0"/>
+              <a:t>Lab 3 Array Interface </a:t>
+            </a:r>
+          </a:p>
+          <a:p>
+            <a:pPr lvl="1"/>
+            <a:endParaRPr lang="en-US" altLang="zh-TW" dirty="0"/>
+          </a:p>
+          <a:p>
+            <a:r>
+              <a:rPr lang="en-US" altLang="zh-TW" dirty="0"/>
+              <a:t>Lab 4 AXI Interface</a:t>
+            </a:r>
+          </a:p>
+          <a:p>
+            <a:pPr lvl="1"/>
+            <a:endParaRPr lang="zh-TW" altLang="en-US" dirty="0"/>
+          </a:p>
+        </p:txBody>
+      </p:sp>
+    </p:spTree>
+    <p:extLst>
+      <p:ext uri="{BB962C8B-B14F-4D97-AF65-F5344CB8AC3E}">
+        <p14:creationId xmlns:p14="http://schemas.microsoft.com/office/powerpoint/2010/main" val="1039410703"/>
+      </p:ext>
+    </p:extLst>
+  </p:cSld>
+  <p:clrMapOvr>
+    <a:masterClrMapping/>
+  </p:clrMapOvr>
+</p:sld>
+</file>
+
+<file path=ppt/slides/slide20.xml><?xml version="1.0" encoding="utf-8"?>
+<p:sld xmlns:a="http://schemas.openxmlformats.org/drawingml/2006/main" xmlns:r="http://schemas.openxmlformats.org/officeDocument/2006/relationships" xmlns:p="http://schemas.openxmlformats.org/presentationml/2006/main">
+  <p:cSld>
+    <p:spTree>
+      <p:nvGrpSpPr>
+        <p:cNvPr id="1" name=""/>
+        <p:cNvGrpSpPr/>
+        <p:nvPr/>
+      </p:nvGrpSpPr>
+      <p:grpSpPr>
+        <a:xfrm>
+          <a:off x="0" y="0"/>
+          <a:ext cx="0" cy="0"/>
+          <a:chOff x="0" y="0"/>
+          <a:chExt cx="0" cy="0"/>
+        </a:xfrm>
+      </p:grpSpPr>
+      <p:sp>
+        <p:nvSpPr>
           <p:cNvPr id="2" name="標題 1"/>
           <p:cNvSpPr>
             <a:spLocks noGrp="1"/>
@@ -4567,7 +6587,787 @@
 </p:sld>
 </file>
 
-<file path=ppt/slides/slide14.xml><?xml version="1.0" encoding="utf-8"?>
+<file path=ppt/slides/slide21.xml><?xml version="1.0" encoding="utf-8"?>
+<p:sld xmlns:a="http://schemas.openxmlformats.org/drawingml/2006/main" xmlns:r="http://schemas.openxmlformats.org/officeDocument/2006/relationships" xmlns:p="http://schemas.openxmlformats.org/presentationml/2006/main">
+  <p:cSld>
+    <p:spTree>
+      <p:nvGrpSpPr>
+        <p:cNvPr id="1" name=""/>
+        <p:cNvGrpSpPr/>
+        <p:nvPr/>
+      </p:nvGrpSpPr>
+      <p:grpSpPr>
+        <a:xfrm>
+          <a:off x="0" y="0"/>
+          <a:ext cx="0" cy="0"/>
+          <a:chOff x="0" y="0"/>
+          <a:chExt cx="0" cy="0"/>
+        </a:xfrm>
+      </p:grpSpPr>
+      <p:sp>
+        <p:nvSpPr>
+          <p:cNvPr id="2" name="標題 1">
+            <a:extLst>
+              <a:ext uri="{FF2B5EF4-FFF2-40B4-BE49-F238E27FC236}">
+                <a16:creationId xmlns:a16="http://schemas.microsoft.com/office/drawing/2014/main" id="{61304F32-64CB-4F7D-B673-BF8CD98B33E2}"/>
+              </a:ext>
+            </a:extLst>
+          </p:cNvPr>
+          <p:cNvSpPr>
+            <a:spLocks noGrp="1"/>
+          </p:cNvSpPr>
+          <p:nvPr>
+            <p:ph type="title"/>
+          </p:nvPr>
+        </p:nvSpPr>
+        <p:spPr/>
+        <p:txBody>
+          <a:bodyPr/>
+          <a:lstStyle/>
+          <a:p>
+            <a:r>
+              <a:rPr lang="en-US" altLang="zh-TW" dirty="0"/>
+              <a:t>Lab3 procedure</a:t>
+            </a:r>
+            <a:endParaRPr lang="zh-TW" altLang="en-US" dirty="0"/>
+          </a:p>
+        </p:txBody>
+      </p:sp>
+      <p:sp>
+        <p:nvSpPr>
+          <p:cNvPr id="3" name="內容版面配置區 2">
+            <a:extLst>
+              <a:ext uri="{FF2B5EF4-FFF2-40B4-BE49-F238E27FC236}">
+                <a16:creationId xmlns:a16="http://schemas.microsoft.com/office/drawing/2014/main" id="{2B3286A2-B64A-4C54-902F-197C86593B71}"/>
+              </a:ext>
+            </a:extLst>
+          </p:cNvPr>
+          <p:cNvSpPr>
+            <a:spLocks noGrp="1"/>
+          </p:cNvSpPr>
+          <p:nvPr>
+            <p:ph idx="1"/>
+          </p:nvPr>
+        </p:nvSpPr>
+        <p:spPr>
+          <a:xfrm>
+            <a:off x="838200" y="1781968"/>
+            <a:ext cx="10515600" cy="4667251"/>
+          </a:xfrm>
+        </p:spPr>
+        <p:txBody>
+          <a:bodyPr>
+            <a:normAutofit/>
+          </a:bodyPr>
+          <a:lstStyle/>
+          <a:p>
+            <a:pPr marL="514350" indent="-514350">
+              <a:buAutoNum type="arabicPeriod"/>
+            </a:pPr>
+            <a:r>
+              <a:rPr lang="en-US" altLang="zh-TW" dirty="0"/>
+              <a:t>Use same steps from 1 to 4 as lab1. </a:t>
+            </a:r>
+          </a:p>
+          <a:p>
+            <a:pPr marL="514350" indent="-514350">
+              <a:buAutoNum type="arabicPeriod"/>
+            </a:pPr>
+            <a:r>
+              <a:rPr lang="en-US" altLang="zh-TW" dirty="0"/>
+              <a:t>Set interface of </a:t>
+            </a:r>
+            <a:r>
+              <a:rPr lang="en-US" altLang="zh-TW" dirty="0" err="1"/>
+              <a:t>d_o</a:t>
+            </a:r>
+            <a:r>
+              <a:rPr lang="en-US" altLang="zh-TW" dirty="0"/>
+              <a:t> as </a:t>
+            </a:r>
+            <a:r>
+              <a:rPr lang="en-US" altLang="zh-TW" dirty="0" err="1"/>
+              <a:t>ap_fifo</a:t>
+            </a:r>
+            <a:r>
+              <a:rPr lang="en-US" altLang="zh-TW" dirty="0"/>
+              <a:t>.</a:t>
+            </a:r>
+          </a:p>
+          <a:p>
+            <a:pPr marL="514350" indent="-514350">
+              <a:buAutoNum type="arabicPeriod"/>
+            </a:pPr>
+            <a:r>
+              <a:rPr lang="en-US" altLang="zh-TW" dirty="0"/>
+              <a:t>Set bind storage of </a:t>
+            </a:r>
+            <a:r>
+              <a:rPr lang="en-US" altLang="zh-TW" dirty="0" err="1"/>
+              <a:t>d_i</a:t>
+            </a:r>
+            <a:r>
+              <a:rPr lang="en-US" altLang="zh-TW" dirty="0"/>
+              <a:t> type as ram_2p and </a:t>
+            </a:r>
+            <a:r>
+              <a:rPr lang="en-US" altLang="zh-TW" dirty="0" err="1"/>
+              <a:t>impl</a:t>
+            </a:r>
+            <a:r>
+              <a:rPr lang="en-US" altLang="zh-TW" dirty="0"/>
+              <a:t> as </a:t>
+            </a:r>
+            <a:r>
+              <a:rPr lang="en-US" altLang="zh-TW" dirty="0" err="1"/>
+              <a:t>bram</a:t>
+            </a:r>
+            <a:r>
+              <a:rPr lang="en-US" altLang="zh-TW" dirty="0"/>
+              <a:t>.  </a:t>
+            </a:r>
+          </a:p>
+          <a:p>
+            <a:pPr marL="514350" indent="-514350">
+              <a:buAutoNum type="arabicPeriod"/>
+            </a:pPr>
+            <a:r>
+              <a:rPr lang="en-US" altLang="zh-TW" dirty="0"/>
+              <a:t>Insert directive of for loop as unroll .</a:t>
+            </a:r>
+          </a:p>
+          <a:p>
+            <a:pPr marL="514350" indent="-514350">
+              <a:buAutoNum type="arabicPeriod"/>
+            </a:pPr>
+            <a:r>
+              <a:rPr lang="en-US" altLang="zh-TW" dirty="0"/>
+              <a:t>C simulation      C Synthesis     </a:t>
+            </a:r>
+            <a:r>
+              <a:rPr lang="en-US" altLang="zh-TW" dirty="0" err="1"/>
+              <a:t>Cosimulation</a:t>
+            </a:r>
+            <a:r>
+              <a:rPr lang="en-US" altLang="zh-TW" dirty="0"/>
+              <a:t> </a:t>
+            </a:r>
+          </a:p>
+          <a:p>
+            <a:pPr marL="514350" indent="-514350">
+              <a:buFont typeface="Arial" panose="020B0604020202020204" pitchFamily="34" charset="0"/>
+              <a:buAutoNum type="arabicPeriod"/>
+            </a:pPr>
+            <a:endParaRPr lang="en-US" altLang="zh-TW" dirty="0"/>
+          </a:p>
+          <a:p>
+            <a:pPr marL="514350" indent="-514350">
+              <a:buFont typeface="Arial" panose="020B0604020202020204" pitchFamily="34" charset="0"/>
+              <a:buAutoNum type="arabicPeriod"/>
+            </a:pPr>
+            <a:endParaRPr lang="en-US" altLang="zh-TW" dirty="0"/>
+          </a:p>
+          <a:p>
+            <a:pPr marL="514350" indent="-514350">
+              <a:buAutoNum type="arabicPeriod"/>
+            </a:pPr>
+            <a:endParaRPr lang="en-US" altLang="zh-TW" dirty="0"/>
+          </a:p>
+          <a:p>
+            <a:pPr marL="0" indent="0">
+              <a:buNone/>
+            </a:pPr>
+            <a:r>
+              <a:rPr lang="en-US" altLang="zh-TW" dirty="0"/>
+              <a:t> </a:t>
+            </a:r>
+          </a:p>
+          <a:p>
+            <a:endParaRPr lang="zh-TW" altLang="en-US" dirty="0"/>
+          </a:p>
+        </p:txBody>
+      </p:sp>
+      <p:sp>
+        <p:nvSpPr>
+          <p:cNvPr id="4" name="箭號: 向右 3">
+            <a:extLst>
+              <a:ext uri="{FF2B5EF4-FFF2-40B4-BE49-F238E27FC236}">
+                <a16:creationId xmlns:a16="http://schemas.microsoft.com/office/drawing/2014/main" id="{76E86200-6B49-41F8-BFDC-CB3C502F92B8}"/>
+              </a:ext>
+            </a:extLst>
+          </p:cNvPr>
+          <p:cNvSpPr/>
+          <p:nvPr/>
+        </p:nvSpPr>
+        <p:spPr>
+          <a:xfrm>
+            <a:off x="3331472" y="3886993"/>
+            <a:ext cx="283028" cy="228600"/>
+          </a:xfrm>
+          <a:prstGeom prst="rightArrow">
+            <a:avLst/>
+          </a:prstGeom>
+          <a:solidFill>
+            <a:schemeClr val="tx1"/>
+          </a:solidFill>
+          <a:ln>
+            <a:solidFill>
+              <a:schemeClr val="tx1"/>
+            </a:solidFill>
+          </a:ln>
+        </p:spPr>
+        <p:style>
+          <a:lnRef idx="2">
+            <a:schemeClr val="accent1">
+              <a:shade val="50000"/>
+            </a:schemeClr>
+          </a:lnRef>
+          <a:fillRef idx="1">
+            <a:schemeClr val="accent1"/>
+          </a:fillRef>
+          <a:effectRef idx="0">
+            <a:schemeClr val="accent1"/>
+          </a:effectRef>
+          <a:fontRef idx="minor">
+            <a:schemeClr val="lt1"/>
+          </a:fontRef>
+        </p:style>
+        <p:txBody>
+          <a:bodyPr rtlCol="0" anchor="ctr"/>
+          <a:lstStyle/>
+          <a:p>
+            <a:pPr algn="ctr"/>
+            <a:endParaRPr lang="zh-TW" altLang="en-US"/>
+          </a:p>
+        </p:txBody>
+      </p:sp>
+      <p:sp>
+        <p:nvSpPr>
+          <p:cNvPr id="7" name="箭號: 向右 6">
+            <a:extLst>
+              <a:ext uri="{FF2B5EF4-FFF2-40B4-BE49-F238E27FC236}">
+                <a16:creationId xmlns:a16="http://schemas.microsoft.com/office/drawing/2014/main" id="{6A2A2EC0-84CC-4605-AED3-DBC73029AFAA}"/>
+              </a:ext>
+            </a:extLst>
+          </p:cNvPr>
+          <p:cNvSpPr/>
+          <p:nvPr/>
+        </p:nvSpPr>
+        <p:spPr>
+          <a:xfrm>
+            <a:off x="5378430" y="3886993"/>
+            <a:ext cx="283028" cy="228600"/>
+          </a:xfrm>
+          <a:prstGeom prst="rightArrow">
+            <a:avLst/>
+          </a:prstGeom>
+          <a:solidFill>
+            <a:schemeClr val="tx1"/>
+          </a:solidFill>
+          <a:ln>
+            <a:solidFill>
+              <a:schemeClr val="tx1"/>
+            </a:solidFill>
+          </a:ln>
+        </p:spPr>
+        <p:style>
+          <a:lnRef idx="2">
+            <a:schemeClr val="accent1">
+              <a:shade val="50000"/>
+            </a:schemeClr>
+          </a:lnRef>
+          <a:fillRef idx="1">
+            <a:schemeClr val="accent1"/>
+          </a:fillRef>
+          <a:effectRef idx="0">
+            <a:schemeClr val="accent1"/>
+          </a:effectRef>
+          <a:fontRef idx="minor">
+            <a:schemeClr val="lt1"/>
+          </a:fontRef>
+        </p:style>
+        <p:txBody>
+          <a:bodyPr rtlCol="0" anchor="ctr"/>
+          <a:lstStyle/>
+          <a:p>
+            <a:pPr algn="ctr"/>
+            <a:endParaRPr lang="zh-TW" altLang="en-US"/>
+          </a:p>
+        </p:txBody>
+      </p:sp>
+    </p:spTree>
+    <p:extLst>
+      <p:ext uri="{BB962C8B-B14F-4D97-AF65-F5344CB8AC3E}">
+        <p14:creationId xmlns:p14="http://schemas.microsoft.com/office/powerpoint/2010/main" val="3466683651"/>
+      </p:ext>
+    </p:extLst>
+  </p:cSld>
+  <p:clrMapOvr>
+    <a:masterClrMapping/>
+  </p:clrMapOvr>
+</p:sld>
+</file>
+
+<file path=ppt/slides/slide22.xml><?xml version="1.0" encoding="utf-8"?>
+<p:sld xmlns:a="http://schemas.openxmlformats.org/drawingml/2006/main" xmlns:r="http://schemas.openxmlformats.org/officeDocument/2006/relationships" xmlns:p="http://schemas.openxmlformats.org/presentationml/2006/main">
+  <p:cSld>
+    <p:spTree>
+      <p:nvGrpSpPr>
+        <p:cNvPr id="1" name=""/>
+        <p:cNvGrpSpPr/>
+        <p:nvPr/>
+      </p:nvGrpSpPr>
+      <p:grpSpPr>
+        <a:xfrm>
+          <a:off x="0" y="0"/>
+          <a:ext cx="0" cy="0"/>
+          <a:chOff x="0" y="0"/>
+          <a:chExt cx="0" cy="0"/>
+        </a:xfrm>
+      </p:grpSpPr>
+      <p:sp>
+        <p:nvSpPr>
+          <p:cNvPr id="3" name="內容版面配置區 2">
+            <a:extLst>
+              <a:ext uri="{FF2B5EF4-FFF2-40B4-BE49-F238E27FC236}">
+                <a16:creationId xmlns:a16="http://schemas.microsoft.com/office/drawing/2014/main" id="{3A8EAB36-BF75-4BCC-98E9-02428D3DEFE8}"/>
+              </a:ext>
+            </a:extLst>
+          </p:cNvPr>
+          <p:cNvSpPr>
+            <a:spLocks noGrp="1"/>
+          </p:cNvSpPr>
+          <p:nvPr>
+            <p:ph idx="1"/>
+          </p:nvPr>
+        </p:nvSpPr>
+        <p:spPr>
+          <a:xfrm>
+            <a:off x="838200" y="1253331"/>
+            <a:ext cx="10515600" cy="4351338"/>
+          </a:xfrm>
+        </p:spPr>
+        <p:txBody>
+          <a:bodyPr/>
+          <a:lstStyle/>
+          <a:p>
+            <a:pPr marL="514350" indent="-514350">
+              <a:buAutoNum type="arabicPeriod" startAt="6"/>
+            </a:pPr>
+            <a:r>
+              <a:rPr lang="en-US" altLang="zh-TW" dirty="0"/>
+              <a:t>Set array partition of </a:t>
+            </a:r>
+            <a:r>
+              <a:rPr lang="en-US" altLang="zh-TW" dirty="0" err="1"/>
+              <a:t>d_o</a:t>
+            </a:r>
+            <a:r>
+              <a:rPr lang="en-US" altLang="zh-TW" dirty="0"/>
+              <a:t> as factor = 4 and </a:t>
+            </a:r>
+            <a:r>
+              <a:rPr lang="en-US" altLang="zh-TW" dirty="0" err="1"/>
+              <a:t>d_i</a:t>
+            </a:r>
+            <a:r>
+              <a:rPr lang="en-US" altLang="zh-TW" dirty="0"/>
+              <a:t> as factor = 2 (type = block).</a:t>
+            </a:r>
+          </a:p>
+          <a:p>
+            <a:pPr marL="514350" indent="-514350">
+              <a:buAutoNum type="arabicPeriod" startAt="6"/>
+            </a:pPr>
+            <a:r>
+              <a:rPr lang="en-US" altLang="zh-TW" dirty="0"/>
+              <a:t>C simulation      C Synthesis     </a:t>
+            </a:r>
+            <a:r>
+              <a:rPr lang="en-US" altLang="zh-TW" dirty="0" err="1"/>
+              <a:t>Cosimulation</a:t>
+            </a:r>
+            <a:r>
+              <a:rPr lang="en-US" altLang="zh-TW" dirty="0"/>
+              <a:t> </a:t>
+            </a:r>
+          </a:p>
+          <a:p>
+            <a:pPr marL="514350" indent="-514350">
+              <a:buAutoNum type="arabicPeriod" startAt="6"/>
+            </a:pPr>
+            <a:r>
+              <a:rPr lang="en-US" altLang="zh-TW" dirty="0"/>
+              <a:t>Set array partition of </a:t>
+            </a:r>
+            <a:r>
+              <a:rPr lang="en-US" altLang="zh-TW" dirty="0" err="1"/>
+              <a:t>d_o</a:t>
+            </a:r>
+            <a:r>
+              <a:rPr lang="en-US" altLang="zh-TW" dirty="0"/>
+              <a:t> and </a:t>
+            </a:r>
+            <a:r>
+              <a:rPr lang="en-US" altLang="zh-TW" dirty="0" err="1"/>
+              <a:t>d_i</a:t>
+            </a:r>
+            <a:r>
+              <a:rPr lang="en-US" altLang="zh-TW" dirty="0"/>
+              <a:t> as type = Complete.</a:t>
+            </a:r>
+          </a:p>
+          <a:p>
+            <a:pPr marL="514350" indent="-514350">
+              <a:buFont typeface="Arial" panose="020B0604020202020204" pitchFamily="34" charset="0"/>
+              <a:buAutoNum type="arabicPeriod" startAt="6"/>
+            </a:pPr>
+            <a:r>
+              <a:rPr lang="en-US" altLang="zh-TW" dirty="0"/>
+              <a:t>C simulation      C Synthesis     </a:t>
+            </a:r>
+            <a:r>
+              <a:rPr lang="en-US" altLang="zh-TW" dirty="0" err="1"/>
+              <a:t>Cosimulation</a:t>
+            </a:r>
+            <a:r>
+              <a:rPr lang="en-US" altLang="zh-TW" dirty="0"/>
+              <a:t> </a:t>
+            </a:r>
+          </a:p>
+          <a:p>
+            <a:pPr marL="514350" indent="-514350">
+              <a:buAutoNum type="arabicPeriod" startAt="6"/>
+            </a:pPr>
+            <a:endParaRPr lang="en-US" altLang="zh-TW" dirty="0"/>
+          </a:p>
+          <a:p>
+            <a:endParaRPr lang="zh-TW" altLang="en-US" dirty="0"/>
+          </a:p>
+        </p:txBody>
+      </p:sp>
+      <p:sp>
+        <p:nvSpPr>
+          <p:cNvPr id="4" name="箭號: 向右 3">
+            <a:extLst>
+              <a:ext uri="{FF2B5EF4-FFF2-40B4-BE49-F238E27FC236}">
+                <a16:creationId xmlns:a16="http://schemas.microsoft.com/office/drawing/2014/main" id="{C863C989-0A82-4865-808F-265C46920BFF}"/>
+              </a:ext>
+            </a:extLst>
+          </p:cNvPr>
+          <p:cNvSpPr/>
+          <p:nvPr/>
+        </p:nvSpPr>
+        <p:spPr>
+          <a:xfrm>
+            <a:off x="3320586" y="2258785"/>
+            <a:ext cx="283028" cy="228600"/>
+          </a:xfrm>
+          <a:prstGeom prst="rightArrow">
+            <a:avLst/>
+          </a:prstGeom>
+          <a:solidFill>
+            <a:schemeClr val="tx1"/>
+          </a:solidFill>
+          <a:ln>
+            <a:solidFill>
+              <a:schemeClr val="tx1"/>
+            </a:solidFill>
+          </a:ln>
+        </p:spPr>
+        <p:style>
+          <a:lnRef idx="2">
+            <a:schemeClr val="accent1">
+              <a:shade val="50000"/>
+            </a:schemeClr>
+          </a:lnRef>
+          <a:fillRef idx="1">
+            <a:schemeClr val="accent1"/>
+          </a:fillRef>
+          <a:effectRef idx="0">
+            <a:schemeClr val="accent1"/>
+          </a:effectRef>
+          <a:fontRef idx="minor">
+            <a:schemeClr val="lt1"/>
+          </a:fontRef>
+        </p:style>
+        <p:txBody>
+          <a:bodyPr rtlCol="0" anchor="ctr"/>
+          <a:lstStyle/>
+          <a:p>
+            <a:pPr algn="ctr"/>
+            <a:endParaRPr lang="zh-TW" altLang="en-US"/>
+          </a:p>
+        </p:txBody>
+      </p:sp>
+      <p:sp>
+        <p:nvSpPr>
+          <p:cNvPr id="5" name="箭號: 向右 4">
+            <a:extLst>
+              <a:ext uri="{FF2B5EF4-FFF2-40B4-BE49-F238E27FC236}">
+                <a16:creationId xmlns:a16="http://schemas.microsoft.com/office/drawing/2014/main" id="{32B700DF-1767-4F2E-A911-A6C7F68C826A}"/>
+              </a:ext>
+            </a:extLst>
+          </p:cNvPr>
+          <p:cNvSpPr/>
+          <p:nvPr/>
+        </p:nvSpPr>
+        <p:spPr>
+          <a:xfrm>
+            <a:off x="5377986" y="2258785"/>
+            <a:ext cx="283028" cy="228600"/>
+          </a:xfrm>
+          <a:prstGeom prst="rightArrow">
+            <a:avLst/>
+          </a:prstGeom>
+          <a:solidFill>
+            <a:schemeClr val="tx1"/>
+          </a:solidFill>
+          <a:ln>
+            <a:solidFill>
+              <a:schemeClr val="tx1"/>
+            </a:solidFill>
+          </a:ln>
+        </p:spPr>
+        <p:style>
+          <a:lnRef idx="2">
+            <a:schemeClr val="accent1">
+              <a:shade val="50000"/>
+            </a:schemeClr>
+          </a:lnRef>
+          <a:fillRef idx="1">
+            <a:schemeClr val="accent1"/>
+          </a:fillRef>
+          <a:effectRef idx="0">
+            <a:schemeClr val="accent1"/>
+          </a:effectRef>
+          <a:fontRef idx="minor">
+            <a:schemeClr val="lt1"/>
+          </a:fontRef>
+        </p:style>
+        <p:txBody>
+          <a:bodyPr rtlCol="0" anchor="ctr"/>
+          <a:lstStyle/>
+          <a:p>
+            <a:pPr algn="ctr"/>
+            <a:endParaRPr lang="zh-TW" altLang="en-US"/>
+          </a:p>
+        </p:txBody>
+      </p:sp>
+      <p:sp>
+        <p:nvSpPr>
+          <p:cNvPr id="6" name="箭號: 向右 5">
+            <a:extLst>
+              <a:ext uri="{FF2B5EF4-FFF2-40B4-BE49-F238E27FC236}">
+                <a16:creationId xmlns:a16="http://schemas.microsoft.com/office/drawing/2014/main" id="{313D8863-92D2-465F-9E36-FE3AE4C58E00}"/>
+              </a:ext>
+            </a:extLst>
+          </p:cNvPr>
+          <p:cNvSpPr/>
+          <p:nvPr/>
+        </p:nvSpPr>
+        <p:spPr>
+          <a:xfrm>
+            <a:off x="3320586" y="3314700"/>
+            <a:ext cx="283028" cy="228600"/>
+          </a:xfrm>
+          <a:prstGeom prst="rightArrow">
+            <a:avLst/>
+          </a:prstGeom>
+          <a:solidFill>
+            <a:schemeClr val="tx1"/>
+          </a:solidFill>
+          <a:ln>
+            <a:solidFill>
+              <a:schemeClr val="tx1"/>
+            </a:solidFill>
+          </a:ln>
+        </p:spPr>
+        <p:style>
+          <a:lnRef idx="2">
+            <a:schemeClr val="accent1">
+              <a:shade val="50000"/>
+            </a:schemeClr>
+          </a:lnRef>
+          <a:fillRef idx="1">
+            <a:schemeClr val="accent1"/>
+          </a:fillRef>
+          <a:effectRef idx="0">
+            <a:schemeClr val="accent1"/>
+          </a:effectRef>
+          <a:fontRef idx="minor">
+            <a:schemeClr val="lt1"/>
+          </a:fontRef>
+        </p:style>
+        <p:txBody>
+          <a:bodyPr rtlCol="0" anchor="ctr"/>
+          <a:lstStyle/>
+          <a:p>
+            <a:pPr algn="ctr"/>
+            <a:endParaRPr lang="zh-TW" altLang="en-US"/>
+          </a:p>
+        </p:txBody>
+      </p:sp>
+      <p:sp>
+        <p:nvSpPr>
+          <p:cNvPr id="7" name="箭號: 向右 6">
+            <a:extLst>
+              <a:ext uri="{FF2B5EF4-FFF2-40B4-BE49-F238E27FC236}">
+                <a16:creationId xmlns:a16="http://schemas.microsoft.com/office/drawing/2014/main" id="{86177088-7BFA-4CEC-9A31-08A25A996B9E}"/>
+              </a:ext>
+            </a:extLst>
+          </p:cNvPr>
+          <p:cNvSpPr/>
+          <p:nvPr/>
+        </p:nvSpPr>
+        <p:spPr>
+          <a:xfrm>
+            <a:off x="5377986" y="3314700"/>
+            <a:ext cx="283028" cy="228600"/>
+          </a:xfrm>
+          <a:prstGeom prst="rightArrow">
+            <a:avLst/>
+          </a:prstGeom>
+          <a:solidFill>
+            <a:schemeClr val="tx1"/>
+          </a:solidFill>
+          <a:ln>
+            <a:solidFill>
+              <a:schemeClr val="tx1"/>
+            </a:solidFill>
+          </a:ln>
+        </p:spPr>
+        <p:style>
+          <a:lnRef idx="2">
+            <a:schemeClr val="accent1">
+              <a:shade val="50000"/>
+            </a:schemeClr>
+          </a:lnRef>
+          <a:fillRef idx="1">
+            <a:schemeClr val="accent1"/>
+          </a:fillRef>
+          <a:effectRef idx="0">
+            <a:schemeClr val="accent1"/>
+          </a:effectRef>
+          <a:fontRef idx="minor">
+            <a:schemeClr val="lt1"/>
+          </a:fontRef>
+        </p:style>
+        <p:txBody>
+          <a:bodyPr rtlCol="0" anchor="ctr"/>
+          <a:lstStyle/>
+          <a:p>
+            <a:pPr algn="ctr"/>
+            <a:endParaRPr lang="zh-TW" altLang="en-US"/>
+          </a:p>
+        </p:txBody>
+      </p:sp>
+    </p:spTree>
+    <p:extLst>
+      <p:ext uri="{BB962C8B-B14F-4D97-AF65-F5344CB8AC3E}">
+        <p14:creationId xmlns:p14="http://schemas.microsoft.com/office/powerpoint/2010/main" val="3320530694"/>
+      </p:ext>
+    </p:extLst>
+  </p:cSld>
+  <p:clrMapOvr>
+    <a:masterClrMapping/>
+  </p:clrMapOvr>
+</p:sld>
+</file>
+
+<file path=ppt/slides/slide23.xml><?xml version="1.0" encoding="utf-8"?>
+<p:sld xmlns:a="http://schemas.openxmlformats.org/drawingml/2006/main" xmlns:r="http://schemas.openxmlformats.org/officeDocument/2006/relationships" xmlns:p="http://schemas.openxmlformats.org/presentationml/2006/main">
+  <p:cSld>
+    <p:spTree>
+      <p:nvGrpSpPr>
+        <p:cNvPr id="1" name=""/>
+        <p:cNvGrpSpPr/>
+        <p:nvPr/>
+      </p:nvGrpSpPr>
+      <p:grpSpPr>
+        <a:xfrm>
+          <a:off x="0" y="0"/>
+          <a:ext cx="0" cy="0"/>
+          <a:chOff x="0" y="0"/>
+          <a:chExt cx="0" cy="0"/>
+        </a:xfrm>
+      </p:grpSpPr>
+      <p:pic>
+        <p:nvPicPr>
+          <p:cNvPr id="4" name="內容版面配置區 3">
+            <a:extLst>
+              <a:ext uri="{FF2B5EF4-FFF2-40B4-BE49-F238E27FC236}">
+                <a16:creationId xmlns:a16="http://schemas.microsoft.com/office/drawing/2014/main" id="{ED125C89-0A11-4378-B595-8E5E1039C63F}"/>
+              </a:ext>
+            </a:extLst>
+          </p:cNvPr>
+          <p:cNvPicPr>
+            <a:picLocks noGrp="1" noChangeAspect="1"/>
+          </p:cNvPicPr>
+          <p:nvPr>
+            <p:ph idx="1"/>
+          </p:nvPr>
+        </p:nvPicPr>
+        <p:blipFill>
+          <a:blip r:embed="rId2"/>
+          <a:stretch>
+            <a:fillRect/>
+          </a:stretch>
+        </p:blipFill>
+        <p:spPr>
+          <a:xfrm>
+            <a:off x="428837" y="830847"/>
+            <a:ext cx="5661670" cy="5196303"/>
+          </a:xfrm>
+          <a:prstGeom prst="rect">
+            <a:avLst/>
+          </a:prstGeom>
+        </p:spPr>
+      </p:pic>
+      <p:pic>
+        <p:nvPicPr>
+          <p:cNvPr id="5" name="圖片 4">
+            <a:extLst>
+              <a:ext uri="{FF2B5EF4-FFF2-40B4-BE49-F238E27FC236}">
+                <a16:creationId xmlns:a16="http://schemas.microsoft.com/office/drawing/2014/main" id="{39E4AB52-9090-49F9-9B64-460E10522FFD}"/>
+              </a:ext>
+            </a:extLst>
+          </p:cNvPr>
+          <p:cNvPicPr>
+            <a:picLocks noChangeAspect="1"/>
+          </p:cNvPicPr>
+          <p:nvPr/>
+        </p:nvPicPr>
+        <p:blipFill>
+          <a:blip r:embed="rId3"/>
+          <a:stretch>
+            <a:fillRect/>
+          </a:stretch>
+        </p:blipFill>
+        <p:spPr>
+          <a:xfrm>
+            <a:off x="6101495" y="830847"/>
+            <a:ext cx="5851021" cy="5196303"/>
+          </a:xfrm>
+          <a:prstGeom prst="rect">
+            <a:avLst/>
+          </a:prstGeom>
+        </p:spPr>
+      </p:pic>
+    </p:spTree>
+    <p:extLst>
+      <p:ext uri="{BB962C8B-B14F-4D97-AF65-F5344CB8AC3E}">
+        <p14:creationId xmlns:p14="http://schemas.microsoft.com/office/powerpoint/2010/main" val="2283060086"/>
+      </p:ext>
+    </p:extLst>
+  </p:cSld>
+  <p:clrMapOvr>
+    <a:masterClrMapping/>
+  </p:clrMapOvr>
+</p:sld>
+</file>
+
+<file path=ppt/slides/slide24.xml><?xml version="1.0" encoding="utf-8"?>
 <p:sld xmlns:a="http://schemas.openxmlformats.org/drawingml/2006/main" xmlns:r="http://schemas.openxmlformats.org/officeDocument/2006/relationships" xmlns:p="http://schemas.openxmlformats.org/presentationml/2006/main">
   <p:cSld>
     <p:spTree>
@@ -4620,7 +7420,7 @@
         </p:nvSpPr>
         <p:spPr>
           <a:xfrm>
-            <a:off x="7331528" y="1613354"/>
+            <a:off x="7385956" y="1337906"/>
             <a:ext cx="3907971" cy="4351338"/>
           </a:xfrm>
           <a:prstGeom prst="rect">
@@ -4798,6 +7598,12 @@
           <a:p>
             <a:r>
               <a:rPr lang="en-US" altLang="zh-TW" dirty="0"/>
+              <a:t>We can compare single port and Dual Port.</a:t>
+            </a:r>
+          </a:p>
+          <a:p>
+            <a:r>
+              <a:rPr lang="en-US" altLang="zh-TW" dirty="0"/>
               <a:t>Solution 1 : Single port</a:t>
             </a:r>
           </a:p>
@@ -4819,7 +7625,7 @@
           <a:p>
             <a:r>
               <a:rPr lang="en-US" altLang="zh-TW" dirty="0"/>
-              <a:t>Solution 2 : Two port Unroll      (Type = Block)</a:t>
+              <a:t>Solution 2 : Dual port Unroll      (Type = Block)</a:t>
             </a:r>
             <a:endParaRPr lang="zh-TW" altLang="en-US" dirty="0"/>
           </a:p>
@@ -4838,7 +7644,7 @@
 </p:sld>
 </file>
 
-<file path=ppt/slides/slide15.xml><?xml version="1.0" encoding="utf-8"?>
+<file path=ppt/slides/slide25.xml><?xml version="1.0" encoding="utf-8"?>
 <p:sld xmlns:a="http://schemas.openxmlformats.org/drawingml/2006/main" xmlns:r="http://schemas.openxmlformats.org/officeDocument/2006/relationships" xmlns:p="http://schemas.openxmlformats.org/presentationml/2006/main">
   <p:cSld>
     <p:spTree>
@@ -4872,7 +7678,7 @@
           <a:p>
             <a:r>
               <a:rPr lang="en-US" altLang="zh-TW" dirty="0"/>
-              <a:t>What if apply in rolled loop.</a:t>
+              <a:t>What if apply roll loop.</a:t>
             </a:r>
             <a:endParaRPr lang="zh-TW" altLang="en-US" dirty="0"/>
           </a:p>
@@ -4948,7 +7754,7 @@
 </p:sld>
 </file>
 
-<file path=ppt/slides/slide16.xml><?xml version="1.0" encoding="utf-8"?>
+<file path=ppt/slides/slide26.xml><?xml version="1.0" encoding="utf-8"?>
 <p:sld xmlns:a="http://schemas.openxmlformats.org/drawingml/2006/main" xmlns:r="http://schemas.openxmlformats.org/officeDocument/2006/relationships" xmlns:p="http://schemas.openxmlformats.org/presentationml/2006/main">
   <p:cSld>
     <p:spTree>
@@ -4983,7 +7789,7 @@
         </p:blipFill>
         <p:spPr>
           <a:xfrm>
-            <a:off x="887796" y="1352364"/>
+            <a:off x="539453" y="1223189"/>
             <a:ext cx="6575006" cy="4411621"/>
           </a:xfrm>
           <a:prstGeom prst="rect">
@@ -5001,8 +7807,8 @@
         </p:nvSpPr>
         <p:spPr>
           <a:xfrm>
-            <a:off x="7837714" y="1352364"/>
-            <a:ext cx="3907971" cy="4351338"/>
+            <a:off x="7347857" y="1352364"/>
+            <a:ext cx="4397829" cy="4351338"/>
           </a:xfrm>
           <a:prstGeom prst="rect">
             <a:avLst/>
@@ -5179,7 +7985,7 @@
           <a:p>
             <a:r>
               <a:rPr lang="en-US" altLang="zh-TW" dirty="0"/>
-              <a:t>Solution 1 : Single port 		        (Type = Block)</a:t>
+              <a:t>Solution 1 : Single port (Type = Block)</a:t>
             </a:r>
           </a:p>
           <a:p>
@@ -5197,7 +8003,7 @@
           <a:p>
             <a:r>
               <a:rPr lang="en-US" altLang="zh-TW" dirty="0"/>
-              <a:t>Solution 5 : Two port rolled      (Type = Block)</a:t>
+              <a:t>Solution 5 : Two port roll      (Type = Block)</a:t>
             </a:r>
             <a:endParaRPr lang="zh-TW" altLang="en-US" dirty="0"/>
           </a:p>
@@ -5219,7 +8025,7 @@
 </p:sld>
 </file>
 
-<file path=ppt/slides/slide17.xml><?xml version="1.0" encoding="utf-8"?>
+<file path=ppt/slides/slide27.xml><?xml version="1.0" encoding="utf-8"?>
 <p:sld xmlns:a="http://schemas.openxmlformats.org/drawingml/2006/main" xmlns:r="http://schemas.openxmlformats.org/officeDocument/2006/relationships" xmlns:p="http://schemas.openxmlformats.org/presentationml/2006/main">
   <p:cSld>
     <p:spTree>
@@ -5238,7 +8044,13 @@
       </p:grpSpPr>
       <p:sp>
         <p:nvSpPr>
-          <p:cNvPr id="2" name="標題 1"/>
+          <p:cNvPr id="2" name="標題 1">
+            <a:extLst>
+              <a:ext uri="{FF2B5EF4-FFF2-40B4-BE49-F238E27FC236}">
+                <a16:creationId xmlns:a16="http://schemas.microsoft.com/office/drawing/2014/main" id="{38F47E7E-791A-4DC3-A705-D0B0A30AA435}"/>
+              </a:ext>
+            </a:extLst>
+          </p:cNvPr>
           <p:cNvSpPr>
             <a:spLocks noGrp="1"/>
           </p:cNvSpPr>
@@ -5253,7 +8065,7 @@
           <a:p>
             <a:r>
               <a:rPr lang="en-US" altLang="zh-TW" dirty="0"/>
-              <a:t>Array Partition</a:t>
+              <a:t>What if apply unroll in single port.</a:t>
             </a:r>
             <a:endParaRPr lang="zh-TW" altLang="en-US" dirty="0"/>
           </a:p>
@@ -5261,7 +8073,13 @@
       </p:sp>
       <p:sp>
         <p:nvSpPr>
-          <p:cNvPr id="3" name="內容版面配置區 2"/>
+          <p:cNvPr id="3" name="內容版面配置區 2">
+            <a:extLst>
+              <a:ext uri="{FF2B5EF4-FFF2-40B4-BE49-F238E27FC236}">
+                <a16:creationId xmlns:a16="http://schemas.microsoft.com/office/drawing/2014/main" id="{88FD3457-82B4-4210-86F9-A57DE15FB91C}"/>
+              </a:ext>
+            </a:extLst>
+          </p:cNvPr>
           <p:cNvSpPr>
             <a:spLocks noGrp="1"/>
           </p:cNvSpPr>
@@ -5276,81 +8094,27 @@
           <a:p>
             <a:r>
               <a:rPr lang="en-US" altLang="zh-TW" dirty="0"/>
-              <a:t>The input </a:t>
+              <a:t>It’s difficult to apply unroll in single port (ram_1p). Since we should carefully set the clock and </a:t>
             </a:r>
             <a:r>
               <a:rPr lang="en-US" altLang="zh-TW" dirty="0" err="1"/>
-              <a:t>d_i</a:t>
-            </a:r>
-            <a:r>
-              <a:rPr lang="en-US" altLang="zh-TW" dirty="0"/>
-              <a:t> will separate into the numbers of array partition factor RAM interfaces. </a:t>
+              <a:t>fifo</a:t>
+            </a:r>
+            <a:r>
+              <a:rPr lang="en-US" altLang="zh-TW" dirty="0"/>
+              <a:t> of I/O ports.</a:t>
             </a:r>
           </a:p>
           <a:p>
             <a:endParaRPr lang="en-US" altLang="zh-TW" dirty="0"/>
           </a:p>
           <a:p>
-            <a:r>
-              <a:rPr lang="en-US" altLang="zh-TW" dirty="0"/>
-              <a:t>The output </a:t>
-            </a:r>
-            <a:r>
-              <a:rPr lang="en-US" altLang="zh-TW" dirty="0" err="1"/>
-              <a:t>d_o</a:t>
-            </a:r>
-            <a:r>
-              <a:rPr lang="en-US" altLang="zh-TW" dirty="0"/>
-              <a:t> will be divided into the numbers of array partition FIFO interfaces. </a:t>
-            </a:r>
-          </a:p>
-          <a:p>
             <a:endParaRPr lang="en-US" altLang="zh-TW" dirty="0"/>
           </a:p>
           <a:p>
             <a:r>
               <a:rPr lang="en-US" altLang="zh-TW" dirty="0"/>
-              <a:t>In this lab, we divide </a:t>
-            </a:r>
-            <a:r>
-              <a:rPr lang="en-US" altLang="zh-TW" dirty="0" err="1"/>
-              <a:t>d_i</a:t>
-            </a:r>
-            <a:r>
-              <a:rPr lang="en-US" altLang="zh-TW" dirty="0"/>
-              <a:t> into 2 </a:t>
-            </a:r>
-            <a:r>
-              <a:rPr lang="en-US" altLang="zh-TW" dirty="0" err="1"/>
-              <a:t>seperated</a:t>
-            </a:r>
-            <a:r>
-              <a:rPr lang="en-US" altLang="zh-TW" dirty="0"/>
-              <a:t> RAM interfaces and </a:t>
-            </a:r>
-            <a:r>
-              <a:rPr lang="en-US" altLang="zh-TW" dirty="0" err="1"/>
-              <a:t>d_o</a:t>
-            </a:r>
-            <a:r>
-              <a:rPr lang="en-US" altLang="zh-TW" dirty="0"/>
-              <a:t> into 4 FIFO interfaces. We also divide </a:t>
-            </a:r>
-            <a:r>
-              <a:rPr lang="en-US" altLang="zh-TW" dirty="0" err="1"/>
-              <a:t>d_i</a:t>
-            </a:r>
-            <a:r>
-              <a:rPr lang="en-US" altLang="zh-TW" dirty="0"/>
-              <a:t> and </a:t>
-            </a:r>
-            <a:r>
-              <a:rPr lang="en-US" altLang="zh-TW" dirty="0" err="1"/>
-              <a:t>d_o</a:t>
-            </a:r>
-            <a:r>
-              <a:rPr lang="en-US" altLang="zh-TW" dirty="0"/>
-              <a:t> completely.  </a:t>
+              <a:t>Therefore, it automatically transform it into dual port (ram_2p)</a:t>
             </a:r>
             <a:endParaRPr lang="zh-TW" altLang="en-US" dirty="0"/>
           </a:p>
@@ -5359,7 +8123,7 @@
     </p:spTree>
     <p:extLst>
       <p:ext uri="{BB962C8B-B14F-4D97-AF65-F5344CB8AC3E}">
-        <p14:creationId xmlns:p14="http://schemas.microsoft.com/office/powerpoint/2010/main" val="472095692"/>
+        <p14:creationId xmlns:p14="http://schemas.microsoft.com/office/powerpoint/2010/main" val="3096090217"/>
       </p:ext>
     </p:extLst>
   </p:cSld>
@@ -5369,7 +8133,7 @@
 </p:sld>
 </file>
 
-<file path=ppt/slides/slide18.xml><?xml version="1.0" encoding="utf-8"?>
+<file path=ppt/slides/slide28.xml><?xml version="1.0" encoding="utf-8"?>
 <p:sld xmlns:a="http://schemas.openxmlformats.org/drawingml/2006/main" xmlns:r="http://schemas.openxmlformats.org/officeDocument/2006/relationships" xmlns:p="http://schemas.openxmlformats.org/presentationml/2006/main">
   <p:cSld>
     <p:spTree>
@@ -5388,7 +8152,528 @@
       </p:grpSpPr>
       <p:pic>
         <p:nvPicPr>
-          <p:cNvPr id="6" name="內容版面配置區 5"/>
+          <p:cNvPr id="4" name="內容版面配置區 3">
+            <a:extLst>
+              <a:ext uri="{FF2B5EF4-FFF2-40B4-BE49-F238E27FC236}">
+                <a16:creationId xmlns:a16="http://schemas.microsoft.com/office/drawing/2014/main" id="{668533AC-9654-407A-800A-8D118D96DDB4}"/>
+              </a:ext>
+            </a:extLst>
+          </p:cNvPr>
+          <p:cNvPicPr>
+            <a:picLocks noGrp="1" noChangeAspect="1"/>
+          </p:cNvPicPr>
+          <p:nvPr>
+            <p:ph idx="1"/>
+          </p:nvPr>
+        </p:nvPicPr>
+        <p:blipFill>
+          <a:blip r:embed="rId3"/>
+          <a:stretch>
+            <a:fillRect/>
+          </a:stretch>
+        </p:blipFill>
+        <p:spPr>
+          <a:xfrm>
+            <a:off x="684996" y="780596"/>
+            <a:ext cx="8340065" cy="4351338"/>
+          </a:xfrm>
+          <a:prstGeom prst="rect">
+            <a:avLst/>
+          </a:prstGeom>
+        </p:spPr>
+      </p:pic>
+      <p:pic>
+        <p:nvPicPr>
+          <p:cNvPr id="5" name="圖片 4">
+            <a:extLst>
+              <a:ext uri="{FF2B5EF4-FFF2-40B4-BE49-F238E27FC236}">
+                <a16:creationId xmlns:a16="http://schemas.microsoft.com/office/drawing/2014/main" id="{7D8CA9C5-B600-4BEA-9699-8C4D5E5E2070}"/>
+              </a:ext>
+            </a:extLst>
+          </p:cNvPr>
+          <p:cNvPicPr>
+            <a:picLocks noChangeAspect="1"/>
+          </p:cNvPicPr>
+          <p:nvPr/>
+        </p:nvPicPr>
+        <p:blipFill>
+          <a:blip r:embed="rId4"/>
+          <a:stretch>
+            <a:fillRect/>
+          </a:stretch>
+        </p:blipFill>
+        <p:spPr>
+          <a:xfrm>
+            <a:off x="4400013" y="2503714"/>
+            <a:ext cx="7574271" cy="3960064"/>
+          </a:xfrm>
+          <a:prstGeom prst="rect">
+            <a:avLst/>
+          </a:prstGeom>
+        </p:spPr>
+      </p:pic>
+    </p:spTree>
+    <p:extLst>
+      <p:ext uri="{BB962C8B-B14F-4D97-AF65-F5344CB8AC3E}">
+        <p14:creationId xmlns:p14="http://schemas.microsoft.com/office/powerpoint/2010/main" val="2407050161"/>
+      </p:ext>
+    </p:extLst>
+  </p:cSld>
+  <p:clrMapOvr>
+    <a:masterClrMapping/>
+  </p:clrMapOvr>
+  <p:timing>
+    <p:tnLst>
+      <p:par>
+        <p:cTn id="1" dur="indefinite" restart="never" nodeType="tmRoot">
+          <p:childTnLst>
+            <p:seq concurrent="1" nextAc="seek">
+              <p:cTn id="2" dur="indefinite" nodeType="mainSeq">
+                <p:childTnLst>
+                  <p:par>
+                    <p:cTn id="3" fill="hold">
+                      <p:stCondLst>
+                        <p:cond delay="indefinite"/>
+                      </p:stCondLst>
+                      <p:childTnLst>
+                        <p:par>
+                          <p:cTn id="4" fill="hold">
+                            <p:stCondLst>
+                              <p:cond delay="0"/>
+                            </p:stCondLst>
+                            <p:childTnLst>
+                              <p:par>
+                                <p:cTn id="5" presetID="10" presetClass="entr" presetSubtype="0" fill="hold" nodeType="clickEffect">
+                                  <p:stCondLst>
+                                    <p:cond delay="0"/>
+                                  </p:stCondLst>
+                                  <p:childTnLst>
+                                    <p:set>
+                                      <p:cBhvr>
+                                        <p:cTn id="6" dur="1" fill="hold">
+                                          <p:stCondLst>
+                                            <p:cond delay="0"/>
+                                          </p:stCondLst>
+                                        </p:cTn>
+                                        <p:tgtEl>
+                                          <p:spTgt spid="5"/>
+                                        </p:tgtEl>
+                                        <p:attrNameLst>
+                                          <p:attrName>style.visibility</p:attrName>
+                                        </p:attrNameLst>
+                                      </p:cBhvr>
+                                      <p:to>
+                                        <p:strVal val="visible"/>
+                                      </p:to>
+                                    </p:set>
+                                    <p:animEffect transition="in" filter="fade">
+                                      <p:cBhvr>
+                                        <p:cTn id="7" dur="500"/>
+                                        <p:tgtEl>
+                                          <p:spTgt spid="5"/>
+                                        </p:tgtEl>
+                                      </p:cBhvr>
+                                    </p:animEffect>
+                                  </p:childTnLst>
+                                </p:cTn>
+                              </p:par>
+                            </p:childTnLst>
+                          </p:cTn>
+                        </p:par>
+                      </p:childTnLst>
+                    </p:cTn>
+                  </p:par>
+                </p:childTnLst>
+              </p:cTn>
+              <p:prevCondLst>
+                <p:cond evt="onPrev" delay="0">
+                  <p:tgtEl>
+                    <p:sldTgt/>
+                  </p:tgtEl>
+                </p:cond>
+              </p:prevCondLst>
+              <p:nextCondLst>
+                <p:cond evt="onNext" delay="0">
+                  <p:tgtEl>
+                    <p:sldTgt/>
+                  </p:tgtEl>
+                </p:cond>
+              </p:nextCondLst>
+            </p:seq>
+          </p:childTnLst>
+        </p:cTn>
+      </p:par>
+    </p:tnLst>
+  </p:timing>
+</p:sld>
+</file>
+
+<file path=ppt/slides/slide29.xml><?xml version="1.0" encoding="utf-8"?>
+<p:sld xmlns:a="http://schemas.openxmlformats.org/drawingml/2006/main" xmlns:r="http://schemas.openxmlformats.org/officeDocument/2006/relationships" xmlns:p="http://schemas.openxmlformats.org/presentationml/2006/main">
+  <p:cSld>
+    <p:spTree>
+      <p:nvGrpSpPr>
+        <p:cNvPr id="1" name=""/>
+        <p:cNvGrpSpPr/>
+        <p:nvPr/>
+      </p:nvGrpSpPr>
+      <p:grpSpPr>
+        <a:xfrm>
+          <a:off x="0" y="0"/>
+          <a:ext cx="0" cy="0"/>
+          <a:chOff x="0" y="0"/>
+          <a:chExt cx="0" cy="0"/>
+        </a:xfrm>
+      </p:grpSpPr>
+      <p:sp>
+        <p:nvSpPr>
+          <p:cNvPr id="2" name="標題 1"/>
+          <p:cNvSpPr>
+            <a:spLocks noGrp="1"/>
+          </p:cNvSpPr>
+          <p:nvPr>
+            <p:ph type="title"/>
+          </p:nvPr>
+        </p:nvSpPr>
+        <p:spPr/>
+        <p:txBody>
+          <a:bodyPr/>
+          <a:lstStyle/>
+          <a:p>
+            <a:r>
+              <a:rPr lang="en-US" altLang="zh-TW" dirty="0"/>
+              <a:t>Array Partition</a:t>
+            </a:r>
+            <a:endParaRPr lang="zh-TW" altLang="en-US" dirty="0"/>
+          </a:p>
+        </p:txBody>
+      </p:sp>
+      <p:sp>
+        <p:nvSpPr>
+          <p:cNvPr id="3" name="內容版面配置區 2"/>
+          <p:cNvSpPr>
+            <a:spLocks noGrp="1"/>
+          </p:cNvSpPr>
+          <p:nvPr>
+            <p:ph idx="1"/>
+          </p:nvPr>
+        </p:nvSpPr>
+        <p:spPr/>
+        <p:txBody>
+          <a:bodyPr/>
+          <a:lstStyle/>
+          <a:p>
+            <a:r>
+              <a:rPr lang="en-US" altLang="zh-TW" dirty="0"/>
+              <a:t>The input </a:t>
+            </a:r>
+            <a:r>
+              <a:rPr lang="en-US" altLang="zh-TW" dirty="0" err="1"/>
+              <a:t>d_i</a:t>
+            </a:r>
+            <a:r>
+              <a:rPr lang="en-US" altLang="zh-TW" dirty="0"/>
+              <a:t> will separate into the numbers of array partition factor RAM interfaces. </a:t>
+            </a:r>
+          </a:p>
+          <a:p>
+            <a:endParaRPr lang="en-US" altLang="zh-TW" dirty="0"/>
+          </a:p>
+          <a:p>
+            <a:r>
+              <a:rPr lang="en-US" altLang="zh-TW" dirty="0"/>
+              <a:t>The output </a:t>
+            </a:r>
+            <a:r>
+              <a:rPr lang="en-US" altLang="zh-TW" dirty="0" err="1"/>
+              <a:t>d_o</a:t>
+            </a:r>
+            <a:r>
+              <a:rPr lang="en-US" altLang="zh-TW" dirty="0"/>
+              <a:t> will be divided into the numbers of array partition FIFO interfaces. </a:t>
+            </a:r>
+          </a:p>
+          <a:p>
+            <a:endParaRPr lang="en-US" altLang="zh-TW" dirty="0"/>
+          </a:p>
+          <a:p>
+            <a:r>
+              <a:rPr lang="en-US" altLang="zh-TW" dirty="0"/>
+              <a:t>In this lab, we divide </a:t>
+            </a:r>
+            <a:r>
+              <a:rPr lang="en-US" altLang="zh-TW" dirty="0" err="1"/>
+              <a:t>d_i</a:t>
+            </a:r>
+            <a:r>
+              <a:rPr lang="en-US" altLang="zh-TW" dirty="0"/>
+              <a:t> into 2 </a:t>
+            </a:r>
+            <a:r>
+              <a:rPr lang="en-US" altLang="zh-TW" dirty="0" err="1"/>
+              <a:t>seperated</a:t>
+            </a:r>
+            <a:r>
+              <a:rPr lang="en-US" altLang="zh-TW" dirty="0"/>
+              <a:t> RAM interfaces and </a:t>
+            </a:r>
+            <a:r>
+              <a:rPr lang="en-US" altLang="zh-TW" dirty="0" err="1"/>
+              <a:t>d_o</a:t>
+            </a:r>
+            <a:r>
+              <a:rPr lang="en-US" altLang="zh-TW" dirty="0"/>
+              <a:t> into 4 FIFO interfaces. We also divide </a:t>
+            </a:r>
+            <a:r>
+              <a:rPr lang="en-US" altLang="zh-TW" dirty="0" err="1"/>
+              <a:t>d_i</a:t>
+            </a:r>
+            <a:r>
+              <a:rPr lang="en-US" altLang="zh-TW" dirty="0"/>
+              <a:t> and </a:t>
+            </a:r>
+            <a:r>
+              <a:rPr lang="en-US" altLang="zh-TW" dirty="0" err="1"/>
+              <a:t>d_o</a:t>
+            </a:r>
+            <a:r>
+              <a:rPr lang="en-US" altLang="zh-TW" dirty="0"/>
+              <a:t> completely.  </a:t>
+            </a:r>
+            <a:endParaRPr lang="zh-TW" altLang="en-US" dirty="0"/>
+          </a:p>
+        </p:txBody>
+      </p:sp>
+    </p:spTree>
+    <p:extLst>
+      <p:ext uri="{BB962C8B-B14F-4D97-AF65-F5344CB8AC3E}">
+        <p14:creationId xmlns:p14="http://schemas.microsoft.com/office/powerpoint/2010/main" val="472095692"/>
+      </p:ext>
+    </p:extLst>
+  </p:cSld>
+  <p:clrMapOvr>
+    <a:masterClrMapping/>
+  </p:clrMapOvr>
+</p:sld>
+</file>
+
+<file path=ppt/slides/slide3.xml><?xml version="1.0" encoding="utf-8"?>
+<p:sld xmlns:a="http://schemas.openxmlformats.org/drawingml/2006/main" xmlns:r="http://schemas.openxmlformats.org/officeDocument/2006/relationships" xmlns:p="http://schemas.openxmlformats.org/presentationml/2006/main">
+  <p:cSld>
+    <p:spTree>
+      <p:nvGrpSpPr>
+        <p:cNvPr id="1" name=""/>
+        <p:cNvGrpSpPr/>
+        <p:nvPr/>
+      </p:nvGrpSpPr>
+      <p:grpSpPr>
+        <a:xfrm>
+          <a:off x="0" y="0"/>
+          <a:ext cx="0" cy="0"/>
+          <a:chOff x="0" y="0"/>
+          <a:chExt cx="0" cy="0"/>
+        </a:xfrm>
+      </p:grpSpPr>
+      <p:sp>
+        <p:nvSpPr>
+          <p:cNvPr id="2" name="標題 1"/>
+          <p:cNvSpPr>
+            <a:spLocks noGrp="1"/>
+          </p:cNvSpPr>
+          <p:nvPr>
+            <p:ph type="title"/>
+          </p:nvPr>
+        </p:nvSpPr>
+        <p:spPr/>
+        <p:txBody>
+          <a:bodyPr/>
+          <a:lstStyle/>
+          <a:p>
+            <a:r>
+              <a:rPr lang="en-US" altLang="zh-TW" dirty="0"/>
+              <a:t>Lab 1 (Block-level Protocol)</a:t>
+            </a:r>
+            <a:endParaRPr lang="zh-TW" altLang="en-US" dirty="0"/>
+          </a:p>
+        </p:txBody>
+      </p:sp>
+      <p:sp>
+        <p:nvSpPr>
+          <p:cNvPr id="3" name="內容版面配置區 2"/>
+          <p:cNvSpPr>
+            <a:spLocks noGrp="1"/>
+          </p:cNvSpPr>
+          <p:nvPr>
+            <p:ph idx="1"/>
+          </p:nvPr>
+        </p:nvSpPr>
+        <p:spPr/>
+        <p:txBody>
+          <a:bodyPr/>
+          <a:lstStyle/>
+          <a:p>
+            <a:r>
+              <a:rPr lang="en-US" altLang="zh-TW" dirty="0"/>
+              <a:t> The block-level I/O protocol control RTL design by the control signal. (Independent of data I/O ports)</a:t>
+            </a:r>
+          </a:p>
+          <a:p>
+            <a:endParaRPr lang="en-US" altLang="zh-TW" dirty="0"/>
+          </a:p>
+          <a:p>
+            <a:r>
+              <a:rPr lang="en-US" altLang="zh-TW" dirty="0"/>
+              <a:t> The block-level control ports contain </a:t>
+            </a:r>
+            <a:r>
+              <a:rPr lang="en-US" altLang="zh-TW" dirty="0" err="1">
+                <a:solidFill>
+                  <a:srgbClr val="FF0000"/>
+                </a:solidFill>
+              </a:rPr>
+              <a:t>ap_start</a:t>
+            </a:r>
+            <a:r>
+              <a:rPr lang="en-US" altLang="zh-TW" dirty="0"/>
+              <a:t>, </a:t>
+            </a:r>
+            <a:r>
+              <a:rPr lang="en-US" altLang="zh-TW" dirty="0" err="1">
+                <a:solidFill>
+                  <a:srgbClr val="FF0000"/>
+                </a:solidFill>
+              </a:rPr>
+              <a:t>ap_ready</a:t>
+            </a:r>
+            <a:r>
+              <a:rPr lang="en-US" altLang="zh-TW" dirty="0"/>
+              <a:t>, </a:t>
+            </a:r>
+            <a:r>
+              <a:rPr lang="en-US" altLang="zh-TW" dirty="0" err="1">
+                <a:solidFill>
+                  <a:srgbClr val="FF0000"/>
+                </a:solidFill>
+              </a:rPr>
+              <a:t>ap_done</a:t>
+            </a:r>
+            <a:r>
+              <a:rPr lang="en-US" altLang="zh-TW" dirty="0"/>
+              <a:t>, </a:t>
+            </a:r>
+            <a:r>
+              <a:rPr lang="en-US" altLang="zh-TW" dirty="0" err="1">
+                <a:solidFill>
+                  <a:srgbClr val="FF0000"/>
+                </a:solidFill>
+              </a:rPr>
+              <a:t>ap_idle</a:t>
+            </a:r>
+            <a:r>
+              <a:rPr lang="en-US" altLang="zh-TW" dirty="0"/>
+              <a:t>, and </a:t>
+            </a:r>
+            <a:r>
+              <a:rPr lang="en-US" altLang="zh-TW" dirty="0" err="1">
+                <a:solidFill>
+                  <a:srgbClr val="FF0000"/>
+                </a:solidFill>
+              </a:rPr>
+              <a:t>ap_continue</a:t>
+            </a:r>
+            <a:r>
+              <a:rPr lang="en-US" altLang="zh-TW" dirty="0"/>
+              <a:t>. </a:t>
+            </a:r>
+            <a:endParaRPr lang="zh-TW" altLang="en-US" dirty="0"/>
+          </a:p>
+        </p:txBody>
+      </p:sp>
+    </p:spTree>
+    <p:extLst>
+      <p:ext uri="{BB962C8B-B14F-4D97-AF65-F5344CB8AC3E}">
+        <p14:creationId xmlns:p14="http://schemas.microsoft.com/office/powerpoint/2010/main" val="541983220"/>
+      </p:ext>
+    </p:extLst>
+  </p:cSld>
+  <p:clrMapOvr>
+    <a:masterClrMapping/>
+  </p:clrMapOvr>
+</p:sld>
+</file>
+
+<file path=ppt/slides/slide30.xml><?xml version="1.0" encoding="utf-8"?>
+<p:sld xmlns:a="http://schemas.openxmlformats.org/drawingml/2006/main" xmlns:r="http://schemas.openxmlformats.org/officeDocument/2006/relationships" xmlns:p="http://schemas.openxmlformats.org/presentationml/2006/main">
+  <p:cSld>
+    <p:spTree>
+      <p:nvGrpSpPr>
+        <p:cNvPr id="1" name=""/>
+        <p:cNvGrpSpPr/>
+        <p:nvPr/>
+      </p:nvGrpSpPr>
+      <p:grpSpPr>
+        <a:xfrm>
+          <a:off x="0" y="0"/>
+          <a:ext cx="0" cy="0"/>
+          <a:chOff x="0" y="0"/>
+          <a:chExt cx="0" cy="0"/>
+        </a:xfrm>
+      </p:grpSpPr>
+      <p:sp>
+        <p:nvSpPr>
+          <p:cNvPr id="2" name="標題 1">
+            <a:extLst>
+              <a:ext uri="{FF2B5EF4-FFF2-40B4-BE49-F238E27FC236}">
+                <a16:creationId xmlns:a16="http://schemas.microsoft.com/office/drawing/2014/main" id="{CBB16897-5510-4003-A486-69B3E79B7F3D}"/>
+              </a:ext>
+            </a:extLst>
+          </p:cNvPr>
+          <p:cNvSpPr>
+            <a:spLocks noGrp="1"/>
+          </p:cNvSpPr>
+          <p:nvPr>
+            <p:ph type="title"/>
+          </p:nvPr>
+        </p:nvSpPr>
+        <p:spPr/>
+        <p:txBody>
+          <a:bodyPr/>
+          <a:lstStyle/>
+          <a:p>
+            <a:r>
+              <a:rPr lang="en-US" altLang="zh-TW" dirty="0"/>
+              <a:t>The interface of array partition(</a:t>
+            </a:r>
+            <a:r>
+              <a:rPr lang="en-US" altLang="zh-TW" dirty="0" err="1"/>
+              <a:t>d_o</a:t>
+            </a:r>
+            <a:r>
+              <a:rPr lang="en-US" altLang="zh-TW" dirty="0"/>
+              <a:t> = 4, </a:t>
+            </a:r>
+            <a:r>
+              <a:rPr lang="en-US" altLang="zh-TW" dirty="0" err="1"/>
+              <a:t>d_i</a:t>
+            </a:r>
+            <a:r>
+              <a:rPr lang="en-US" altLang="zh-TW" dirty="0"/>
+              <a:t>=2)</a:t>
+            </a:r>
+            <a:endParaRPr lang="zh-TW" altLang="en-US" dirty="0"/>
+          </a:p>
+        </p:txBody>
+      </p:sp>
+      <p:pic>
+        <p:nvPicPr>
+          <p:cNvPr id="4" name="內容版面配置區 3">
+            <a:extLst>
+              <a:ext uri="{FF2B5EF4-FFF2-40B4-BE49-F238E27FC236}">
+                <a16:creationId xmlns:a16="http://schemas.microsoft.com/office/drawing/2014/main" id="{84785DAF-D81E-4B7C-9A87-AB64BBC9860D}"/>
+              </a:ext>
+            </a:extLst>
+          </p:cNvPr>
           <p:cNvPicPr>
             <a:picLocks noGrp="1" noChangeAspect="1"/>
           </p:cNvPicPr>
@@ -5404,8 +8689,8 @@
         </p:blipFill>
         <p:spPr>
           <a:xfrm>
-            <a:off x="2847809" y="551995"/>
-            <a:ext cx="6650324" cy="5832475"/>
+            <a:off x="3761908" y="1726156"/>
+            <a:ext cx="4668183" cy="4766719"/>
           </a:xfrm>
           <a:prstGeom prst="rect">
             <a:avLst/>
@@ -5415,7 +8700,7 @@
     </p:spTree>
     <p:extLst>
       <p:ext uri="{BB962C8B-B14F-4D97-AF65-F5344CB8AC3E}">
-        <p14:creationId xmlns:p14="http://schemas.microsoft.com/office/powerpoint/2010/main" val="663012556"/>
+        <p14:creationId xmlns:p14="http://schemas.microsoft.com/office/powerpoint/2010/main" val="3214982290"/>
       </p:ext>
     </p:extLst>
   </p:cSld>
@@ -5425,7 +8710,126 @@
 </p:sld>
 </file>
 
-<file path=ppt/slides/slide19.xml><?xml version="1.0" encoding="utf-8"?>
+<file path=ppt/slides/slide31.xml><?xml version="1.0" encoding="utf-8"?>
+<p:sld xmlns:a="http://schemas.openxmlformats.org/drawingml/2006/main" xmlns:r="http://schemas.openxmlformats.org/officeDocument/2006/relationships" xmlns:p="http://schemas.openxmlformats.org/presentationml/2006/main">
+  <p:cSld>
+    <p:spTree>
+      <p:nvGrpSpPr>
+        <p:cNvPr id="1" name=""/>
+        <p:cNvGrpSpPr/>
+        <p:nvPr/>
+      </p:nvGrpSpPr>
+      <p:grpSpPr>
+        <a:xfrm>
+          <a:off x="0" y="0"/>
+          <a:ext cx="0" cy="0"/>
+          <a:chOff x="0" y="0"/>
+          <a:chExt cx="0" cy="0"/>
+        </a:xfrm>
+      </p:grpSpPr>
+      <p:sp>
+        <p:nvSpPr>
+          <p:cNvPr id="2" name="標題 1">
+            <a:extLst>
+              <a:ext uri="{FF2B5EF4-FFF2-40B4-BE49-F238E27FC236}">
+                <a16:creationId xmlns:a16="http://schemas.microsoft.com/office/drawing/2014/main" id="{76CC194B-E592-4534-928F-CF05B06479B2}"/>
+              </a:ext>
+            </a:extLst>
+          </p:cNvPr>
+          <p:cNvSpPr>
+            <a:spLocks noGrp="1"/>
+          </p:cNvSpPr>
+          <p:nvPr>
+            <p:ph type="title"/>
+          </p:nvPr>
+        </p:nvSpPr>
+        <p:spPr/>
+        <p:txBody>
+          <a:bodyPr/>
+          <a:lstStyle/>
+          <a:p>
+            <a:r>
+              <a:rPr lang="en-US" altLang="zh-TW" dirty="0"/>
+              <a:t>The interface of array partition(Complete)</a:t>
+            </a:r>
+            <a:endParaRPr lang="zh-TW" altLang="en-US" dirty="0"/>
+          </a:p>
+        </p:txBody>
+      </p:sp>
+      <p:pic>
+        <p:nvPicPr>
+          <p:cNvPr id="4" name="內容版面配置區 5">
+            <a:extLst>
+              <a:ext uri="{FF2B5EF4-FFF2-40B4-BE49-F238E27FC236}">
+                <a16:creationId xmlns:a16="http://schemas.microsoft.com/office/drawing/2014/main" id="{AA665594-37A9-42EF-8E43-D100CB90C5E6}"/>
+              </a:ext>
+            </a:extLst>
+          </p:cNvPr>
+          <p:cNvPicPr>
+            <a:picLocks noChangeAspect="1"/>
+          </p:cNvPicPr>
+          <p:nvPr/>
+        </p:nvPicPr>
+        <p:blipFill>
+          <a:blip r:embed="rId2"/>
+          <a:stretch>
+            <a:fillRect/>
+          </a:stretch>
+        </p:blipFill>
+        <p:spPr>
+          <a:xfrm>
+            <a:off x="6096000" y="1448686"/>
+            <a:ext cx="5751502" cy="5044189"/>
+          </a:xfrm>
+          <a:prstGeom prst="rect">
+            <a:avLst/>
+          </a:prstGeom>
+        </p:spPr>
+      </p:pic>
+      <p:pic>
+        <p:nvPicPr>
+          <p:cNvPr id="5" name="圖片 4">
+            <a:extLst>
+              <a:ext uri="{FF2B5EF4-FFF2-40B4-BE49-F238E27FC236}">
+                <a16:creationId xmlns:a16="http://schemas.microsoft.com/office/drawing/2014/main" id="{761D3EF8-7BD4-479B-B79D-60EFA6F73DFB}"/>
+              </a:ext>
+            </a:extLst>
+          </p:cNvPr>
+          <p:cNvPicPr>
+            <a:picLocks noChangeAspect="1"/>
+          </p:cNvPicPr>
+          <p:nvPr/>
+        </p:nvPicPr>
+        <p:blipFill>
+          <a:blip r:embed="rId3"/>
+          <a:stretch>
+            <a:fillRect/>
+          </a:stretch>
+        </p:blipFill>
+        <p:spPr>
+          <a:xfrm>
+            <a:off x="838200" y="1801308"/>
+            <a:ext cx="4725059" cy="4039164"/>
+          </a:xfrm>
+          <a:prstGeom prst="rect">
+            <a:avLst/>
+          </a:prstGeom>
+        </p:spPr>
+      </p:pic>
+    </p:spTree>
+    <p:extLst>
+      <p:ext uri="{BB962C8B-B14F-4D97-AF65-F5344CB8AC3E}">
+        <p14:creationId xmlns:p14="http://schemas.microsoft.com/office/powerpoint/2010/main" val="3650332072"/>
+      </p:ext>
+    </p:extLst>
+  </p:cSld>
+  <p:clrMapOvr>
+    <a:masterClrMapping/>
+  </p:clrMapOvr>
+</p:sld>
+</file>
+
+<file path=ppt/slides/slide32.xml><?xml version="1.0" encoding="utf-8"?>
 <p:sld xmlns:a="http://schemas.openxmlformats.org/drawingml/2006/main" xmlns:r="http://schemas.openxmlformats.org/officeDocument/2006/relationships" xmlns:p="http://schemas.openxmlformats.org/presentationml/2006/main">
   <p:cSld>
     <p:spTree>
@@ -5810,7 +9214,7 @@
 </p:sld>
 </file>
 
-<file path=ppt/slides/slide2.xml><?xml version="1.0" encoding="utf-8"?>
+<file path=ppt/slides/slide33.xml><?xml version="1.0" encoding="utf-8"?>
 <p:sld xmlns:a="http://schemas.openxmlformats.org/drawingml/2006/main" xmlns:r="http://schemas.openxmlformats.org/officeDocument/2006/relationships" xmlns:p="http://schemas.openxmlformats.org/presentationml/2006/main">
   <p:cSld>
     <p:spTree>
@@ -5843,115 +9247,6 @@
           <a:lstStyle/>
           <a:p>
             <a:r>
-              <a:rPr lang="en-US" altLang="zh-TW" b="1" dirty="0"/>
-              <a:t>Lab A (Interface synthesis)</a:t>
-            </a:r>
-            <a:endParaRPr lang="zh-TW" altLang="en-US" b="1" dirty="0"/>
-          </a:p>
-        </p:txBody>
-      </p:sp>
-      <p:sp>
-        <p:nvSpPr>
-          <p:cNvPr id="3" name="內容版面配置區 2"/>
-          <p:cNvSpPr>
-            <a:spLocks noGrp="1"/>
-          </p:cNvSpPr>
-          <p:nvPr>
-            <p:ph idx="1"/>
-          </p:nvPr>
-        </p:nvSpPr>
-        <p:spPr/>
-        <p:txBody>
-          <a:bodyPr/>
-          <a:lstStyle/>
-          <a:p>
-            <a:r>
-              <a:rPr lang="en-US" altLang="zh-TW" dirty="0"/>
-              <a:t>Lab 1 Block-Level Protocol</a:t>
-            </a:r>
-          </a:p>
-          <a:p>
-            <a:pPr lvl="1"/>
-            <a:endParaRPr lang="en-US" altLang="zh-TW" dirty="0"/>
-          </a:p>
-          <a:p>
-            <a:r>
-              <a:rPr lang="en-US" altLang="zh-TW" dirty="0"/>
-              <a:t>Lab 2 Port-Level Protocol</a:t>
-            </a:r>
-          </a:p>
-          <a:p>
-            <a:pPr lvl="1"/>
-            <a:endParaRPr lang="en-US" altLang="zh-TW" dirty="0"/>
-          </a:p>
-          <a:p>
-            <a:r>
-              <a:rPr lang="en-US" altLang="zh-TW" dirty="0"/>
-              <a:t>Lab 3 Array Interface </a:t>
-            </a:r>
-          </a:p>
-          <a:p>
-            <a:pPr lvl="1"/>
-            <a:endParaRPr lang="en-US" altLang="zh-TW" dirty="0"/>
-          </a:p>
-          <a:p>
-            <a:r>
-              <a:rPr lang="en-US" altLang="zh-TW" dirty="0"/>
-              <a:t>Lab 4 AXI Interface</a:t>
-            </a:r>
-          </a:p>
-          <a:p>
-            <a:pPr lvl="1"/>
-            <a:endParaRPr lang="zh-TW" altLang="en-US" dirty="0"/>
-          </a:p>
-        </p:txBody>
-      </p:sp>
-    </p:spTree>
-    <p:extLst>
-      <p:ext uri="{BB962C8B-B14F-4D97-AF65-F5344CB8AC3E}">
-        <p14:creationId xmlns:p14="http://schemas.microsoft.com/office/powerpoint/2010/main" val="1039410703"/>
-      </p:ext>
-    </p:extLst>
-  </p:cSld>
-  <p:clrMapOvr>
-    <a:masterClrMapping/>
-  </p:clrMapOvr>
-</p:sld>
-</file>
-
-<file path=ppt/slides/slide20.xml><?xml version="1.0" encoding="utf-8"?>
-<p:sld xmlns:a="http://schemas.openxmlformats.org/drawingml/2006/main" xmlns:r="http://schemas.openxmlformats.org/officeDocument/2006/relationships" xmlns:p="http://schemas.openxmlformats.org/presentationml/2006/main">
-  <p:cSld>
-    <p:spTree>
-      <p:nvGrpSpPr>
-        <p:cNvPr id="1" name=""/>
-        <p:cNvGrpSpPr/>
-        <p:nvPr/>
-      </p:nvGrpSpPr>
-      <p:grpSpPr>
-        <a:xfrm>
-          <a:off x="0" y="0"/>
-          <a:ext cx="0" cy="0"/>
-          <a:chOff x="0" y="0"/>
-          <a:chExt cx="0" cy="0"/>
-        </a:xfrm>
-      </p:grpSpPr>
-      <p:sp>
-        <p:nvSpPr>
-          <p:cNvPr id="2" name="標題 1"/>
-          <p:cNvSpPr>
-            <a:spLocks noGrp="1"/>
-          </p:cNvSpPr>
-          <p:nvPr>
-            <p:ph type="title"/>
-          </p:nvPr>
-        </p:nvSpPr>
-        <p:spPr/>
-        <p:txBody>
-          <a:bodyPr/>
-          <a:lstStyle/>
-          <a:p>
-            <a:r>
               <a:rPr lang="en-US" altLang="zh-TW" dirty="0"/>
               <a:t>Block </a:t>
             </a:r>
@@ -6012,7 +9307,7 @@
 </p:sld>
 </file>
 
-<file path=ppt/slides/slide21.xml><?xml version="1.0" encoding="utf-8"?>
+<file path=ppt/slides/slide34.xml><?xml version="1.0" encoding="utf-8"?>
 <p:sld xmlns:a="http://schemas.openxmlformats.org/drawingml/2006/main" xmlns:r="http://schemas.openxmlformats.org/officeDocument/2006/relationships" xmlns:p="http://schemas.openxmlformats.org/presentationml/2006/main">
   <p:cSld>
     <p:spTree>
@@ -6092,7 +9387,7 @@
 </p:sld>
 </file>
 
-<file path=ppt/slides/slide22.xml><?xml version="1.0" encoding="utf-8"?>
+<file path=ppt/slides/slide35.xml><?xml version="1.0" encoding="utf-8"?>
 <p:sld xmlns:a="http://schemas.openxmlformats.org/drawingml/2006/main" xmlns:r="http://schemas.openxmlformats.org/officeDocument/2006/relationships" xmlns:p="http://schemas.openxmlformats.org/presentationml/2006/main">
   <p:cSld>
     <p:spTree>
@@ -6149,7 +9444,7 @@
           <a:p>
             <a:r>
               <a:rPr lang="en-US" altLang="zh-TW" dirty="0"/>
-              <a:t>In this lab, we set the interface as AXI4-stream.</a:t>
+              <a:t>In this lab, we try to set up the optimal design. Setting the interface as AXI4-stream. </a:t>
             </a:r>
           </a:p>
           <a:p>
@@ -6202,7 +9497,756 @@
 </p:sld>
 </file>
 
-<file path=ppt/slides/slide23.xml><?xml version="1.0" encoding="utf-8"?>
+<file path=ppt/slides/slide36.xml><?xml version="1.0" encoding="utf-8"?>
+<p:sld xmlns:a="http://schemas.openxmlformats.org/drawingml/2006/main" xmlns:r="http://schemas.openxmlformats.org/officeDocument/2006/relationships" xmlns:p="http://schemas.openxmlformats.org/presentationml/2006/main">
+  <p:cSld>
+    <p:spTree>
+      <p:nvGrpSpPr>
+        <p:cNvPr id="1" name=""/>
+        <p:cNvGrpSpPr/>
+        <p:nvPr/>
+      </p:nvGrpSpPr>
+      <p:grpSpPr>
+        <a:xfrm>
+          <a:off x="0" y="0"/>
+          <a:ext cx="0" cy="0"/>
+          <a:chOff x="0" y="0"/>
+          <a:chExt cx="0" cy="0"/>
+        </a:xfrm>
+      </p:grpSpPr>
+      <p:sp>
+        <p:nvSpPr>
+          <p:cNvPr id="2" name="標題 1">
+            <a:extLst>
+              <a:ext uri="{FF2B5EF4-FFF2-40B4-BE49-F238E27FC236}">
+                <a16:creationId xmlns:a16="http://schemas.microsoft.com/office/drawing/2014/main" id="{224154CC-18D9-4D1C-80FE-BE5EF108FB19}"/>
+              </a:ext>
+            </a:extLst>
+          </p:cNvPr>
+          <p:cNvSpPr>
+            <a:spLocks noGrp="1"/>
+          </p:cNvSpPr>
+          <p:nvPr>
+            <p:ph type="title"/>
+          </p:nvPr>
+        </p:nvSpPr>
+        <p:spPr/>
+        <p:txBody>
+          <a:bodyPr/>
+          <a:lstStyle/>
+          <a:p>
+            <a:r>
+              <a:rPr lang="en-US" altLang="zh-TW" dirty="0"/>
+              <a:t>Lab4 procedure</a:t>
+            </a:r>
+            <a:endParaRPr lang="zh-TW" altLang="en-US" dirty="0"/>
+          </a:p>
+        </p:txBody>
+      </p:sp>
+      <p:sp>
+        <p:nvSpPr>
+          <p:cNvPr id="3" name="內容版面配置區 2">
+            <a:extLst>
+              <a:ext uri="{FF2B5EF4-FFF2-40B4-BE49-F238E27FC236}">
+                <a16:creationId xmlns:a16="http://schemas.microsoft.com/office/drawing/2014/main" id="{A5273AF8-EA55-4453-A41A-BA294F2F1B7B}"/>
+              </a:ext>
+            </a:extLst>
+          </p:cNvPr>
+          <p:cNvSpPr>
+            <a:spLocks noGrp="1"/>
+          </p:cNvSpPr>
+          <p:nvPr>
+            <p:ph idx="1"/>
+          </p:nvPr>
+        </p:nvSpPr>
+        <p:spPr/>
+        <p:txBody>
+          <a:bodyPr/>
+          <a:lstStyle/>
+          <a:p>
+            <a:pPr marL="514350" indent="-514350">
+              <a:buAutoNum type="arabicPeriod"/>
+            </a:pPr>
+            <a:r>
+              <a:rPr lang="en-US" altLang="zh-TW" dirty="0"/>
+              <a:t>Use same steps from 1 to 4 as lab1. </a:t>
+            </a:r>
+          </a:p>
+          <a:p>
+            <a:pPr marL="514350" indent="-514350">
+              <a:buAutoNum type="arabicPeriod"/>
+            </a:pPr>
+            <a:r>
+              <a:rPr lang="en-US" altLang="zh-TW" dirty="0"/>
+              <a:t>Set </a:t>
+            </a:r>
+            <a:r>
+              <a:rPr lang="zh-TW" altLang="en-US" dirty="0"/>
+              <a:t> </a:t>
+            </a:r>
+            <a:r>
+              <a:rPr lang="en-US" altLang="zh-TW" dirty="0"/>
+              <a:t>the</a:t>
+            </a:r>
+            <a:r>
+              <a:rPr lang="zh-TW" altLang="en-US" dirty="0"/>
+              <a:t> </a:t>
+            </a:r>
+            <a:r>
+              <a:rPr lang="en-US" altLang="zh-TW" dirty="0"/>
+              <a:t>array</a:t>
+            </a:r>
+            <a:r>
+              <a:rPr lang="zh-TW" altLang="en-US" dirty="0"/>
+              <a:t> </a:t>
+            </a:r>
+            <a:r>
+              <a:rPr lang="en-US" altLang="zh-TW" dirty="0"/>
+              <a:t>partition</a:t>
+            </a:r>
+            <a:r>
+              <a:rPr lang="zh-TW" altLang="en-US" dirty="0"/>
+              <a:t> </a:t>
+            </a:r>
+            <a:r>
+              <a:rPr lang="en-US" altLang="zh-TW" dirty="0"/>
+              <a:t>of</a:t>
+            </a:r>
+            <a:r>
+              <a:rPr lang="zh-TW" altLang="en-US" dirty="0"/>
+              <a:t> </a:t>
+            </a:r>
+            <a:r>
+              <a:rPr lang="en-US" altLang="zh-TW" dirty="0" err="1"/>
+              <a:t>d_o</a:t>
+            </a:r>
+            <a:r>
+              <a:rPr lang="zh-TW" altLang="en-US" dirty="0"/>
+              <a:t> </a:t>
+            </a:r>
+            <a:r>
+              <a:rPr lang="en-US" altLang="zh-TW" dirty="0"/>
+              <a:t>as</a:t>
+            </a:r>
+            <a:r>
+              <a:rPr lang="zh-TW" altLang="en-US" dirty="0"/>
+              <a:t> </a:t>
+            </a:r>
+            <a:r>
+              <a:rPr lang="en-US" altLang="zh-TW" dirty="0"/>
+              <a:t>type = cyclic, factor = 8</a:t>
+            </a:r>
+          </a:p>
+          <a:p>
+            <a:pPr marL="514350" indent="-514350">
+              <a:buFont typeface="Arial" panose="020B0604020202020204" pitchFamily="34" charset="0"/>
+              <a:buAutoNum type="arabicPeriod"/>
+            </a:pPr>
+            <a:r>
+              <a:rPr lang="en-US" altLang="zh-TW" dirty="0"/>
+              <a:t>Set</a:t>
+            </a:r>
+            <a:r>
+              <a:rPr lang="zh-TW" altLang="en-US" dirty="0"/>
+              <a:t> </a:t>
+            </a:r>
+            <a:r>
+              <a:rPr lang="en-US" altLang="zh-TW" dirty="0"/>
+              <a:t>the</a:t>
+            </a:r>
+            <a:r>
+              <a:rPr lang="zh-TW" altLang="en-US" dirty="0"/>
+              <a:t> </a:t>
+            </a:r>
+            <a:r>
+              <a:rPr lang="en-US" altLang="zh-TW" dirty="0"/>
+              <a:t>array</a:t>
+            </a:r>
+            <a:r>
+              <a:rPr lang="zh-TW" altLang="en-US" dirty="0"/>
+              <a:t> </a:t>
+            </a:r>
+            <a:r>
+              <a:rPr lang="en-US" altLang="zh-TW" dirty="0"/>
+              <a:t>partition</a:t>
+            </a:r>
+            <a:r>
+              <a:rPr lang="zh-TW" altLang="en-US" dirty="0"/>
+              <a:t> </a:t>
+            </a:r>
+            <a:r>
+              <a:rPr lang="en-US" altLang="zh-TW" dirty="0"/>
+              <a:t>of</a:t>
+            </a:r>
+            <a:r>
+              <a:rPr lang="zh-TW" altLang="en-US" dirty="0"/>
+              <a:t> </a:t>
+            </a:r>
+            <a:r>
+              <a:rPr lang="en-US" altLang="zh-TW" dirty="0" err="1"/>
+              <a:t>d_i</a:t>
+            </a:r>
+            <a:r>
+              <a:rPr lang="zh-TW" altLang="en-US" dirty="0"/>
+              <a:t> </a:t>
+            </a:r>
+            <a:r>
+              <a:rPr lang="en-US" altLang="zh-TW" dirty="0"/>
+              <a:t>as</a:t>
+            </a:r>
+            <a:r>
+              <a:rPr lang="zh-TW" altLang="en-US" dirty="0"/>
+              <a:t> </a:t>
+            </a:r>
+            <a:r>
+              <a:rPr lang="en-US" altLang="zh-TW" dirty="0"/>
+              <a:t>type = cyclic, factor = 8</a:t>
+            </a:r>
+          </a:p>
+          <a:p>
+            <a:pPr marL="514350" indent="-514350">
+              <a:buAutoNum type="arabicPeriod"/>
+            </a:pPr>
+            <a:r>
+              <a:rPr lang="en-US" altLang="zh-TW" dirty="0"/>
+              <a:t>Set the interface of </a:t>
+            </a:r>
+            <a:r>
+              <a:rPr lang="en-US" altLang="zh-TW" dirty="0" err="1"/>
+              <a:t>d_o</a:t>
+            </a:r>
+            <a:r>
+              <a:rPr lang="en-US" altLang="zh-TW" dirty="0"/>
+              <a:t> and </a:t>
+            </a:r>
+            <a:r>
+              <a:rPr lang="en-US" altLang="zh-TW" dirty="0" err="1"/>
+              <a:t>d_i</a:t>
+            </a:r>
+            <a:r>
+              <a:rPr lang="en-US" altLang="zh-TW" dirty="0"/>
+              <a:t> as mode = axis</a:t>
+            </a:r>
+          </a:p>
+          <a:p>
+            <a:pPr marL="514350" indent="-514350">
+              <a:buAutoNum type="arabicPeriod"/>
+            </a:pPr>
+            <a:r>
+              <a:rPr lang="en-US" altLang="zh-TW" dirty="0"/>
+              <a:t>Insert the directive of for loop as unroll and the factor = 8.</a:t>
+            </a:r>
+          </a:p>
+          <a:p>
+            <a:pPr marL="514350" indent="-514350">
+              <a:buFont typeface="Arial" panose="020B0604020202020204" pitchFamily="34" charset="0"/>
+              <a:buAutoNum type="arabicPeriod"/>
+            </a:pPr>
+            <a:r>
+              <a:rPr lang="en-US" altLang="zh-TW" dirty="0"/>
+              <a:t>Insert the directive of for loop as PIPELINE and rewind.</a:t>
+            </a:r>
+          </a:p>
+          <a:p>
+            <a:pPr marL="514350" indent="-514350">
+              <a:buFont typeface="Arial" panose="020B0604020202020204" pitchFamily="34" charset="0"/>
+              <a:buAutoNum type="arabicPeriod"/>
+            </a:pPr>
+            <a:r>
+              <a:rPr lang="en-US" altLang="zh-TW" dirty="0"/>
+              <a:t>C simulation      C Synthesis     </a:t>
+            </a:r>
+            <a:r>
+              <a:rPr lang="en-US" altLang="zh-TW" dirty="0" err="1"/>
+              <a:t>Cosimulation</a:t>
+            </a:r>
+            <a:r>
+              <a:rPr lang="en-US" altLang="zh-TW" dirty="0"/>
+              <a:t> </a:t>
+            </a:r>
+          </a:p>
+          <a:p>
+            <a:pPr marL="514350" indent="-514350">
+              <a:buAutoNum type="arabicPeriod"/>
+            </a:pPr>
+            <a:endParaRPr lang="en-US" altLang="zh-TW" dirty="0"/>
+          </a:p>
+          <a:p>
+            <a:pPr marL="514350" indent="-514350">
+              <a:buAutoNum type="arabicPeriod"/>
+            </a:pPr>
+            <a:endParaRPr lang="en-US" altLang="zh-TW" dirty="0"/>
+          </a:p>
+          <a:p>
+            <a:pPr marL="514350" indent="-514350">
+              <a:buAutoNum type="arabicPeriod"/>
+            </a:pPr>
+            <a:endParaRPr lang="en-US" altLang="zh-TW" dirty="0"/>
+          </a:p>
+        </p:txBody>
+      </p:sp>
+      <p:sp>
+        <p:nvSpPr>
+          <p:cNvPr id="4" name="箭號: 向右 3">
+            <a:extLst>
+              <a:ext uri="{FF2B5EF4-FFF2-40B4-BE49-F238E27FC236}">
+                <a16:creationId xmlns:a16="http://schemas.microsoft.com/office/drawing/2014/main" id="{C0B7E7D4-1389-4D32-91D1-6A1DE48BFFF7}"/>
+              </a:ext>
+            </a:extLst>
+          </p:cNvPr>
+          <p:cNvSpPr/>
+          <p:nvPr/>
+        </p:nvSpPr>
+        <p:spPr>
+          <a:xfrm>
+            <a:off x="3331472" y="4997337"/>
+            <a:ext cx="283028" cy="228600"/>
+          </a:xfrm>
+          <a:prstGeom prst="rightArrow">
+            <a:avLst/>
+          </a:prstGeom>
+          <a:solidFill>
+            <a:schemeClr val="tx1"/>
+          </a:solidFill>
+          <a:ln>
+            <a:solidFill>
+              <a:schemeClr val="tx1"/>
+            </a:solidFill>
+          </a:ln>
+        </p:spPr>
+        <p:style>
+          <a:lnRef idx="2">
+            <a:schemeClr val="accent1">
+              <a:shade val="50000"/>
+            </a:schemeClr>
+          </a:lnRef>
+          <a:fillRef idx="1">
+            <a:schemeClr val="accent1"/>
+          </a:fillRef>
+          <a:effectRef idx="0">
+            <a:schemeClr val="accent1"/>
+          </a:effectRef>
+          <a:fontRef idx="minor">
+            <a:schemeClr val="lt1"/>
+          </a:fontRef>
+        </p:style>
+        <p:txBody>
+          <a:bodyPr rtlCol="0" anchor="ctr"/>
+          <a:lstStyle/>
+          <a:p>
+            <a:pPr algn="ctr"/>
+            <a:endParaRPr lang="zh-TW" altLang="en-US"/>
+          </a:p>
+        </p:txBody>
+      </p:sp>
+      <p:sp>
+        <p:nvSpPr>
+          <p:cNvPr id="5" name="箭號: 向右 4">
+            <a:extLst>
+              <a:ext uri="{FF2B5EF4-FFF2-40B4-BE49-F238E27FC236}">
+                <a16:creationId xmlns:a16="http://schemas.microsoft.com/office/drawing/2014/main" id="{CA4B0297-DB8D-4069-973B-2D4501DC5C43}"/>
+              </a:ext>
+            </a:extLst>
+          </p:cNvPr>
+          <p:cNvSpPr/>
+          <p:nvPr/>
+        </p:nvSpPr>
+        <p:spPr>
+          <a:xfrm>
+            <a:off x="5388872" y="4997337"/>
+            <a:ext cx="283028" cy="228600"/>
+          </a:xfrm>
+          <a:prstGeom prst="rightArrow">
+            <a:avLst/>
+          </a:prstGeom>
+          <a:solidFill>
+            <a:schemeClr val="tx1"/>
+          </a:solidFill>
+          <a:ln>
+            <a:solidFill>
+              <a:schemeClr val="tx1"/>
+            </a:solidFill>
+          </a:ln>
+        </p:spPr>
+        <p:style>
+          <a:lnRef idx="2">
+            <a:schemeClr val="accent1">
+              <a:shade val="50000"/>
+            </a:schemeClr>
+          </a:lnRef>
+          <a:fillRef idx="1">
+            <a:schemeClr val="accent1"/>
+          </a:fillRef>
+          <a:effectRef idx="0">
+            <a:schemeClr val="accent1"/>
+          </a:effectRef>
+          <a:fontRef idx="minor">
+            <a:schemeClr val="lt1"/>
+          </a:fontRef>
+        </p:style>
+        <p:txBody>
+          <a:bodyPr rtlCol="0" anchor="ctr"/>
+          <a:lstStyle/>
+          <a:p>
+            <a:pPr algn="ctr"/>
+            <a:endParaRPr lang="zh-TW" altLang="en-US"/>
+          </a:p>
+        </p:txBody>
+      </p:sp>
+    </p:spTree>
+    <p:extLst>
+      <p:ext uri="{BB962C8B-B14F-4D97-AF65-F5344CB8AC3E}">
+        <p14:creationId xmlns:p14="http://schemas.microsoft.com/office/powerpoint/2010/main" val="4097962188"/>
+      </p:ext>
+    </p:extLst>
+  </p:cSld>
+  <p:clrMapOvr>
+    <a:masterClrMapping/>
+  </p:clrMapOvr>
+</p:sld>
+</file>
+
+<file path=ppt/slides/slide37.xml><?xml version="1.0" encoding="utf-8"?>
+<p:sld xmlns:a="http://schemas.openxmlformats.org/drawingml/2006/main" xmlns:r="http://schemas.openxmlformats.org/officeDocument/2006/relationships" xmlns:p="http://schemas.openxmlformats.org/presentationml/2006/main">
+  <p:cSld>
+    <p:spTree>
+      <p:nvGrpSpPr>
+        <p:cNvPr id="1" name=""/>
+        <p:cNvGrpSpPr/>
+        <p:nvPr/>
+      </p:nvGrpSpPr>
+      <p:grpSpPr>
+        <a:xfrm>
+          <a:off x="0" y="0"/>
+          <a:ext cx="0" cy="0"/>
+          <a:chOff x="0" y="0"/>
+          <a:chExt cx="0" cy="0"/>
+        </a:xfrm>
+      </p:grpSpPr>
+      <p:sp>
+        <p:nvSpPr>
+          <p:cNvPr id="3" name="內容版面配置區 2">
+            <a:extLst>
+              <a:ext uri="{FF2B5EF4-FFF2-40B4-BE49-F238E27FC236}">
+                <a16:creationId xmlns:a16="http://schemas.microsoft.com/office/drawing/2014/main" id="{BBFCB009-B2C3-4B7D-B744-7EA56E41F76C}"/>
+              </a:ext>
+            </a:extLst>
+          </p:cNvPr>
+          <p:cNvSpPr>
+            <a:spLocks noGrp="1"/>
+          </p:cNvSpPr>
+          <p:nvPr>
+            <p:ph idx="1"/>
+          </p:nvPr>
+        </p:nvSpPr>
+        <p:spPr>
+          <a:xfrm>
+            <a:off x="838200" y="1253331"/>
+            <a:ext cx="10515600" cy="4351338"/>
+          </a:xfrm>
+        </p:spPr>
+        <p:txBody>
+          <a:bodyPr/>
+          <a:lstStyle/>
+          <a:p>
+            <a:pPr marL="0" indent="0">
+              <a:buNone/>
+            </a:pPr>
+            <a:r>
+              <a:rPr lang="en-US" altLang="zh-TW" dirty="0"/>
+              <a:t>8.   Insert the directive of top function as </a:t>
+            </a:r>
+            <a:r>
+              <a:rPr lang="en-US" altLang="zh-TW" dirty="0" err="1"/>
+              <a:t>s_axilite</a:t>
+            </a:r>
+            <a:endParaRPr lang="en-US" altLang="zh-TW" dirty="0"/>
+          </a:p>
+          <a:p>
+            <a:pPr marL="514350" indent="-514350">
+              <a:buAutoNum type="arabicPeriod" startAt="9"/>
+            </a:pPr>
+            <a:r>
+              <a:rPr lang="en-US" altLang="zh-TW" dirty="0"/>
+              <a:t>Export RTL</a:t>
+            </a:r>
+            <a:r>
+              <a:rPr lang="zh-TW" altLang="en-US" dirty="0"/>
+              <a:t> </a:t>
+            </a:r>
+            <a:r>
+              <a:rPr lang="en-US" altLang="zh-TW" dirty="0"/>
+              <a:t>to create IP Package</a:t>
+            </a:r>
+          </a:p>
+          <a:p>
+            <a:pPr marL="514350" indent="-514350">
+              <a:buAutoNum type="arabicPeriod" startAt="9"/>
+            </a:pPr>
+            <a:r>
+              <a:rPr lang="en-US" altLang="zh-TW" dirty="0"/>
+              <a:t>Open the </a:t>
+            </a:r>
+            <a:r>
+              <a:rPr lang="en-US" altLang="zh-TW" dirty="0" err="1"/>
+              <a:t>hw.h</a:t>
+            </a:r>
+            <a:r>
+              <a:rPr lang="en-US" altLang="zh-TW" dirty="0"/>
+              <a:t> file</a:t>
+            </a:r>
+            <a:endParaRPr lang="zh-TW" altLang="en-US" dirty="0"/>
+          </a:p>
+        </p:txBody>
+      </p:sp>
+    </p:spTree>
+    <p:extLst>
+      <p:ext uri="{BB962C8B-B14F-4D97-AF65-F5344CB8AC3E}">
+        <p14:creationId xmlns:p14="http://schemas.microsoft.com/office/powerpoint/2010/main" val="4019747717"/>
+      </p:ext>
+    </p:extLst>
+  </p:cSld>
+  <p:clrMapOvr>
+    <a:masterClrMapping/>
+  </p:clrMapOvr>
+</p:sld>
+</file>
+
+<file path=ppt/slides/slide38.xml><?xml version="1.0" encoding="utf-8"?>
+<p:sld xmlns:a="http://schemas.openxmlformats.org/drawingml/2006/main" xmlns:r="http://schemas.openxmlformats.org/officeDocument/2006/relationships" xmlns:p="http://schemas.openxmlformats.org/presentationml/2006/main">
+  <p:cSld>
+    <p:spTree>
+      <p:nvGrpSpPr>
+        <p:cNvPr id="1" name=""/>
+        <p:cNvGrpSpPr/>
+        <p:nvPr/>
+      </p:nvGrpSpPr>
+      <p:grpSpPr>
+        <a:xfrm>
+          <a:off x="0" y="0"/>
+          <a:ext cx="0" cy="0"/>
+          <a:chOff x="0" y="0"/>
+          <a:chExt cx="0" cy="0"/>
+        </a:xfrm>
+      </p:grpSpPr>
+      <p:pic>
+        <p:nvPicPr>
+          <p:cNvPr id="5" name="圖片 4">
+            <a:extLst>
+              <a:ext uri="{FF2B5EF4-FFF2-40B4-BE49-F238E27FC236}">
+                <a16:creationId xmlns:a16="http://schemas.microsoft.com/office/drawing/2014/main" id="{D8905D3A-3D42-4B0C-9D6A-1F96CC688ED6}"/>
+              </a:ext>
+            </a:extLst>
+          </p:cNvPr>
+          <p:cNvPicPr>
+            <a:picLocks noChangeAspect="1"/>
+          </p:cNvPicPr>
+          <p:nvPr/>
+        </p:nvPicPr>
+        <p:blipFill>
+          <a:blip r:embed="rId2"/>
+          <a:stretch>
+            <a:fillRect/>
+          </a:stretch>
+        </p:blipFill>
+        <p:spPr>
+          <a:xfrm>
+            <a:off x="1652206" y="534512"/>
+            <a:ext cx="3048425" cy="5468113"/>
+          </a:xfrm>
+          <a:prstGeom prst="rect">
+            <a:avLst/>
+          </a:prstGeom>
+        </p:spPr>
+      </p:pic>
+      <p:pic>
+        <p:nvPicPr>
+          <p:cNvPr id="6" name="圖片 5">
+            <a:extLst>
+              <a:ext uri="{FF2B5EF4-FFF2-40B4-BE49-F238E27FC236}">
+                <a16:creationId xmlns:a16="http://schemas.microsoft.com/office/drawing/2014/main" id="{4D81F281-5767-4CA4-A3B9-FA5834D1F899}"/>
+              </a:ext>
+            </a:extLst>
+          </p:cNvPr>
+          <p:cNvPicPr>
+            <a:picLocks noChangeAspect="1"/>
+          </p:cNvPicPr>
+          <p:nvPr/>
+        </p:nvPicPr>
+        <p:blipFill>
+          <a:blip r:embed="rId3"/>
+          <a:stretch>
+            <a:fillRect/>
+          </a:stretch>
+        </p:blipFill>
+        <p:spPr>
+          <a:xfrm>
+            <a:off x="7758583" y="541719"/>
+            <a:ext cx="3057952" cy="5115639"/>
+          </a:xfrm>
+          <a:prstGeom prst="rect">
+            <a:avLst/>
+          </a:prstGeom>
+        </p:spPr>
+      </p:pic>
+      <p:pic>
+        <p:nvPicPr>
+          <p:cNvPr id="7" name="圖片 6">
+            <a:extLst>
+              <a:ext uri="{FF2B5EF4-FFF2-40B4-BE49-F238E27FC236}">
+                <a16:creationId xmlns:a16="http://schemas.microsoft.com/office/drawing/2014/main" id="{9EAE074D-1E7D-4034-8472-A2AA291CA2C4}"/>
+              </a:ext>
+            </a:extLst>
+          </p:cNvPr>
+          <p:cNvPicPr>
+            <a:picLocks noChangeAspect="1"/>
+          </p:cNvPicPr>
+          <p:nvPr/>
+        </p:nvPicPr>
+        <p:blipFill>
+          <a:blip r:embed="rId4"/>
+          <a:stretch>
+            <a:fillRect/>
+          </a:stretch>
+        </p:blipFill>
+        <p:spPr>
+          <a:xfrm>
+            <a:off x="4672052" y="534512"/>
+            <a:ext cx="3086531" cy="5153744"/>
+          </a:xfrm>
+          <a:prstGeom prst="rect">
+            <a:avLst/>
+          </a:prstGeom>
+        </p:spPr>
+      </p:pic>
+      <p:pic>
+        <p:nvPicPr>
+          <p:cNvPr id="4" name="內容版面配置區 3">
+            <a:extLst>
+              <a:ext uri="{FF2B5EF4-FFF2-40B4-BE49-F238E27FC236}">
+                <a16:creationId xmlns:a16="http://schemas.microsoft.com/office/drawing/2014/main" id="{184B1EDD-5883-45BF-AC3A-5D679FB43260}"/>
+              </a:ext>
+            </a:extLst>
+          </p:cNvPr>
+          <p:cNvPicPr>
+            <a:picLocks noGrp="1" noChangeAspect="1"/>
+          </p:cNvPicPr>
+          <p:nvPr>
+            <p:ph idx="1"/>
+          </p:nvPr>
+        </p:nvPicPr>
+        <p:blipFill rotWithShape="1">
+          <a:blip r:embed="rId5"/>
+          <a:srcRect r="22775"/>
+          <a:stretch/>
+        </p:blipFill>
+        <p:spPr>
+          <a:xfrm>
+            <a:off x="4092899" y="2077777"/>
+            <a:ext cx="4244835" cy="2381582"/>
+          </a:xfrm>
+          <a:prstGeom prst="rect">
+            <a:avLst/>
+          </a:prstGeom>
+        </p:spPr>
+      </p:pic>
+    </p:spTree>
+    <p:extLst>
+      <p:ext uri="{BB962C8B-B14F-4D97-AF65-F5344CB8AC3E}">
+        <p14:creationId xmlns:p14="http://schemas.microsoft.com/office/powerpoint/2010/main" val="1064511702"/>
+      </p:ext>
+    </p:extLst>
+  </p:cSld>
+  <p:clrMapOvr>
+    <a:masterClrMapping/>
+  </p:clrMapOvr>
+  <p:timing>
+    <p:tnLst>
+      <p:par>
+        <p:cTn id="1" dur="indefinite" restart="never" nodeType="tmRoot">
+          <p:childTnLst>
+            <p:seq concurrent="1" nextAc="seek">
+              <p:cTn id="2" dur="indefinite" nodeType="mainSeq">
+                <p:childTnLst>
+                  <p:par>
+                    <p:cTn id="3" fill="hold">
+                      <p:stCondLst>
+                        <p:cond delay="indefinite"/>
+                      </p:stCondLst>
+                      <p:childTnLst>
+                        <p:par>
+                          <p:cTn id="4" fill="hold">
+                            <p:stCondLst>
+                              <p:cond delay="0"/>
+                            </p:stCondLst>
+                            <p:childTnLst>
+                              <p:par>
+                                <p:cTn id="5" presetID="10" presetClass="entr" presetSubtype="0" fill="hold" nodeType="clickEffect">
+                                  <p:stCondLst>
+                                    <p:cond delay="0"/>
+                                  </p:stCondLst>
+                                  <p:childTnLst>
+                                    <p:set>
+                                      <p:cBhvr>
+                                        <p:cTn id="6" dur="1" fill="hold">
+                                          <p:stCondLst>
+                                            <p:cond delay="0"/>
+                                          </p:stCondLst>
+                                        </p:cTn>
+                                        <p:tgtEl>
+                                          <p:spTgt spid="4"/>
+                                        </p:tgtEl>
+                                        <p:attrNameLst>
+                                          <p:attrName>style.visibility</p:attrName>
+                                        </p:attrNameLst>
+                                      </p:cBhvr>
+                                      <p:to>
+                                        <p:strVal val="visible"/>
+                                      </p:to>
+                                    </p:set>
+                                    <p:animEffect transition="in" filter="fade">
+                                      <p:cBhvr>
+                                        <p:cTn id="7" dur="500"/>
+                                        <p:tgtEl>
+                                          <p:spTgt spid="4"/>
+                                        </p:tgtEl>
+                                      </p:cBhvr>
+                                    </p:animEffect>
+                                  </p:childTnLst>
+                                </p:cTn>
+                              </p:par>
+                            </p:childTnLst>
+                          </p:cTn>
+                        </p:par>
+                      </p:childTnLst>
+                    </p:cTn>
+                  </p:par>
+                </p:childTnLst>
+              </p:cTn>
+              <p:prevCondLst>
+                <p:cond evt="onPrev" delay="0">
+                  <p:tgtEl>
+                    <p:sldTgt/>
+                  </p:tgtEl>
+                </p:cond>
+              </p:prevCondLst>
+              <p:nextCondLst>
+                <p:cond evt="onNext" delay="0">
+                  <p:tgtEl>
+                    <p:sldTgt/>
+                  </p:tgtEl>
+                </p:cond>
+              </p:nextCondLst>
+            </p:seq>
+          </p:childTnLst>
+        </p:cTn>
+      </p:par>
+    </p:tnLst>
+  </p:timing>
+</p:sld>
+</file>
+
+<file path=ppt/slides/slide39.xml><?xml version="1.0" encoding="utf-8"?>
 <p:sld xmlns:a="http://schemas.openxmlformats.org/drawingml/2006/main" xmlns:r="http://schemas.openxmlformats.org/officeDocument/2006/relationships" xmlns:p="http://schemas.openxmlformats.org/presentationml/2006/main">
   <p:cSld>
     <p:spTree>
@@ -6282,7 +10326,7 @@
 </p:sld>
 </file>
 
-<file path=ppt/slides/slide24.xml><?xml version="1.0" encoding="utf-8"?>
+<file path=ppt/slides/slide4.xml><?xml version="1.0" encoding="utf-8"?>
 <p:sld xmlns:a="http://schemas.openxmlformats.org/drawingml/2006/main" xmlns:r="http://schemas.openxmlformats.org/officeDocument/2006/relationships" xmlns:p="http://schemas.openxmlformats.org/presentationml/2006/main">
   <p:cSld>
     <p:spTree>
@@ -6299,6 +10343,154 @@
           <a:chExt cx="0" cy="0"/>
         </a:xfrm>
       </p:grpSpPr>
+      <p:pic>
+        <p:nvPicPr>
+          <p:cNvPr id="4" name="內容版面配置區 3"/>
+          <p:cNvPicPr>
+            <a:picLocks noGrp="1" noChangeAspect="1"/>
+          </p:cNvPicPr>
+          <p:nvPr>
+            <p:ph idx="1"/>
+          </p:nvPr>
+        </p:nvPicPr>
+        <p:blipFill>
+          <a:blip r:embed="rId2"/>
+          <a:stretch>
+            <a:fillRect/>
+          </a:stretch>
+        </p:blipFill>
+        <p:spPr>
+          <a:xfrm>
+            <a:off x="939803" y="1124038"/>
+            <a:ext cx="10364646" cy="4239217"/>
+          </a:xfrm>
+          <a:prstGeom prst="rect">
+            <a:avLst/>
+          </a:prstGeom>
+        </p:spPr>
+      </p:pic>
+    </p:spTree>
+    <p:extLst>
+      <p:ext uri="{BB962C8B-B14F-4D97-AF65-F5344CB8AC3E}">
+        <p14:creationId xmlns:p14="http://schemas.microsoft.com/office/powerpoint/2010/main" val="3839706225"/>
+      </p:ext>
+    </p:extLst>
+  </p:cSld>
+  <p:clrMapOvr>
+    <a:masterClrMapping/>
+  </p:clrMapOvr>
+</p:sld>
+</file>
+
+<file path=ppt/slides/slide40.xml><?xml version="1.0" encoding="utf-8"?>
+<p:sld xmlns:a="http://schemas.openxmlformats.org/drawingml/2006/main" xmlns:r="http://schemas.openxmlformats.org/officeDocument/2006/relationships" xmlns:p="http://schemas.openxmlformats.org/presentationml/2006/main">
+  <p:cSld>
+    <p:spTree>
+      <p:nvGrpSpPr>
+        <p:cNvPr id="1" name=""/>
+        <p:cNvGrpSpPr/>
+        <p:nvPr/>
+      </p:nvGrpSpPr>
+      <p:grpSpPr>
+        <a:xfrm>
+          <a:off x="0" y="0"/>
+          <a:ext cx="0" cy="0"/>
+          <a:chOff x="0" y="0"/>
+          <a:chExt cx="0" cy="0"/>
+        </a:xfrm>
+      </p:grpSpPr>
+      <p:pic>
+        <p:nvPicPr>
+          <p:cNvPr id="4" name="內容版面配置區 3">
+            <a:extLst>
+              <a:ext uri="{FF2B5EF4-FFF2-40B4-BE49-F238E27FC236}">
+                <a16:creationId xmlns:a16="http://schemas.microsoft.com/office/drawing/2014/main" id="{E979C825-6043-410F-8F59-52B925B8729A}"/>
+              </a:ext>
+            </a:extLst>
+          </p:cNvPr>
+          <p:cNvPicPr>
+            <a:picLocks noGrp="1" noChangeAspect="1"/>
+          </p:cNvPicPr>
+          <p:nvPr>
+            <p:ph idx="1"/>
+          </p:nvPr>
+        </p:nvPicPr>
+        <p:blipFill>
+          <a:blip r:embed="rId2"/>
+          <a:stretch>
+            <a:fillRect/>
+          </a:stretch>
+        </p:blipFill>
+        <p:spPr>
+          <a:xfrm>
+            <a:off x="1120942" y="2066734"/>
+            <a:ext cx="4115374" cy="2724530"/>
+          </a:xfrm>
+          <a:prstGeom prst="rect">
+            <a:avLst/>
+          </a:prstGeom>
+        </p:spPr>
+      </p:pic>
+      <p:pic>
+        <p:nvPicPr>
+          <p:cNvPr id="5" name="圖片 4">
+            <a:extLst>
+              <a:ext uri="{FF2B5EF4-FFF2-40B4-BE49-F238E27FC236}">
+                <a16:creationId xmlns:a16="http://schemas.microsoft.com/office/drawing/2014/main" id="{81EEE695-F080-4064-BBE3-C3E1D2FED300}"/>
+              </a:ext>
+            </a:extLst>
+          </p:cNvPr>
+          <p:cNvPicPr>
+            <a:picLocks noChangeAspect="1"/>
+          </p:cNvPicPr>
+          <p:nvPr/>
+        </p:nvPicPr>
+        <p:blipFill>
+          <a:blip r:embed="rId3"/>
+          <a:stretch>
+            <a:fillRect/>
+          </a:stretch>
+        </p:blipFill>
+        <p:spPr>
+          <a:xfrm>
+            <a:off x="5774600" y="385337"/>
+            <a:ext cx="3886742" cy="6087325"/>
+          </a:xfrm>
+          <a:prstGeom prst="rect">
+            <a:avLst/>
+          </a:prstGeom>
+        </p:spPr>
+      </p:pic>
+    </p:spTree>
+    <p:extLst>
+      <p:ext uri="{BB962C8B-B14F-4D97-AF65-F5344CB8AC3E}">
+        <p14:creationId xmlns:p14="http://schemas.microsoft.com/office/powerpoint/2010/main" val="3445424134"/>
+      </p:ext>
+    </p:extLst>
+  </p:cSld>
+  <p:clrMapOvr>
+    <a:masterClrMapping/>
+  </p:clrMapOvr>
+</p:sld>
+</file>
+
+<file path=ppt/slides/slide41.xml><?xml version="1.0" encoding="utf-8"?>
+<p:sld xmlns:a="http://schemas.openxmlformats.org/drawingml/2006/main" xmlns:r="http://schemas.openxmlformats.org/officeDocument/2006/relationships" xmlns:p="http://schemas.openxmlformats.org/presentationml/2006/main">
+  <p:cSld>
+    <p:spTree>
+      <p:nvGrpSpPr>
+        <p:cNvPr id="1" name=""/>
+        <p:cNvGrpSpPr/>
+        <p:nvPr/>
+      </p:nvGrpSpPr>
+      <p:grpSpPr>
+        <a:xfrm>
+          <a:off x="0" y="0"/>
+          <a:ext cx="0" cy="0"/>
+          <a:chOff x="0" y="0"/>
+          <a:chExt cx="0" cy="0"/>
+        </a:xfrm>
+      </p:grpSpPr>
       <p:sp>
         <p:nvSpPr>
           <p:cNvPr id="2" name="標題 1"/>
@@ -6386,7 +10578,7 @@
 </p:sld>
 </file>
 
-<file path=ppt/slides/slide25.xml><?xml version="1.0" encoding="utf-8"?>
+<file path=ppt/slides/slide42.xml><?xml version="1.0" encoding="utf-8"?>
 <p:sld xmlns:a="http://schemas.openxmlformats.org/drawingml/2006/main" xmlns:r="http://schemas.openxmlformats.org/officeDocument/2006/relationships" xmlns:p="http://schemas.openxmlformats.org/presentationml/2006/main">
   <p:cSld>
     <p:spTree>
@@ -6645,7 +10837,7 @@
 </p:sld>
 </file>
 
-<file path=ppt/slides/slide3.xml><?xml version="1.0" encoding="utf-8"?>
+<file path=ppt/slides/slide5.xml><?xml version="1.0" encoding="utf-8"?>
 <p:sld xmlns:a="http://schemas.openxmlformats.org/drawingml/2006/main" xmlns:r="http://schemas.openxmlformats.org/officeDocument/2006/relationships" xmlns:p="http://schemas.openxmlformats.org/presentationml/2006/main">
   <p:cSld>
     <p:spTree>
@@ -6664,7 +10856,13 @@
       </p:grpSpPr>
       <p:sp>
         <p:nvSpPr>
-          <p:cNvPr id="2" name="標題 1"/>
+          <p:cNvPr id="2" name="標題 1">
+            <a:extLst>
+              <a:ext uri="{FF2B5EF4-FFF2-40B4-BE49-F238E27FC236}">
+                <a16:creationId xmlns:a16="http://schemas.microsoft.com/office/drawing/2014/main" id="{12F6E37E-14CC-4A72-9F93-E1512F42CD14}"/>
+              </a:ext>
+            </a:extLst>
+          </p:cNvPr>
           <p:cNvSpPr>
             <a:spLocks noGrp="1"/>
           </p:cNvSpPr>
@@ -6679,7 +10877,7 @@
           <a:p>
             <a:r>
               <a:rPr lang="en-US" altLang="zh-TW" dirty="0"/>
-              <a:t>Lab 1 (Block-level Protocol)</a:t>
+              <a:t>Lab1 procedure</a:t>
             </a:r>
             <a:endParaRPr lang="zh-TW" altLang="en-US" dirty="0"/>
           </a:p>
@@ -6687,7 +10885,13 @@
       </p:sp>
       <p:sp>
         <p:nvSpPr>
-          <p:cNvPr id="3" name="內容版面配置區 2"/>
+          <p:cNvPr id="3" name="內容版面配置區 2">
+            <a:extLst>
+              <a:ext uri="{FF2B5EF4-FFF2-40B4-BE49-F238E27FC236}">
+                <a16:creationId xmlns:a16="http://schemas.microsoft.com/office/drawing/2014/main" id="{2A62D144-5F37-49B8-874D-6C62003EDD1F}"/>
+              </a:ext>
+            </a:extLst>
+          </p:cNvPr>
           <p:cNvSpPr>
             <a:spLocks noGrp="1"/>
           </p:cNvSpPr>
@@ -6700,87 +10904,58 @@
           <a:bodyPr/>
           <a:lstStyle/>
           <a:p>
-            <a:r>
-              <a:rPr lang="en-US" altLang="zh-TW" dirty="0"/>
-              <a:t> The block-level I/O protocol control RTL design by the control signal. (Independent of data I/O ports)</a:t>
-            </a:r>
-          </a:p>
-          <a:p>
-            <a:endParaRPr lang="en-US" altLang="zh-TW" dirty="0"/>
-          </a:p>
-          <a:p>
-            <a:r>
-              <a:rPr lang="en-US" altLang="zh-TW" dirty="0"/>
-              <a:t> The block-level control ports contain </a:t>
-            </a:r>
-            <a:r>
-              <a:rPr lang="en-US" altLang="zh-TW" dirty="0" err="1">
-                <a:solidFill>
-                  <a:srgbClr val="FF0000"/>
-                </a:solidFill>
-              </a:rPr>
-              <a:t>ap_start</a:t>
-            </a:r>
-            <a:r>
-              <a:rPr lang="en-US" altLang="zh-TW" dirty="0"/>
-              <a:t>, </a:t>
-            </a:r>
-            <a:r>
-              <a:rPr lang="en-US" altLang="zh-TW" dirty="0" err="1">
-                <a:solidFill>
-                  <a:srgbClr val="FF0000"/>
-                </a:solidFill>
-              </a:rPr>
-              <a:t>ap_ready</a:t>
-            </a:r>
-            <a:r>
-              <a:rPr lang="en-US" altLang="zh-TW" dirty="0"/>
-              <a:t>, </a:t>
-            </a:r>
-            <a:r>
-              <a:rPr lang="en-US" altLang="zh-TW" dirty="0" err="1">
-                <a:solidFill>
-                  <a:srgbClr val="FF0000"/>
-                </a:solidFill>
-              </a:rPr>
-              <a:t>ap_done</a:t>
-            </a:r>
-            <a:r>
-              <a:rPr lang="en-US" altLang="zh-TW" dirty="0"/>
-              <a:t>, </a:t>
-            </a:r>
-            <a:r>
-              <a:rPr lang="en-US" altLang="zh-TW" dirty="0" err="1">
-                <a:solidFill>
-                  <a:srgbClr val="FF0000"/>
-                </a:solidFill>
-              </a:rPr>
-              <a:t>ap_idle</a:t>
-            </a:r>
-            <a:r>
-              <a:rPr lang="en-US" altLang="zh-TW" dirty="0"/>
-              <a:t>, and </a:t>
-            </a:r>
-            <a:r>
-              <a:rPr lang="en-US" altLang="zh-TW" dirty="0" err="1">
-                <a:solidFill>
-                  <a:srgbClr val="FF0000"/>
-                </a:solidFill>
-              </a:rPr>
-              <a:t>ap_continue</a:t>
-            </a:r>
-            <a:r>
-              <a:rPr lang="en-US" altLang="zh-TW" dirty="0"/>
-              <a:t>. </a:t>
+            <a:pPr marL="0" indent="0">
+              <a:buNone/>
+            </a:pPr>
+            <a:r>
+              <a:rPr lang="en-US" altLang="zh-TW" dirty="0"/>
+              <a:t>1. Open the </a:t>
+            </a:r>
+            <a:r>
+              <a:rPr lang="en-US" altLang="zh-TW" dirty="0" err="1"/>
+              <a:t>Vitis</a:t>
+            </a:r>
+            <a:r>
+              <a:rPr lang="en-US" altLang="zh-TW" dirty="0"/>
+              <a:t> HLS 2022.1 command prompt. </a:t>
             </a:r>
             <a:endParaRPr lang="zh-TW" altLang="en-US" dirty="0"/>
           </a:p>
         </p:txBody>
       </p:sp>
+      <p:pic>
+        <p:nvPicPr>
+          <p:cNvPr id="5" name="圖片 4">
+            <a:extLst>
+              <a:ext uri="{FF2B5EF4-FFF2-40B4-BE49-F238E27FC236}">
+                <a16:creationId xmlns:a16="http://schemas.microsoft.com/office/drawing/2014/main" id="{7A24CF0A-D919-4E81-B8D7-95B9C88315BD}"/>
+              </a:ext>
+            </a:extLst>
+          </p:cNvPr>
+          <p:cNvPicPr>
+            <a:picLocks noChangeAspect="1"/>
+          </p:cNvPicPr>
+          <p:nvPr/>
+        </p:nvPicPr>
+        <p:blipFill rotWithShape="1">
+          <a:blip r:embed="rId2"/>
+          <a:srcRect t="30954"/>
+          <a:stretch/>
+        </p:blipFill>
+        <p:spPr>
+          <a:xfrm>
+            <a:off x="3366706" y="2454049"/>
+            <a:ext cx="5458587" cy="3722914"/>
+          </a:xfrm>
+          <a:prstGeom prst="rect">
+            <a:avLst/>
+          </a:prstGeom>
+        </p:spPr>
+      </p:pic>
     </p:spTree>
     <p:extLst>
       <p:ext uri="{BB962C8B-B14F-4D97-AF65-F5344CB8AC3E}">
-        <p14:creationId xmlns:p14="http://schemas.microsoft.com/office/powerpoint/2010/main" val="541983220"/>
+        <p14:creationId xmlns:p14="http://schemas.microsoft.com/office/powerpoint/2010/main" val="3797274649"/>
       </p:ext>
     </p:extLst>
   </p:cSld>
@@ -6790,7 +10965,7 @@
 </p:sld>
 </file>
 
-<file path=ppt/slides/slide4.xml><?xml version="1.0" encoding="utf-8"?>
+<file path=ppt/slides/slide6.xml><?xml version="1.0" encoding="utf-8"?>
 <p:sld xmlns:a="http://schemas.openxmlformats.org/drawingml/2006/main" xmlns:r="http://schemas.openxmlformats.org/officeDocument/2006/relationships" xmlns:p="http://schemas.openxmlformats.org/presentationml/2006/main">
   <p:cSld>
     <p:spTree>
@@ -6807,15 +10982,296 @@
           <a:chExt cx="0" cy="0"/>
         </a:xfrm>
       </p:grpSpPr>
+      <p:sp>
+        <p:nvSpPr>
+          <p:cNvPr id="3" name="內容版面配置區 2">
+            <a:extLst>
+              <a:ext uri="{FF2B5EF4-FFF2-40B4-BE49-F238E27FC236}">
+                <a16:creationId xmlns:a16="http://schemas.microsoft.com/office/drawing/2014/main" id="{26F2FCAD-AABF-40D4-84E4-3708C95015A7}"/>
+              </a:ext>
+            </a:extLst>
+          </p:cNvPr>
+          <p:cNvSpPr>
+            <a:spLocks noGrp="1"/>
+          </p:cNvSpPr>
+          <p:nvPr>
+            <p:ph idx="1"/>
+          </p:nvPr>
+        </p:nvSpPr>
+        <p:spPr>
+          <a:xfrm>
+            <a:off x="838200" y="327716"/>
+            <a:ext cx="10515600" cy="4351338"/>
+          </a:xfrm>
+        </p:spPr>
+        <p:txBody>
+          <a:bodyPr/>
+          <a:lstStyle/>
+          <a:p>
+            <a:pPr marL="0" indent="0">
+              <a:buNone/>
+            </a:pPr>
+            <a:r>
+              <a:rPr lang="en-US" altLang="zh-TW" dirty="0"/>
+              <a:t>2. Change the directory to the folder of lab1 </a:t>
+            </a:r>
+          </a:p>
+          <a:p>
+            <a:pPr marL="0" indent="0">
+              <a:buNone/>
+            </a:pPr>
+            <a:r>
+              <a:rPr lang="en-US" altLang="zh-TW" dirty="0"/>
+              <a:t>3. Type command “</a:t>
+            </a:r>
+            <a:r>
+              <a:rPr lang="en-US" altLang="zh-TW" dirty="0" err="1"/>
+              <a:t>vitis_hls</a:t>
+            </a:r>
+            <a:r>
+              <a:rPr lang="en-US" altLang="zh-TW" dirty="0"/>
+              <a:t> -f </a:t>
+            </a:r>
+            <a:r>
+              <a:rPr lang="en-US" altLang="zh-TW" dirty="0" err="1"/>
+              <a:t>run_hls.tcl</a:t>
+            </a:r>
+            <a:r>
+              <a:rPr lang="en-US" altLang="zh-TW" dirty="0"/>
+              <a:t>” to set up the environment</a:t>
+            </a:r>
+          </a:p>
+          <a:p>
+            <a:pPr marL="0" indent="0">
+              <a:buNone/>
+            </a:pPr>
+            <a:r>
+              <a:rPr lang="en-US" altLang="zh-TW" dirty="0"/>
+              <a:t>4. Open the project with command “</a:t>
+            </a:r>
+            <a:r>
+              <a:rPr lang="en-US" altLang="zh-TW" dirty="0" err="1"/>
+              <a:t>vitis_hls</a:t>
+            </a:r>
+            <a:r>
+              <a:rPr lang="en-US" altLang="zh-TW" dirty="0"/>
+              <a:t> -p </a:t>
+            </a:r>
+            <a:r>
+              <a:rPr lang="en-US" altLang="zh-TW" dirty="0" err="1"/>
+              <a:t>adders_prj</a:t>
+            </a:r>
+            <a:r>
+              <a:rPr lang="en-US" altLang="zh-TW" dirty="0"/>
+              <a:t>”</a:t>
+            </a:r>
+          </a:p>
+          <a:p>
+            <a:pPr marL="0" indent="0">
+              <a:buNone/>
+            </a:pPr>
+            <a:r>
+              <a:rPr lang="en-US" altLang="zh-TW" dirty="0"/>
+              <a:t> </a:t>
+            </a:r>
+          </a:p>
+          <a:p>
+            <a:endParaRPr lang="zh-TW" altLang="en-US" dirty="0"/>
+          </a:p>
+        </p:txBody>
+      </p:sp>
       <p:pic>
         <p:nvPicPr>
-          <p:cNvPr id="4" name="內容版面配置區 3"/>
+          <p:cNvPr id="6" name="圖片 5">
+            <a:extLst>
+              <a:ext uri="{FF2B5EF4-FFF2-40B4-BE49-F238E27FC236}">
+                <a16:creationId xmlns:a16="http://schemas.microsoft.com/office/drawing/2014/main" id="{52724B1F-520F-4AD1-9024-D6D90B03B0E6}"/>
+              </a:ext>
+            </a:extLst>
+          </p:cNvPr>
           <p:cNvPicPr>
-            <a:picLocks noGrp="1" noChangeAspect="1"/>
+            <a:picLocks noChangeAspect="1"/>
           </p:cNvPicPr>
+          <p:nvPr/>
+        </p:nvPicPr>
+        <p:blipFill rotWithShape="1">
+          <a:blip r:embed="rId3"/>
+          <a:srcRect b="3774"/>
+          <a:stretch/>
+        </p:blipFill>
+        <p:spPr>
+          <a:xfrm>
+            <a:off x="1394080" y="4461339"/>
+            <a:ext cx="8958235" cy="2219917"/>
+          </a:xfrm>
+          <a:prstGeom prst="rect">
+            <a:avLst/>
+          </a:prstGeom>
+        </p:spPr>
+      </p:pic>
+      <p:pic>
+        <p:nvPicPr>
+          <p:cNvPr id="5" name="圖片 4">
+            <a:extLst>
+              <a:ext uri="{FF2B5EF4-FFF2-40B4-BE49-F238E27FC236}">
+                <a16:creationId xmlns:a16="http://schemas.microsoft.com/office/drawing/2014/main" id="{DDB45B9F-7EE3-489D-A2C9-210E13B3034F}"/>
+              </a:ext>
+            </a:extLst>
+          </p:cNvPr>
+          <p:cNvPicPr>
+            <a:picLocks noChangeAspect="1"/>
+          </p:cNvPicPr>
+          <p:nvPr/>
+        </p:nvPicPr>
+        <p:blipFill rotWithShape="1">
+          <a:blip r:embed="rId4"/>
+          <a:srcRect r="1534" b="41624"/>
+          <a:stretch/>
+        </p:blipFill>
+        <p:spPr>
+          <a:xfrm>
+            <a:off x="1394081" y="1789823"/>
+            <a:ext cx="8958234" cy="2780373"/>
+          </a:xfrm>
+          <a:prstGeom prst="rect">
+            <a:avLst/>
+          </a:prstGeom>
+        </p:spPr>
+      </p:pic>
+    </p:spTree>
+    <p:extLst>
+      <p:ext uri="{BB962C8B-B14F-4D97-AF65-F5344CB8AC3E}">
+        <p14:creationId xmlns:p14="http://schemas.microsoft.com/office/powerpoint/2010/main" val="4010676141"/>
+      </p:ext>
+    </p:extLst>
+  </p:cSld>
+  <p:clrMapOvr>
+    <a:masterClrMapping/>
+  </p:clrMapOvr>
+</p:sld>
+</file>
+
+<file path=ppt/slides/slide7.xml><?xml version="1.0" encoding="utf-8"?>
+<p:sld xmlns:a="http://schemas.openxmlformats.org/drawingml/2006/main" xmlns:r="http://schemas.openxmlformats.org/officeDocument/2006/relationships" xmlns:p="http://schemas.openxmlformats.org/presentationml/2006/main">
+  <p:cSld>
+    <p:spTree>
+      <p:nvGrpSpPr>
+        <p:cNvPr id="1" name=""/>
+        <p:cNvGrpSpPr/>
+        <p:nvPr/>
+      </p:nvGrpSpPr>
+      <p:grpSpPr>
+        <a:xfrm>
+          <a:off x="0" y="0"/>
+          <a:ext cx="0" cy="0"/>
+          <a:chOff x="0" y="0"/>
+          <a:chExt cx="0" cy="0"/>
+        </a:xfrm>
+      </p:grpSpPr>
+      <p:sp>
+        <p:nvSpPr>
+          <p:cNvPr id="3" name="內容版面配置區 2">
+            <a:extLst>
+              <a:ext uri="{FF2B5EF4-FFF2-40B4-BE49-F238E27FC236}">
+                <a16:creationId xmlns:a16="http://schemas.microsoft.com/office/drawing/2014/main" id="{16DF29BA-F489-405A-9064-D70823F574BF}"/>
+              </a:ext>
+            </a:extLst>
+          </p:cNvPr>
+          <p:cNvSpPr>
+            <a:spLocks noGrp="1"/>
+          </p:cNvSpPr>
           <p:nvPr>
             <p:ph idx="1"/>
           </p:nvPr>
+        </p:nvSpPr>
+        <p:spPr>
+          <a:xfrm>
+            <a:off x="838200" y="639082"/>
+            <a:ext cx="10515600" cy="4351338"/>
+          </a:xfrm>
+        </p:spPr>
+        <p:txBody>
+          <a:bodyPr/>
+          <a:lstStyle/>
+          <a:p>
+            <a:pPr marL="0" indent="0">
+              <a:buNone/>
+            </a:pPr>
+            <a:r>
+              <a:rPr lang="en-US" altLang="zh-TW" dirty="0"/>
+              <a:t>5. Set interface of in1, in2 and in3 as </a:t>
+            </a:r>
+            <a:r>
+              <a:rPr lang="en-US" altLang="zh-TW" dirty="0" err="1"/>
+              <a:t>ap_none</a:t>
+            </a:r>
+            <a:r>
+              <a:rPr lang="en-US" altLang="zh-TW" dirty="0"/>
+              <a:t>.</a:t>
+            </a:r>
+          </a:p>
+          <a:p>
+            <a:pPr marL="0" indent="0">
+              <a:buNone/>
+            </a:pPr>
+            <a:r>
+              <a:rPr lang="en-US" altLang="zh-TW" dirty="0"/>
+              <a:t>6. Set interface of adders(top function) as </a:t>
+            </a:r>
+            <a:r>
+              <a:rPr lang="en-US" altLang="zh-TW" dirty="0" err="1"/>
+              <a:t>ap_ctrl_none</a:t>
+            </a:r>
+            <a:r>
+              <a:rPr lang="en-US" altLang="zh-TW" dirty="0"/>
+              <a:t>, </a:t>
+            </a:r>
+            <a:r>
+              <a:rPr lang="en-US" altLang="zh-TW" dirty="0" err="1"/>
+              <a:t>ap_ctrl_hs</a:t>
+            </a:r>
+            <a:r>
+              <a:rPr lang="en-US" altLang="zh-TW" dirty="0"/>
+              <a:t>, and </a:t>
+            </a:r>
+            <a:r>
+              <a:rPr lang="en-US" altLang="zh-TW" dirty="0" err="1"/>
+              <a:t>ap_ctrl_chain</a:t>
+            </a:r>
+            <a:r>
+              <a:rPr lang="en-US" altLang="zh-TW" dirty="0"/>
+              <a:t>.</a:t>
+            </a:r>
+          </a:p>
+          <a:p>
+            <a:pPr marL="0" indent="0">
+              <a:buNone/>
+            </a:pPr>
+            <a:r>
+              <a:rPr lang="en-US" altLang="zh-TW" dirty="0"/>
+              <a:t>7. C simulation      C Synthesis     </a:t>
+            </a:r>
+            <a:r>
+              <a:rPr lang="en-US" altLang="zh-TW" dirty="0" err="1"/>
+              <a:t>Cosimulation</a:t>
+            </a:r>
+            <a:endParaRPr lang="zh-TW" altLang="en-US" dirty="0"/>
+          </a:p>
+        </p:txBody>
+      </p:sp>
+      <p:pic>
+        <p:nvPicPr>
+          <p:cNvPr id="4" name="圖片 3">
+            <a:extLst>
+              <a:ext uri="{FF2B5EF4-FFF2-40B4-BE49-F238E27FC236}">
+                <a16:creationId xmlns:a16="http://schemas.microsoft.com/office/drawing/2014/main" id="{D3B82118-D43E-4950-8E6F-BDA1A7F1CF9E}"/>
+              </a:ext>
+            </a:extLst>
+          </p:cNvPr>
+          <p:cNvPicPr>
+            <a:picLocks noChangeAspect="1"/>
+          </p:cNvPicPr>
+          <p:nvPr/>
         </p:nvPicPr>
         <p:blipFill>
           <a:blip r:embed="rId2"/>
@@ -6825,18 +11281,156 @@
         </p:blipFill>
         <p:spPr>
           <a:xfrm>
-            <a:off x="939803" y="1124038"/>
-            <a:ext cx="10364646" cy="4239217"/>
+            <a:off x="1403052" y="3066101"/>
+            <a:ext cx="4096322" cy="1924319"/>
           </a:xfrm>
           <a:prstGeom prst="rect">
             <a:avLst/>
           </a:prstGeom>
         </p:spPr>
       </p:pic>
+      <p:pic>
+        <p:nvPicPr>
+          <p:cNvPr id="5" name="圖片 4">
+            <a:extLst>
+              <a:ext uri="{FF2B5EF4-FFF2-40B4-BE49-F238E27FC236}">
+                <a16:creationId xmlns:a16="http://schemas.microsoft.com/office/drawing/2014/main" id="{38550162-891E-4E5A-BC4F-91F658BA21BE}"/>
+              </a:ext>
+            </a:extLst>
+          </p:cNvPr>
+          <p:cNvPicPr>
+            <a:picLocks noChangeAspect="1"/>
+          </p:cNvPicPr>
+          <p:nvPr/>
+        </p:nvPicPr>
+        <p:blipFill>
+          <a:blip r:embed="rId3"/>
+          <a:stretch>
+            <a:fillRect/>
+          </a:stretch>
+        </p:blipFill>
+        <p:spPr>
+          <a:xfrm>
+            <a:off x="6877685" y="2507252"/>
+            <a:ext cx="2705478" cy="4048690"/>
+          </a:xfrm>
+          <a:prstGeom prst="rect">
+            <a:avLst/>
+          </a:prstGeom>
+        </p:spPr>
+      </p:pic>
+      <p:sp>
+        <p:nvSpPr>
+          <p:cNvPr id="8" name="箭號: 向右 7">
+            <a:extLst>
+              <a:ext uri="{FF2B5EF4-FFF2-40B4-BE49-F238E27FC236}">
+                <a16:creationId xmlns:a16="http://schemas.microsoft.com/office/drawing/2014/main" id="{971C1C1D-3218-4A84-B19F-00FB630E1B71}"/>
+              </a:ext>
+            </a:extLst>
+          </p:cNvPr>
+          <p:cNvSpPr/>
+          <p:nvPr/>
+        </p:nvSpPr>
+        <p:spPr>
+          <a:xfrm>
+            <a:off x="3179071" y="2224224"/>
+            <a:ext cx="283028" cy="228600"/>
+          </a:xfrm>
+          <a:prstGeom prst="rightArrow">
+            <a:avLst/>
+          </a:prstGeom>
+          <a:solidFill>
+            <a:schemeClr val="tx1"/>
+          </a:solidFill>
+          <a:ln>
+            <a:solidFill>
+              <a:schemeClr val="tx1"/>
+            </a:solidFill>
+          </a:ln>
+        </p:spPr>
+        <p:style>
+          <a:lnRef idx="2">
+            <a:schemeClr val="accent1">
+              <a:shade val="50000"/>
+            </a:schemeClr>
+          </a:lnRef>
+          <a:fillRef idx="1">
+            <a:schemeClr val="accent1"/>
+          </a:fillRef>
+          <a:effectRef idx="0">
+            <a:schemeClr val="accent1"/>
+          </a:effectRef>
+          <a:fontRef idx="minor">
+            <a:schemeClr val="lt1"/>
+          </a:fontRef>
+        </p:style>
+        <p:txBody>
+          <a:bodyPr rtlCol="0" anchor="ctr"/>
+          <a:lstStyle/>
+          <a:p>
+            <a:pPr algn="ctr"/>
+            <a:endParaRPr lang="zh-TW" altLang="en-US"/>
+          </a:p>
+        </p:txBody>
+      </p:sp>
+      <p:sp>
+        <p:nvSpPr>
+          <p:cNvPr id="10" name="箭號: 向右 9">
+            <a:extLst>
+              <a:ext uri="{FF2B5EF4-FFF2-40B4-BE49-F238E27FC236}">
+                <a16:creationId xmlns:a16="http://schemas.microsoft.com/office/drawing/2014/main" id="{28358945-094E-4459-8BCF-3EA5DF8CB7E7}"/>
+              </a:ext>
+            </a:extLst>
+          </p:cNvPr>
+          <p:cNvSpPr/>
+          <p:nvPr/>
+        </p:nvSpPr>
+        <p:spPr>
+          <a:xfrm>
+            <a:off x="5216346" y="2233205"/>
+            <a:ext cx="283028" cy="228600"/>
+          </a:xfrm>
+          <a:prstGeom prst="rightArrow">
+            <a:avLst/>
+          </a:prstGeom>
+          <a:solidFill>
+            <a:schemeClr val="tx1"/>
+          </a:solidFill>
+          <a:ln>
+            <a:solidFill>
+              <a:schemeClr val="tx1"/>
+            </a:solidFill>
+          </a:ln>
+        </p:spPr>
+        <p:style>
+          <a:lnRef idx="2">
+            <a:schemeClr val="accent1">
+              <a:shade val="50000"/>
+            </a:schemeClr>
+          </a:lnRef>
+          <a:fillRef idx="1">
+            <a:schemeClr val="accent1"/>
+          </a:fillRef>
+          <a:effectRef idx="0">
+            <a:schemeClr val="accent1"/>
+          </a:effectRef>
+          <a:fontRef idx="minor">
+            <a:schemeClr val="lt1"/>
+          </a:fontRef>
+        </p:style>
+        <p:txBody>
+          <a:bodyPr rtlCol="0" anchor="ctr"/>
+          <a:lstStyle/>
+          <a:p>
+            <a:pPr algn="ctr"/>
+            <a:endParaRPr lang="zh-TW" altLang="en-US"/>
+          </a:p>
+        </p:txBody>
+      </p:sp>
     </p:spTree>
     <p:extLst>
       <p:ext uri="{BB962C8B-B14F-4D97-AF65-F5344CB8AC3E}">
-        <p14:creationId xmlns:p14="http://schemas.microsoft.com/office/powerpoint/2010/main" val="3839706225"/>
+        <p14:creationId xmlns:p14="http://schemas.microsoft.com/office/powerpoint/2010/main" val="3561353779"/>
       </p:ext>
     </p:extLst>
   </p:cSld>
@@ -6846,7 +11440,7 @@
 </p:sld>
 </file>
 
-<file path=ppt/slides/slide5.xml><?xml version="1.0" encoding="utf-8"?>
+<file path=ppt/slides/slide8.xml><?xml version="1.0" encoding="utf-8"?>
 <p:sld xmlns:a="http://schemas.openxmlformats.org/drawingml/2006/main" xmlns:r="http://schemas.openxmlformats.org/officeDocument/2006/relationships" xmlns:p="http://schemas.openxmlformats.org/presentationml/2006/main">
   <p:cSld>
     <p:spTree>
@@ -6925,7 +11519,7 @@
 </p:sld>
 </file>
 
-<file path=ppt/slides/slide6.xml><?xml version="1.0" encoding="utf-8"?>
+<file path=ppt/slides/slide9.xml><?xml version="1.0" encoding="utf-8"?>
 <p:sld xmlns:a="http://schemas.openxmlformats.org/drawingml/2006/main" xmlns:r="http://schemas.openxmlformats.org/officeDocument/2006/relationships" xmlns:p="http://schemas.openxmlformats.org/presentationml/2006/main">
   <p:cSld>
     <p:spTree>
@@ -6995,304 +11589,6 @@
     <p:extLst>
       <p:ext uri="{BB962C8B-B14F-4D97-AF65-F5344CB8AC3E}">
         <p14:creationId xmlns:p14="http://schemas.microsoft.com/office/powerpoint/2010/main" val="3552316331"/>
-      </p:ext>
-    </p:extLst>
-  </p:cSld>
-  <p:clrMapOvr>
-    <a:masterClrMapping/>
-  </p:clrMapOvr>
-</p:sld>
-</file>
-
-<file path=ppt/slides/slide7.xml><?xml version="1.0" encoding="utf-8"?>
-<p:sld xmlns:a="http://schemas.openxmlformats.org/drawingml/2006/main" xmlns:r="http://schemas.openxmlformats.org/officeDocument/2006/relationships" xmlns:p="http://schemas.openxmlformats.org/presentationml/2006/main">
-  <p:cSld>
-    <p:spTree>
-      <p:nvGrpSpPr>
-        <p:cNvPr id="1" name=""/>
-        <p:cNvGrpSpPr/>
-        <p:nvPr/>
-      </p:nvGrpSpPr>
-      <p:grpSpPr>
-        <a:xfrm>
-          <a:off x="0" y="0"/>
-          <a:ext cx="0" cy="0"/>
-          <a:chOff x="0" y="0"/>
-          <a:chExt cx="0" cy="0"/>
-        </a:xfrm>
-      </p:grpSpPr>
-      <p:sp>
-        <p:nvSpPr>
-          <p:cNvPr id="2" name="標題 1"/>
-          <p:cNvSpPr>
-            <a:spLocks noGrp="1"/>
-          </p:cNvSpPr>
-          <p:nvPr>
-            <p:ph type="title"/>
-          </p:nvPr>
-        </p:nvSpPr>
-        <p:spPr/>
-        <p:txBody>
-          <a:bodyPr/>
-          <a:lstStyle/>
-          <a:p>
-            <a:r>
-              <a:rPr lang="en-US" altLang="zh-TW" dirty="0" err="1"/>
-              <a:t>ap_ctrl_none</a:t>
-            </a:r>
-            <a:endParaRPr lang="zh-TW" altLang="en-US" dirty="0"/>
-          </a:p>
-        </p:txBody>
-      </p:sp>
-      <p:pic>
-        <p:nvPicPr>
-          <p:cNvPr id="4" name="內容版面配置區 3"/>
-          <p:cNvPicPr>
-            <a:picLocks noGrp="1" noChangeAspect="1"/>
-          </p:cNvPicPr>
-          <p:nvPr>
-            <p:ph idx="1"/>
-          </p:nvPr>
-        </p:nvPicPr>
-        <p:blipFill>
-          <a:blip r:embed="rId2"/>
-          <a:stretch>
-            <a:fillRect/>
-          </a:stretch>
-        </p:blipFill>
-        <p:spPr>
-          <a:xfrm>
-            <a:off x="2178750" y="2024744"/>
-            <a:ext cx="7834499" cy="3448594"/>
-          </a:xfrm>
-          <a:prstGeom prst="rect">
-            <a:avLst/>
-          </a:prstGeom>
-        </p:spPr>
-      </p:pic>
-    </p:spTree>
-    <p:extLst>
-      <p:ext uri="{BB962C8B-B14F-4D97-AF65-F5344CB8AC3E}">
-        <p14:creationId xmlns:p14="http://schemas.microsoft.com/office/powerpoint/2010/main" val="3295641125"/>
-      </p:ext>
-    </p:extLst>
-  </p:cSld>
-  <p:clrMapOvr>
-    <a:masterClrMapping/>
-  </p:clrMapOvr>
-</p:sld>
-</file>
-
-<file path=ppt/slides/slide8.xml><?xml version="1.0" encoding="utf-8"?>
-<p:sld xmlns:a="http://schemas.openxmlformats.org/drawingml/2006/main" xmlns:r="http://schemas.openxmlformats.org/officeDocument/2006/relationships" xmlns:p="http://schemas.openxmlformats.org/presentationml/2006/main">
-  <p:cSld>
-    <p:spTree>
-      <p:nvGrpSpPr>
-        <p:cNvPr id="1" name=""/>
-        <p:cNvGrpSpPr/>
-        <p:nvPr/>
-      </p:nvGrpSpPr>
-      <p:grpSpPr>
-        <a:xfrm>
-          <a:off x="0" y="0"/>
-          <a:ext cx="0" cy="0"/>
-          <a:chOff x="0" y="0"/>
-          <a:chExt cx="0" cy="0"/>
-        </a:xfrm>
-      </p:grpSpPr>
-      <p:sp>
-        <p:nvSpPr>
-          <p:cNvPr id="2" name="標題 1"/>
-          <p:cNvSpPr>
-            <a:spLocks noGrp="1"/>
-          </p:cNvSpPr>
-          <p:nvPr>
-            <p:ph type="title"/>
-          </p:nvPr>
-        </p:nvSpPr>
-        <p:spPr/>
-        <p:txBody>
-          <a:bodyPr/>
-          <a:lstStyle/>
-          <a:p>
-            <a:r>
-              <a:rPr lang="en-US" altLang="zh-TW" dirty="0"/>
-              <a:t>Error in Co-simulation with </a:t>
-            </a:r>
-            <a:r>
-              <a:rPr lang="en-US" altLang="zh-TW" b="1" dirty="0" err="1"/>
-              <a:t>ap_ctrl_none</a:t>
-            </a:r>
-            <a:endParaRPr lang="zh-TW" altLang="en-US" b="1" dirty="0"/>
-          </a:p>
-        </p:txBody>
-      </p:sp>
-      <p:sp>
-        <p:nvSpPr>
-          <p:cNvPr id="3" name="內容版面配置區 2"/>
-          <p:cNvSpPr>
-            <a:spLocks noGrp="1"/>
-          </p:cNvSpPr>
-          <p:nvPr>
-            <p:ph idx="1"/>
-          </p:nvPr>
-        </p:nvSpPr>
-        <p:spPr/>
-        <p:txBody>
-          <a:bodyPr/>
-          <a:lstStyle/>
-          <a:p>
-            <a:r>
-              <a:rPr lang="en-US" altLang="zh-TW" dirty="0"/>
-              <a:t>Co-simulation requires a block-level I/O protocol to sequence the test bench. </a:t>
-            </a:r>
-          </a:p>
-          <a:p>
-            <a:endParaRPr lang="en-US" altLang="zh-TW" dirty="0"/>
-          </a:p>
-          <a:p>
-            <a:r>
-              <a:rPr lang="en-US" altLang="zh-TW" dirty="0"/>
-              <a:t>The </a:t>
-            </a:r>
-            <a:r>
-              <a:rPr lang="en-US" altLang="zh-TW" dirty="0" err="1"/>
-              <a:t>ap_ctrl_none</a:t>
-            </a:r>
-            <a:r>
-              <a:rPr lang="en-US" altLang="zh-TW" dirty="0"/>
-              <a:t> doesn’t add the block level I/O ports. It can’t operate co-simulation.</a:t>
-            </a:r>
-          </a:p>
-          <a:p>
-            <a:endParaRPr lang="en-US" altLang="zh-TW" dirty="0"/>
-          </a:p>
-          <a:p>
-            <a:r>
-              <a:rPr lang="en-US" altLang="zh-TW" dirty="0"/>
-              <a:t>However, in our case, this is the combinational logic, so we can operate co-simulation.</a:t>
-            </a:r>
-          </a:p>
-        </p:txBody>
-      </p:sp>
-    </p:spTree>
-    <p:extLst>
-      <p:ext uri="{BB962C8B-B14F-4D97-AF65-F5344CB8AC3E}">
-        <p14:creationId xmlns:p14="http://schemas.microsoft.com/office/powerpoint/2010/main" val="1180781820"/>
-      </p:ext>
-    </p:extLst>
-  </p:cSld>
-  <p:clrMapOvr>
-    <a:masterClrMapping/>
-  </p:clrMapOvr>
-</p:sld>
-</file>
-
-<file path=ppt/slides/slide9.xml><?xml version="1.0" encoding="utf-8"?>
-<p:sld xmlns:a="http://schemas.openxmlformats.org/drawingml/2006/main" xmlns:r="http://schemas.openxmlformats.org/officeDocument/2006/relationships" xmlns:p="http://schemas.openxmlformats.org/presentationml/2006/main">
-  <p:cSld>
-    <p:spTree>
-      <p:nvGrpSpPr>
-        <p:cNvPr id="1" name=""/>
-        <p:cNvGrpSpPr/>
-        <p:nvPr/>
-      </p:nvGrpSpPr>
-      <p:grpSpPr>
-        <a:xfrm>
-          <a:off x="0" y="0"/>
-          <a:ext cx="0" cy="0"/>
-          <a:chOff x="0" y="0"/>
-          <a:chExt cx="0" cy="0"/>
-        </a:xfrm>
-      </p:grpSpPr>
-      <p:sp>
-        <p:nvSpPr>
-          <p:cNvPr id="2" name="標題 1"/>
-          <p:cNvSpPr>
-            <a:spLocks noGrp="1"/>
-          </p:cNvSpPr>
-          <p:nvPr>
-            <p:ph type="title"/>
-          </p:nvPr>
-        </p:nvSpPr>
-        <p:spPr/>
-        <p:txBody>
-          <a:bodyPr/>
-          <a:lstStyle/>
-          <a:p>
-            <a:r>
-              <a:rPr lang="en-US" altLang="zh-TW" dirty="0"/>
-              <a:t>Lab 2 (Port-level protocol)</a:t>
-            </a:r>
-            <a:endParaRPr lang="zh-TW" altLang="en-US" dirty="0"/>
-          </a:p>
-        </p:txBody>
-      </p:sp>
-      <p:sp>
-        <p:nvSpPr>
-          <p:cNvPr id="3" name="內容版面配置區 2"/>
-          <p:cNvSpPr>
-            <a:spLocks noGrp="1"/>
-          </p:cNvSpPr>
-          <p:nvPr>
-            <p:ph idx="1"/>
-          </p:nvPr>
-        </p:nvSpPr>
-        <p:spPr/>
-        <p:txBody>
-          <a:bodyPr/>
-          <a:lstStyle/>
-          <a:p>
-            <a:r>
-              <a:rPr lang="en-US" altLang="zh-TW" dirty="0"/>
-              <a:t>The port-level I/O protocol is the data flow I/O ports.</a:t>
-            </a:r>
-          </a:p>
-          <a:p>
-            <a:endParaRPr lang="en-US" altLang="zh-TW" dirty="0"/>
-          </a:p>
-          <a:p>
-            <a:r>
-              <a:rPr lang="en-US" altLang="zh-TW" dirty="0"/>
-              <a:t>There’re three different kinds port-level protocol. </a:t>
-            </a:r>
-          </a:p>
-          <a:p>
-            <a:pPr marL="0" indent="0">
-              <a:buNone/>
-            </a:pPr>
-            <a:endParaRPr lang="en-US" altLang="zh-TW" dirty="0"/>
-          </a:p>
-        </p:txBody>
-      </p:sp>
-      <p:pic>
-        <p:nvPicPr>
-          <p:cNvPr id="6" name="圖片 5"/>
-          <p:cNvPicPr>
-            <a:picLocks noChangeAspect="1"/>
-          </p:cNvPicPr>
-          <p:nvPr/>
-        </p:nvPicPr>
-        <p:blipFill>
-          <a:blip r:embed="rId2"/>
-          <a:stretch>
-            <a:fillRect/>
-          </a:stretch>
-        </p:blipFill>
-        <p:spPr>
-          <a:xfrm>
-            <a:off x="1504309" y="3816139"/>
-            <a:ext cx="9183382" cy="1733792"/>
-          </a:xfrm>
-          <a:prstGeom prst="rect">
-            <a:avLst/>
-          </a:prstGeom>
-        </p:spPr>
-      </p:pic>
-    </p:spTree>
-    <p:extLst>
-      <p:ext uri="{BB962C8B-B14F-4D97-AF65-F5344CB8AC3E}">
-        <p14:creationId xmlns:p14="http://schemas.microsoft.com/office/powerpoint/2010/main" val="3610451874"/>
       </p:ext>
     </p:extLst>
   </p:cSld>
